--- a/天气预测系统答辩.pptx
+++ b/天气预测系统答辩.pptx
@@ -8,10 +8,10 @@
     <p:sldMasterId id="2147483700" r:id="rId4"/>
   </p:sldMasterIdLst>
   <p:notesMasterIdLst>
-    <p:notesMasterId r:id="rId31"/>
+    <p:notesMasterId r:id="rId32"/>
   </p:notesMasterIdLst>
   <p:handoutMasterIdLst>
-    <p:handoutMasterId r:id="rId32"/>
+    <p:handoutMasterId r:id="rId33"/>
   </p:handoutMasterIdLst>
   <p:sldIdLst>
     <p:sldId id="256" r:id="rId5"/>
@@ -27,19 +27,20 @@
     <p:sldId id="296" r:id="rId15"/>
     <p:sldId id="297" r:id="rId16"/>
     <p:sldId id="298" r:id="rId17"/>
-    <p:sldId id="293" r:id="rId18"/>
-    <p:sldId id="291" r:id="rId19"/>
-    <p:sldId id="276" r:id="rId20"/>
-    <p:sldId id="292" r:id="rId21"/>
-    <p:sldId id="302" r:id="rId22"/>
-    <p:sldId id="277" r:id="rId23"/>
-    <p:sldId id="305" r:id="rId24"/>
-    <p:sldId id="303" r:id="rId25"/>
-    <p:sldId id="304" r:id="rId26"/>
-    <p:sldId id="306" r:id="rId27"/>
-    <p:sldId id="308" r:id="rId28"/>
-    <p:sldId id="280" r:id="rId29"/>
-    <p:sldId id="263" r:id="rId30"/>
+    <p:sldId id="309" r:id="rId18"/>
+    <p:sldId id="293" r:id="rId19"/>
+    <p:sldId id="291" r:id="rId20"/>
+    <p:sldId id="276" r:id="rId21"/>
+    <p:sldId id="292" r:id="rId22"/>
+    <p:sldId id="302" r:id="rId23"/>
+    <p:sldId id="277" r:id="rId24"/>
+    <p:sldId id="305" r:id="rId25"/>
+    <p:sldId id="303" r:id="rId26"/>
+    <p:sldId id="304" r:id="rId27"/>
+    <p:sldId id="306" r:id="rId28"/>
+    <p:sldId id="308" r:id="rId29"/>
+    <p:sldId id="280" r:id="rId30"/>
+    <p:sldId id="263" r:id="rId31"/>
   </p:sldIdLst>
   <p:sldSz cx="12192000" cy="6858000"/>
   <p:notesSz cx="6858000" cy="9144000"/>
@@ -1394,7 +1395,7 @@
           <a:p>
             <a:fld id="{0F9B84EA-7D68-4D60-9CB1-D50884785D1C}" type="datetimeFigureOut">
               <a:rPr lang="zh-CN" altLang="en-US" smtClean="0"/>
-              <a:t>2020/7/12</a:t>
+              <a:t>2020/7/13</a:t>
             </a:fld>
             <a:endParaRPr lang="zh-CN" altLang="en-US"/>
           </a:p>
@@ -1559,7 +1560,7 @@
           <a:p>
             <a:fld id="{7DAAE073-C92D-496B-989B-7C23C45D5D3B}" type="datetimeFigureOut">
               <a:rPr lang="zh-CN" altLang="en-US" smtClean="0"/>
-              <a:t>2020/7/12</a:t>
+              <a:t>2020/7/13</a:t>
             </a:fld>
             <a:endParaRPr lang="zh-CN" altLang="en-US"/>
           </a:p>
@@ -1975,7 +1976,7 @@
           <a:p>
             <a:fld id="{AC1CDDB6-9008-4A4D-86C6-F2AA4FBCEC3D}" type="slidenum">
               <a:rPr lang="zh-CN" altLang="en-US" smtClean="0"/>
-              <a:t>25</a:t>
+              <a:t>26</a:t>
             </a:fld>
             <a:endParaRPr lang="zh-CN" altLang="en-US"/>
           </a:p>
@@ -2123,7 +2124,7 @@
           <a:p>
             <a:fld id="{8BD7258D-2718-4FBF-9BE2-49BD7F9ECD66}" type="datetimeFigureOut">
               <a:rPr lang="zh-CN" altLang="en-US" smtClean="0"/>
-              <a:t>2020/7/12</a:t>
+              <a:t>2020/7/13</a:t>
             </a:fld>
             <a:endParaRPr lang="zh-CN" altLang="en-US"/>
           </a:p>
@@ -2286,7 +2287,7 @@
           <a:p>
             <a:fld id="{8BD7258D-2718-4FBF-9BE2-49BD7F9ECD66}" type="datetimeFigureOut">
               <a:rPr lang="zh-CN" altLang="en-US" smtClean="0"/>
-              <a:t>2020/7/12</a:t>
+              <a:t>2020/7/13</a:t>
             </a:fld>
             <a:endParaRPr lang="zh-CN" altLang="en-US"/>
           </a:p>
@@ -2459,7 +2460,7 @@
           <a:p>
             <a:fld id="{8BD7258D-2718-4FBF-9BE2-49BD7F9ECD66}" type="datetimeFigureOut">
               <a:rPr lang="zh-CN" altLang="en-US" smtClean="0"/>
-              <a:t>2020/7/12</a:t>
+              <a:t>2020/7/13</a:t>
             </a:fld>
             <a:endParaRPr lang="zh-CN" altLang="en-US"/>
           </a:p>
@@ -2700,7 +2701,7 @@
                   </a:prstClr>
                 </a:solidFill>
               </a:rPr>
-              <a:t>2020/7/12</a:t>
+              <a:t>2020/7/13</a:t>
             </a:fld>
             <a:endParaRPr lang="zh-CN" altLang="en-US">
               <a:solidFill>
@@ -2896,7 +2897,7 @@
                   </a:prstClr>
                 </a:solidFill>
               </a:rPr>
-              <a:t>2020/7/12</a:t>
+              <a:t>2020/7/13</a:t>
             </a:fld>
             <a:endParaRPr lang="zh-CN" altLang="en-US">
               <a:solidFill>
@@ -3169,7 +3170,7 @@
                   </a:prstClr>
                 </a:solidFill>
               </a:rPr>
-              <a:t>2020/7/12</a:t>
+              <a:t>2020/7/13</a:t>
             </a:fld>
             <a:endParaRPr lang="zh-CN" altLang="en-US">
               <a:solidFill>
@@ -3426,7 +3427,7 @@
                   </a:prstClr>
                 </a:solidFill>
               </a:rPr>
-              <a:t>2020/7/12</a:t>
+              <a:t>2020/7/13</a:t>
             </a:fld>
             <a:endParaRPr lang="zh-CN" altLang="en-US">
               <a:solidFill>
@@ -3818,7 +3819,7 @@
                   </a:prstClr>
                 </a:solidFill>
               </a:rPr>
-              <a:t>2020/7/12</a:t>
+              <a:t>2020/7/13</a:t>
             </a:fld>
             <a:endParaRPr lang="zh-CN" altLang="en-US">
               <a:solidFill>
@@ -3963,7 +3964,7 @@
                   </a:prstClr>
                 </a:solidFill>
               </a:rPr>
-              <a:t>2020/7/12</a:t>
+              <a:t>2020/7/13</a:t>
             </a:fld>
             <a:endParaRPr lang="zh-CN" altLang="en-US">
               <a:solidFill>
@@ -4153,7 +4154,7 @@
           <a:p>
             <a:fld id="{8BD7258D-2718-4FBF-9BE2-49BD7F9ECD66}" type="datetimeFigureOut">
               <a:rPr lang="zh-CN" altLang="en-US" smtClean="0"/>
-              <a:t>2020/7/12</a:t>
+              <a:t>2020/7/13</a:t>
             </a:fld>
             <a:endParaRPr lang="zh-CN" altLang="en-US"/>
           </a:p>
@@ -4249,7 +4250,7 @@
                   </a:prstClr>
                 </a:solidFill>
               </a:rPr>
-              <a:t>2020/7/12</a:t>
+              <a:t>2020/7/13</a:t>
             </a:fld>
             <a:endParaRPr lang="zh-CN" altLang="en-US">
               <a:solidFill>
@@ -4552,7 +4553,7 @@
                   </a:prstClr>
                 </a:solidFill>
               </a:rPr>
-              <a:t>2020/7/12</a:t>
+              <a:t>2020/7/13</a:t>
             </a:fld>
             <a:endParaRPr lang="zh-CN" altLang="en-US">
               <a:solidFill>
@@ -4832,7 +4833,7 @@
                   </a:prstClr>
                 </a:solidFill>
               </a:rPr>
-              <a:t>2020/7/12</a:t>
+              <a:t>2020/7/13</a:t>
             </a:fld>
             <a:endParaRPr lang="zh-CN" altLang="en-US">
               <a:solidFill>
@@ -5028,7 +5029,7 @@
                   </a:prstClr>
                 </a:solidFill>
               </a:rPr>
-              <a:t>2020/7/12</a:t>
+              <a:t>2020/7/13</a:t>
             </a:fld>
             <a:endParaRPr lang="zh-CN" altLang="en-US">
               <a:solidFill>
@@ -5234,7 +5235,7 @@
                   </a:prstClr>
                 </a:solidFill>
               </a:rPr>
-              <a:t>2020/7/12</a:t>
+              <a:t>2020/7/13</a:t>
             </a:fld>
             <a:endParaRPr lang="zh-CN" altLang="en-US">
               <a:solidFill>
@@ -5452,7 +5453,7 @@
                   </a:prstClr>
                 </a:solidFill>
               </a:rPr>
-              <a:t>2020/7/12</a:t>
+              <a:t>2020/7/13</a:t>
             </a:fld>
             <a:endParaRPr lang="zh-CN" altLang="en-US">
               <a:solidFill>
@@ -5648,7 +5649,7 @@
                   </a:prstClr>
                 </a:solidFill>
               </a:rPr>
-              <a:t>2020/7/12</a:t>
+              <a:t>2020/7/13</a:t>
             </a:fld>
             <a:endParaRPr lang="zh-CN" altLang="en-US">
               <a:solidFill>
@@ -5921,7 +5922,7 @@
                   </a:prstClr>
                 </a:solidFill>
               </a:rPr>
-              <a:t>2020/7/12</a:t>
+              <a:t>2020/7/13</a:t>
             </a:fld>
             <a:endParaRPr lang="zh-CN" altLang="en-US">
               <a:solidFill>
@@ -6178,7 +6179,7 @@
                   </a:prstClr>
                 </a:solidFill>
               </a:rPr>
-              <a:t>2020/7/12</a:t>
+              <a:t>2020/7/13</a:t>
             </a:fld>
             <a:endParaRPr lang="zh-CN" altLang="en-US">
               <a:solidFill>
@@ -6570,7 +6571,7 @@
                   </a:prstClr>
                 </a:solidFill>
               </a:rPr>
-              <a:t>2020/7/12</a:t>
+              <a:t>2020/7/13</a:t>
             </a:fld>
             <a:endParaRPr lang="zh-CN" altLang="en-US">
               <a:solidFill>
@@ -6837,7 +6838,7 @@
           <a:p>
             <a:fld id="{8BD7258D-2718-4FBF-9BE2-49BD7F9ECD66}" type="datetimeFigureOut">
               <a:rPr lang="zh-CN" altLang="en-US" smtClean="0"/>
-              <a:t>2020/7/12</a:t>
+              <a:t>2020/7/13</a:t>
             </a:fld>
             <a:endParaRPr lang="zh-CN" altLang="en-US"/>
           </a:p>
@@ -6955,7 +6956,7 @@
                   </a:prstClr>
                 </a:solidFill>
               </a:rPr>
-              <a:t>2020/7/12</a:t>
+              <a:t>2020/7/13</a:t>
             </a:fld>
             <a:endParaRPr lang="zh-CN" altLang="en-US">
               <a:solidFill>
@@ -7078,7 +7079,7 @@
                   </a:prstClr>
                 </a:solidFill>
               </a:rPr>
-              <a:t>2020/7/12</a:t>
+              <a:t>2020/7/13</a:t>
             </a:fld>
             <a:endParaRPr lang="zh-CN" altLang="en-US">
               <a:solidFill>
@@ -7381,7 +7382,7 @@
                   </a:prstClr>
                 </a:solidFill>
               </a:rPr>
-              <a:t>2020/7/12</a:t>
+              <a:t>2020/7/13</a:t>
             </a:fld>
             <a:endParaRPr lang="zh-CN" altLang="en-US">
               <a:solidFill>
@@ -7661,7 +7662,7 @@
                   </a:prstClr>
                 </a:solidFill>
               </a:rPr>
-              <a:t>2020/7/12</a:t>
+              <a:t>2020/7/13</a:t>
             </a:fld>
             <a:endParaRPr lang="zh-CN" altLang="en-US">
               <a:solidFill>
@@ -7857,7 +7858,7 @@
                   </a:prstClr>
                 </a:solidFill>
               </a:rPr>
-              <a:t>2020/7/12</a:t>
+              <a:t>2020/7/13</a:t>
             </a:fld>
             <a:endParaRPr lang="zh-CN" altLang="en-US">
               <a:solidFill>
@@ -8063,7 +8064,7 @@
                   </a:prstClr>
                 </a:solidFill>
               </a:rPr>
-              <a:t>2020/7/12</a:t>
+              <a:t>2020/7/13</a:t>
             </a:fld>
             <a:endParaRPr lang="zh-CN" altLang="en-US">
               <a:solidFill>
@@ -8222,7 +8223,7 @@
                   </a:prstClr>
                 </a:solidFill>
               </a:rPr>
-              <a:t>2020/7/12</a:t>
+              <a:t>2020/7/13</a:t>
             </a:fld>
             <a:endParaRPr lang="zh-CN" altLang="en-US" sz="1865" dirty="0">
               <a:solidFill>
@@ -8571,7 +8572,7 @@
           <a:p>
             <a:fld id="{8BD7258D-2718-4FBF-9BE2-49BD7F9ECD66}" type="datetimeFigureOut">
               <a:rPr lang="zh-CN" altLang="en-US" smtClean="0"/>
-              <a:t>2020/7/12</a:t>
+              <a:t>2020/7/13</a:t>
             </a:fld>
             <a:endParaRPr lang="zh-CN" altLang="en-US"/>
           </a:p>
@@ -8874,7 +8875,7 @@
                   </a:prstClr>
                 </a:solidFill>
               </a:rPr>
-              <a:t>2020/7/12</a:t>
+              <a:t>2020/7/13</a:t>
             </a:fld>
             <a:endParaRPr lang="zh-CN" altLang="en-US">
               <a:solidFill>
@@ -9079,7 +9080,7 @@
                   </a:prstClr>
                 </a:solidFill>
               </a:rPr>
-              <a:t>2020/7/12</a:t>
+              <a:t>2020/7/13</a:t>
             </a:fld>
             <a:endParaRPr lang="zh-CN" altLang="en-US">
               <a:solidFill>
@@ -9361,7 +9362,7 @@
                   </a:prstClr>
                 </a:solidFill>
               </a:rPr>
-              <a:t>2020/7/12</a:t>
+              <a:t>2020/7/13</a:t>
             </a:fld>
             <a:endParaRPr lang="zh-CN" altLang="en-US">
               <a:solidFill>
@@ -9627,7 +9628,7 @@
                   </a:prstClr>
                 </a:solidFill>
               </a:rPr>
-              <a:t>2020/7/12</a:t>
+              <a:t>2020/7/13</a:t>
             </a:fld>
             <a:endParaRPr lang="zh-CN" altLang="en-US">
               <a:solidFill>
@@ -10028,7 +10029,7 @@
                   </a:prstClr>
                 </a:solidFill>
               </a:rPr>
-              <a:t>2020/7/12</a:t>
+              <a:t>2020/7/13</a:t>
             </a:fld>
             <a:endParaRPr lang="zh-CN" altLang="en-US">
               <a:solidFill>
@@ -10182,7 +10183,7 @@
                   </a:prstClr>
                 </a:solidFill>
               </a:rPr>
-              <a:t>2020/7/12</a:t>
+              <a:t>2020/7/13</a:t>
             </a:fld>
             <a:endParaRPr lang="zh-CN" altLang="en-US">
               <a:solidFill>
@@ -10577,7 +10578,7 @@
           <a:p>
             <a:fld id="{8BD7258D-2718-4FBF-9BE2-49BD7F9ECD66}" type="datetimeFigureOut">
               <a:rPr lang="zh-CN" altLang="en-US" smtClean="0"/>
-              <a:t>2020/7/12</a:t>
+              <a:t>2020/7/13</a:t>
             </a:fld>
             <a:endParaRPr lang="zh-CN" altLang="en-US"/>
           </a:p>
@@ -10673,7 +10674,7 @@
                   </a:prstClr>
                 </a:solidFill>
               </a:rPr>
-              <a:t>2020/7/12</a:t>
+              <a:t>2020/7/13</a:t>
             </a:fld>
             <a:endParaRPr lang="zh-CN" altLang="en-US">
               <a:solidFill>
@@ -10985,7 +10986,7 @@
                   </a:prstClr>
                 </a:solidFill>
               </a:rPr>
-              <a:t>2020/7/12</a:t>
+              <a:t>2020/7/13</a:t>
             </a:fld>
             <a:endParaRPr lang="zh-CN" altLang="en-US">
               <a:solidFill>
@@ -11274,7 +11275,7 @@
                   </a:prstClr>
                 </a:solidFill>
               </a:rPr>
-              <a:t>2020/7/12</a:t>
+              <a:t>2020/7/13</a:t>
             </a:fld>
             <a:endParaRPr lang="zh-CN" altLang="en-US">
               <a:solidFill>
@@ -11479,7 +11480,7 @@
                   </a:prstClr>
                 </a:solidFill>
               </a:rPr>
-              <a:t>2020/7/12</a:t>
+              <a:t>2020/7/13</a:t>
             </a:fld>
             <a:endParaRPr lang="zh-CN" altLang="en-US">
               <a:solidFill>
@@ -11694,7 +11695,7 @@
                   </a:prstClr>
                 </a:solidFill>
               </a:rPr>
-              <a:t>2020/7/12</a:t>
+              <a:t>2020/7/13</a:t>
             </a:fld>
             <a:endParaRPr lang="zh-CN" altLang="en-US">
               <a:solidFill>
@@ -11842,7 +11843,7 @@
           <a:p>
             <a:fld id="{8BD7258D-2718-4FBF-9BE2-49BD7F9ECD66}" type="datetimeFigureOut">
               <a:rPr lang="zh-CN" altLang="en-US" smtClean="0"/>
-              <a:t>2020/7/12</a:t>
+              <a:t>2020/7/13</a:t>
             </a:fld>
             <a:endParaRPr lang="zh-CN" altLang="en-US"/>
           </a:p>
@@ -11932,7 +11933,7 @@
           <a:p>
             <a:fld id="{8BD7258D-2718-4FBF-9BE2-49BD7F9ECD66}" type="datetimeFigureOut">
               <a:rPr lang="zh-CN" altLang="en-US" smtClean="0"/>
-              <a:t>2020/7/12</a:t>
+              <a:t>2020/7/13</a:t>
             </a:fld>
             <a:endParaRPr lang="zh-CN" altLang="en-US"/>
           </a:p>
@@ -12202,7 +12203,7 @@
           <a:p>
             <a:fld id="{8BD7258D-2718-4FBF-9BE2-49BD7F9ECD66}" type="datetimeFigureOut">
               <a:rPr lang="zh-CN" altLang="en-US" smtClean="0"/>
-              <a:t>2020/7/12</a:t>
+              <a:t>2020/7/13</a:t>
             </a:fld>
             <a:endParaRPr lang="zh-CN" altLang="en-US"/>
           </a:p>
@@ -12449,7 +12450,7 @@
           <a:p>
             <a:fld id="{8BD7258D-2718-4FBF-9BE2-49BD7F9ECD66}" type="datetimeFigureOut">
               <a:rPr lang="zh-CN" altLang="en-US" smtClean="0"/>
-              <a:t>2020/7/12</a:t>
+              <a:t>2020/7/13</a:t>
             </a:fld>
             <a:endParaRPr lang="zh-CN" altLang="en-US"/>
           </a:p>
@@ -12664,7 +12665,7 @@
           <a:p>
             <a:fld id="{8BD7258D-2718-4FBF-9BE2-49BD7F9ECD66}" type="datetimeFigureOut">
               <a:rPr lang="zh-CN" altLang="en-US" smtClean="0"/>
-              <a:t>2020/7/12</a:t>
+              <a:t>2020/7/13</a:t>
             </a:fld>
             <a:endParaRPr lang="zh-CN" altLang="en-US"/>
           </a:p>
@@ -13205,7 +13206,7 @@
                   </a:prstClr>
                 </a:solidFill>
               </a:rPr>
-              <a:t>2020/7/12</a:t>
+              <a:t>2020/7/13</a:t>
             </a:fld>
             <a:endParaRPr lang="zh-CN" altLang="en-US">
               <a:solidFill>
@@ -13780,7 +13781,7 @@
                   </a:prstClr>
                 </a:solidFill>
               </a:rPr>
-              <a:t>2020/7/12</a:t>
+              <a:t>2020/7/13</a:t>
             </a:fld>
             <a:endParaRPr lang="zh-CN" altLang="en-US">
               <a:solidFill>
@@ -14372,7 +14373,7 @@
                   </a:prstClr>
                 </a:solidFill>
               </a:rPr>
-              <a:t>2020/7/12</a:t>
+              <a:t>2020/7/13</a:t>
             </a:fld>
             <a:endParaRPr lang="zh-CN" altLang="en-US">
               <a:solidFill>
@@ -23016,6 +23017,184 @@
       </p:grpSpPr>
       <p:sp>
         <p:nvSpPr>
+          <p:cNvPr id="2" name="标题 1">
+            <a:extLst>
+              <a:ext uri="{FF2B5EF4-FFF2-40B4-BE49-F238E27FC236}">
+                <a16:creationId xmlns:a16="http://schemas.microsoft.com/office/drawing/2014/main" id="{A6634C12-D1AB-41B3-84F8-040A62B3ECFB}"/>
+              </a:ext>
+            </a:extLst>
+          </p:cNvPr>
+          <p:cNvSpPr>
+            <a:spLocks noGrp="1"/>
+          </p:cNvSpPr>
+          <p:nvPr>
+            <p:ph type="title"/>
+          </p:nvPr>
+        </p:nvSpPr>
+        <p:spPr/>
+        <p:txBody>
+          <a:bodyPr/>
+          <a:lstStyle/>
+          <a:p>
+            <a:pPr algn="ctr"/>
+            <a:r>
+              <a:rPr lang="zh-CN" altLang="en-US" dirty="0">
+                <a:solidFill>
+                  <a:schemeClr val="bg1"/>
+                </a:solidFill>
+              </a:rPr>
+              <a:t>实际检验成果</a:t>
+            </a:r>
+          </a:p>
+        </p:txBody>
+      </p:sp>
+      <p:sp>
+        <p:nvSpPr>
+          <p:cNvPr id="3" name="内容占位符 2">
+            <a:extLst>
+              <a:ext uri="{FF2B5EF4-FFF2-40B4-BE49-F238E27FC236}">
+                <a16:creationId xmlns:a16="http://schemas.microsoft.com/office/drawing/2014/main" id="{97032805-4F68-4A2A-B665-EBFAE1DB3E65}"/>
+              </a:ext>
+            </a:extLst>
+          </p:cNvPr>
+          <p:cNvSpPr>
+            <a:spLocks noGrp="1"/>
+          </p:cNvSpPr>
+          <p:nvPr>
+            <p:ph idx="1"/>
+          </p:nvPr>
+        </p:nvSpPr>
+        <p:spPr/>
+        <p:txBody>
+          <a:bodyPr/>
+          <a:lstStyle/>
+          <a:p>
+            <a:endParaRPr lang="zh-CN" altLang="en-US"/>
+          </a:p>
+        </p:txBody>
+      </p:sp>
+      <p:pic>
+        <p:nvPicPr>
+          <p:cNvPr id="5" name="图片 4">
+            <a:extLst>
+              <a:ext uri="{FF2B5EF4-FFF2-40B4-BE49-F238E27FC236}">
+                <a16:creationId xmlns:a16="http://schemas.microsoft.com/office/drawing/2014/main" id="{F57B5A96-9769-4587-84CC-BC78C69E42B9}"/>
+              </a:ext>
+            </a:extLst>
+          </p:cNvPr>
+          <p:cNvPicPr>
+            <a:picLocks noChangeAspect="1"/>
+          </p:cNvPicPr>
+          <p:nvPr/>
+        </p:nvPicPr>
+        <p:blipFill>
+          <a:blip r:embed="rId2"/>
+          <a:stretch>
+            <a:fillRect/>
+          </a:stretch>
+        </p:blipFill>
+        <p:spPr>
+          <a:xfrm>
+            <a:off x="1315236" y="1570038"/>
+            <a:ext cx="2909912" cy="4922837"/>
+          </a:xfrm>
+          <a:prstGeom prst="rect">
+            <a:avLst/>
+          </a:prstGeom>
+        </p:spPr>
+      </p:pic>
+      <p:pic>
+        <p:nvPicPr>
+          <p:cNvPr id="7" name="图片 6">
+            <a:extLst>
+              <a:ext uri="{FF2B5EF4-FFF2-40B4-BE49-F238E27FC236}">
+                <a16:creationId xmlns:a16="http://schemas.microsoft.com/office/drawing/2014/main" id="{EA1DD054-EE52-4AD8-917F-5DB3B7CA4D9D}"/>
+              </a:ext>
+            </a:extLst>
+          </p:cNvPr>
+          <p:cNvPicPr>
+            <a:picLocks noChangeAspect="1"/>
+          </p:cNvPicPr>
+          <p:nvPr/>
+        </p:nvPicPr>
+        <p:blipFill>
+          <a:blip r:embed="rId3"/>
+          <a:stretch>
+            <a:fillRect/>
+          </a:stretch>
+        </p:blipFill>
+        <p:spPr>
+          <a:xfrm>
+            <a:off x="5138246" y="2974795"/>
+            <a:ext cx="3838575" cy="1247775"/>
+          </a:xfrm>
+          <a:prstGeom prst="rect">
+            <a:avLst/>
+          </a:prstGeom>
+        </p:spPr>
+      </p:pic>
+      <p:pic>
+        <p:nvPicPr>
+          <p:cNvPr id="11" name="图片 10">
+            <a:extLst>
+              <a:ext uri="{FF2B5EF4-FFF2-40B4-BE49-F238E27FC236}">
+                <a16:creationId xmlns:a16="http://schemas.microsoft.com/office/drawing/2014/main" id="{CECBF761-7306-4EC5-96F5-681605A55B13}"/>
+              </a:ext>
+            </a:extLst>
+          </p:cNvPr>
+          <p:cNvPicPr>
+            <a:picLocks noChangeAspect="1"/>
+          </p:cNvPicPr>
+          <p:nvPr/>
+        </p:nvPicPr>
+        <p:blipFill>
+          <a:blip r:embed="rId4"/>
+          <a:stretch>
+            <a:fillRect/>
+          </a:stretch>
+        </p:blipFill>
+        <p:spPr>
+          <a:xfrm>
+            <a:off x="5191665" y="4997450"/>
+            <a:ext cx="1133475" cy="1314450"/>
+          </a:xfrm>
+          <a:prstGeom prst="rect">
+            <a:avLst/>
+          </a:prstGeom>
+        </p:spPr>
+      </p:pic>
+    </p:spTree>
+    <p:extLst>
+      <p:ext uri="{BB962C8B-B14F-4D97-AF65-F5344CB8AC3E}">
+        <p14:creationId xmlns:p14="http://schemas.microsoft.com/office/powerpoint/2010/main" val="2764366982"/>
+      </p:ext>
+    </p:extLst>
+  </p:cSld>
+  <p:clrMapOvr>
+    <a:masterClrMapping/>
+  </p:clrMapOvr>
+</p:sld>
+</file>
+
+<file path=ppt/slides/slide15.xml><?xml version="1.0" encoding="utf-8"?>
+<p:sld xmlns:a="http://schemas.openxmlformats.org/drawingml/2006/main" xmlns:r="http://schemas.openxmlformats.org/officeDocument/2006/relationships" xmlns:p="http://schemas.openxmlformats.org/presentationml/2006/main">
+  <p:cSld>
+    <p:spTree>
+      <p:nvGrpSpPr>
+        <p:cNvPr id="1" name=""/>
+        <p:cNvGrpSpPr/>
+        <p:nvPr/>
+      </p:nvGrpSpPr>
+      <p:grpSpPr>
+        <a:xfrm>
+          <a:off x="0" y="0"/>
+          <a:ext cx="0" cy="0"/>
+          <a:chOff x="0" y="0"/>
+          <a:chExt cx="0" cy="0"/>
+        </a:xfrm>
+      </p:grpSpPr>
+      <p:sp>
+        <p:nvSpPr>
           <p:cNvPr id="3" name="矩形 2"/>
           <p:cNvSpPr/>
           <p:nvPr/>
@@ -23284,7 +23463,7 @@
 </p:sld>
 </file>
 
-<file path=ppt/slides/slide15.xml><?xml version="1.0" encoding="utf-8"?>
+<file path=ppt/slides/slide16.xml><?xml version="1.0" encoding="utf-8"?>
 <p:sld xmlns:a="http://schemas.openxmlformats.org/drawingml/2006/main" xmlns:r="http://schemas.openxmlformats.org/officeDocument/2006/relationships" xmlns:p="http://schemas.openxmlformats.org/presentationml/2006/main">
   <p:cSld>
     <p:spTree>
@@ -23378,7 +23557,7 @@
 </p:sld>
 </file>
 
-<file path=ppt/slides/slide16.xml><?xml version="1.0" encoding="utf-8"?>
+<file path=ppt/slides/slide17.xml><?xml version="1.0" encoding="utf-8"?>
 <p:sld xmlns:a="http://schemas.openxmlformats.org/drawingml/2006/main" xmlns:r="http://schemas.openxmlformats.org/officeDocument/2006/relationships" xmlns:p="http://schemas.openxmlformats.org/presentationml/2006/main">
   <p:cSld>
     <p:spTree>
@@ -28709,7 +28888,7 @@
                   <a:latin typeface="华文细黑" panose="02010600040101010101" pitchFamily="2" charset="-122"/>
                   <a:ea typeface="华文细黑" panose="02010600040101010101" pitchFamily="2" charset="-122"/>
                 </a:rPr>
-                <a:t>晚 完成第三次迭代</a:t>
+                <a:t>晚 完成第二次迭代</a:t>
               </a:r>
             </a:p>
           </p:txBody>
@@ -28873,7 +29052,7 @@
 </p:sld>
 </file>
 
-<file path=ppt/slides/slide17.xml><?xml version="1.0" encoding="utf-8"?>
+<file path=ppt/slides/slide18.xml><?xml version="1.0" encoding="utf-8"?>
 <p:sld xmlns:a="http://schemas.openxmlformats.org/drawingml/2006/main" xmlns:r="http://schemas.openxmlformats.org/officeDocument/2006/relationships" xmlns:p="http://schemas.openxmlformats.org/presentationml/2006/main">
   <p:cSld>
     <p:spTree>
@@ -29746,7 +29925,7 @@
 </p:sld>
 </file>
 
-<file path=ppt/slides/slide18.xml><?xml version="1.0" encoding="utf-8"?>
+<file path=ppt/slides/slide19.xml><?xml version="1.0" encoding="utf-8"?>
 <p:sld xmlns:a="http://schemas.openxmlformats.org/drawingml/2006/main" xmlns:r="http://schemas.openxmlformats.org/officeDocument/2006/relationships" xmlns:p="http://schemas.openxmlformats.org/presentationml/2006/main">
   <p:cSld>
     <p:spTree>
@@ -30033,7 +30212,1000 @@
 </p:sld>
 </file>
 
-<file path=ppt/slides/slide19.xml><?xml version="1.0" encoding="utf-8"?>
+<file path=ppt/slides/slide2.xml><?xml version="1.0" encoding="utf-8"?>
+<p:sld xmlns:a="http://schemas.openxmlformats.org/drawingml/2006/main" xmlns:r="http://schemas.openxmlformats.org/officeDocument/2006/relationships" xmlns:p="http://schemas.openxmlformats.org/presentationml/2006/main">
+  <p:cSld>
+    <p:bg>
+      <p:bgPr>
+        <a:blipFill dpi="0" rotWithShape="1">
+          <a:blip r:embed="rId2">
+            <a:lum/>
+          </a:blip>
+          <a:srcRect/>
+          <a:stretch>
+            <a:fillRect t="-4000" b="-4000"/>
+          </a:stretch>
+        </a:blipFill>
+        <a:effectLst/>
+      </p:bgPr>
+    </p:bg>
+    <p:spTree>
+      <p:nvGrpSpPr>
+        <p:cNvPr id="1" name=""/>
+        <p:cNvGrpSpPr/>
+        <p:nvPr/>
+      </p:nvGrpSpPr>
+      <p:grpSpPr>
+        <a:xfrm>
+          <a:off x="0" y="0"/>
+          <a:ext cx="0" cy="0"/>
+          <a:chOff x="0" y="0"/>
+          <a:chExt cx="0" cy="0"/>
+        </a:xfrm>
+      </p:grpSpPr>
+      <p:sp>
+        <p:nvSpPr>
+          <p:cNvPr id="2" name="文本框 1"/>
+          <p:cNvSpPr txBox="1"/>
+          <p:nvPr/>
+        </p:nvSpPr>
+        <p:spPr>
+          <a:xfrm>
+            <a:off x="1794698" y="720335"/>
+            <a:ext cx="3107107" cy="1200329"/>
+          </a:xfrm>
+          <a:prstGeom prst="rect">
+            <a:avLst/>
+          </a:prstGeom>
+          <a:noFill/>
+        </p:spPr>
+        <p:txBody>
+          <a:bodyPr wrap="square" rtlCol="0">
+            <a:spAutoFit/>
+          </a:bodyPr>
+          <a:lstStyle/>
+          <a:p>
+            <a:pPr algn="ctr"/>
+            <a:r>
+              <a:rPr lang="zh-CN" altLang="en-US" sz="7200" b="1" dirty="0">
+                <a:solidFill>
+                  <a:schemeClr val="bg1"/>
+                </a:solidFill>
+                <a:effectLst>
+                  <a:outerShdw blurRad="60007" dist="310007" dir="7680000" sy="30000" kx="1300200" algn="ctr" rotWithShape="0">
+                    <a:prstClr val="black">
+                      <a:alpha val="32000"/>
+                    </a:prstClr>
+                  </a:outerShdw>
+                </a:effectLst>
+                <a:latin typeface="方正兰亭粗黑简体" panose="02000000000000000000" pitchFamily="2" charset="-122"/>
+                <a:ea typeface="方正兰亭粗黑简体" panose="02000000000000000000" pitchFamily="2" charset="-122"/>
+              </a:rPr>
+              <a:t>目 录</a:t>
+            </a:r>
+          </a:p>
+        </p:txBody>
+      </p:sp>
+      <p:sp>
+        <p:nvSpPr>
+          <p:cNvPr id="3" name="矩形 2"/>
+          <p:cNvSpPr/>
+          <p:nvPr/>
+        </p:nvSpPr>
+        <p:spPr>
+          <a:xfrm>
+            <a:off x="5744129" y="2584380"/>
+            <a:ext cx="1826141" cy="584775"/>
+          </a:xfrm>
+          <a:prstGeom prst="rect">
+            <a:avLst/>
+          </a:prstGeom>
+        </p:spPr>
+        <p:txBody>
+          <a:bodyPr wrap="none">
+            <a:spAutoFit/>
+          </a:bodyPr>
+          <a:lstStyle/>
+          <a:p>
+            <a:r>
+              <a:rPr lang="zh-CN" altLang="en-US" sz="3200" dirty="0">
+                <a:solidFill>
+                  <a:schemeClr val="bg1"/>
+                </a:solidFill>
+                <a:latin typeface="方正兰亭超细黑简体" panose="02000000000000000000" pitchFamily="2" charset="-122"/>
+                <a:ea typeface="方正兰亭粗黑简体" panose="02000000000000000000" pitchFamily="2" charset="-122"/>
+              </a:rPr>
+              <a:t>项目概述</a:t>
+            </a:r>
+            <a:endParaRPr lang="zh-CN" altLang="en-US" sz="3200" dirty="0">
+              <a:solidFill>
+                <a:schemeClr val="bg1"/>
+              </a:solidFill>
+              <a:latin typeface="方正兰亭超细黑简体" panose="02000000000000000000" pitchFamily="2" charset="-122"/>
+              <a:ea typeface="方正兰亭超细黑简体" panose="02000000000000000000" pitchFamily="2" charset="-122"/>
+            </a:endParaRPr>
+          </a:p>
+        </p:txBody>
+      </p:sp>
+      <p:sp>
+        <p:nvSpPr>
+          <p:cNvPr id="4" name="矩形 3"/>
+          <p:cNvSpPr/>
+          <p:nvPr/>
+        </p:nvSpPr>
+        <p:spPr>
+          <a:xfrm>
+            <a:off x="5744130" y="3571513"/>
+            <a:ext cx="1826141" cy="584775"/>
+          </a:xfrm>
+          <a:prstGeom prst="rect">
+            <a:avLst/>
+          </a:prstGeom>
+        </p:spPr>
+        <p:txBody>
+          <a:bodyPr wrap="none">
+            <a:spAutoFit/>
+          </a:bodyPr>
+          <a:lstStyle/>
+          <a:p>
+            <a:r>
+              <a:rPr lang="zh-CN" altLang="en-US" sz="3200" dirty="0">
+                <a:solidFill>
+                  <a:schemeClr val="bg1"/>
+                </a:solidFill>
+                <a:latin typeface="方正兰亭超细黑简体" panose="02000000000000000000" pitchFamily="2" charset="-122"/>
+                <a:ea typeface="方正兰亭粗黑简体" panose="02000000000000000000" pitchFamily="2" charset="-122"/>
+              </a:rPr>
+              <a:t>成员分工</a:t>
+            </a:r>
+            <a:endParaRPr lang="zh-CN" altLang="en-US" sz="3200" dirty="0">
+              <a:solidFill>
+                <a:schemeClr val="bg1"/>
+              </a:solidFill>
+              <a:latin typeface="方正兰亭超细黑简体" panose="02000000000000000000" pitchFamily="2" charset="-122"/>
+              <a:ea typeface="方正兰亭超细黑简体" panose="02000000000000000000" pitchFamily="2" charset="-122"/>
+            </a:endParaRPr>
+          </a:p>
+        </p:txBody>
+      </p:sp>
+      <p:sp>
+        <p:nvSpPr>
+          <p:cNvPr id="5" name="矩形 4"/>
+          <p:cNvSpPr/>
+          <p:nvPr/>
+        </p:nvSpPr>
+        <p:spPr>
+          <a:xfrm>
+            <a:off x="5762044" y="4592857"/>
+            <a:ext cx="1989057" cy="584775"/>
+          </a:xfrm>
+          <a:prstGeom prst="rect">
+            <a:avLst/>
+          </a:prstGeom>
+        </p:spPr>
+        <p:txBody>
+          <a:bodyPr wrap="square">
+            <a:spAutoFit/>
+          </a:bodyPr>
+          <a:lstStyle/>
+          <a:p>
+            <a:r>
+              <a:rPr lang="zh-CN" altLang="en-US" sz="3200" dirty="0">
+                <a:solidFill>
+                  <a:schemeClr val="bg1"/>
+                </a:solidFill>
+                <a:latin typeface="方正兰亭超细黑简体" panose="02000000000000000000" pitchFamily="2" charset="-122"/>
+                <a:ea typeface="方正兰亭粗黑简体" panose="02000000000000000000" pitchFamily="2" charset="-122"/>
+              </a:rPr>
+              <a:t>项目设计</a:t>
+            </a:r>
+          </a:p>
+        </p:txBody>
+      </p:sp>
+      <p:sp>
+        <p:nvSpPr>
+          <p:cNvPr id="6" name="矩形 5"/>
+          <p:cNvSpPr/>
+          <p:nvPr/>
+        </p:nvSpPr>
+        <p:spPr>
+          <a:xfrm>
+            <a:off x="9195796" y="3557865"/>
+            <a:ext cx="1826141" cy="584775"/>
+          </a:xfrm>
+          <a:prstGeom prst="rect">
+            <a:avLst/>
+          </a:prstGeom>
+        </p:spPr>
+        <p:txBody>
+          <a:bodyPr wrap="none">
+            <a:spAutoFit/>
+          </a:bodyPr>
+          <a:lstStyle/>
+          <a:p>
+            <a:r>
+              <a:rPr lang="zh-CN" altLang="en-US" sz="3200" dirty="0">
+                <a:solidFill>
+                  <a:schemeClr val="bg1"/>
+                </a:solidFill>
+                <a:ea typeface="方正兰亭粗黑简体" panose="02000000000000000000" pitchFamily="2" charset="-122"/>
+              </a:rPr>
+              <a:t>项目进程</a:t>
+            </a:r>
+          </a:p>
+        </p:txBody>
+      </p:sp>
+      <p:cxnSp>
+        <p:nvCxnSpPr>
+          <p:cNvPr id="7" name="直接连接符 6"/>
+          <p:cNvCxnSpPr/>
+          <p:nvPr/>
+        </p:nvCxnSpPr>
+        <p:spPr>
+          <a:xfrm>
+            <a:off x="4657777" y="2889402"/>
+            <a:ext cx="900000" cy="0"/>
+          </a:xfrm>
+          <a:prstGeom prst="line">
+            <a:avLst/>
+          </a:prstGeom>
+          <a:ln>
+            <a:solidFill>
+              <a:schemeClr val="bg1"/>
+            </a:solidFill>
+          </a:ln>
+        </p:spPr>
+        <p:style>
+          <a:lnRef idx="1">
+            <a:schemeClr val="accent1"/>
+          </a:lnRef>
+          <a:fillRef idx="0">
+            <a:schemeClr val="accent1"/>
+          </a:fillRef>
+          <a:effectRef idx="0">
+            <a:schemeClr val="accent1"/>
+          </a:effectRef>
+          <a:fontRef idx="minor">
+            <a:schemeClr val="tx1"/>
+          </a:fontRef>
+        </p:style>
+      </p:cxnSp>
+      <p:cxnSp>
+        <p:nvCxnSpPr>
+          <p:cNvPr id="8" name="直接连接符 7"/>
+          <p:cNvCxnSpPr/>
+          <p:nvPr/>
+        </p:nvCxnSpPr>
+        <p:spPr>
+          <a:xfrm>
+            <a:off x="4671425" y="3915413"/>
+            <a:ext cx="900000" cy="0"/>
+          </a:xfrm>
+          <a:prstGeom prst="line">
+            <a:avLst/>
+          </a:prstGeom>
+          <a:ln>
+            <a:solidFill>
+              <a:schemeClr val="bg1"/>
+            </a:solidFill>
+          </a:ln>
+        </p:spPr>
+        <p:style>
+          <a:lnRef idx="1">
+            <a:schemeClr val="accent1"/>
+          </a:lnRef>
+          <a:fillRef idx="0">
+            <a:schemeClr val="accent1"/>
+          </a:fillRef>
+          <a:effectRef idx="0">
+            <a:schemeClr val="accent1"/>
+          </a:effectRef>
+          <a:fontRef idx="minor">
+            <a:schemeClr val="tx1"/>
+          </a:fontRef>
+        </p:style>
+      </p:cxnSp>
+      <p:cxnSp>
+        <p:nvCxnSpPr>
+          <p:cNvPr id="9" name="直接连接符 8"/>
+          <p:cNvCxnSpPr/>
+          <p:nvPr/>
+        </p:nvCxnSpPr>
+        <p:spPr>
+          <a:xfrm>
+            <a:off x="4678137" y="4926188"/>
+            <a:ext cx="900000" cy="0"/>
+          </a:xfrm>
+          <a:prstGeom prst="line">
+            <a:avLst/>
+          </a:prstGeom>
+          <a:ln>
+            <a:solidFill>
+              <a:schemeClr val="bg1"/>
+            </a:solidFill>
+          </a:ln>
+        </p:spPr>
+        <p:style>
+          <a:lnRef idx="1">
+            <a:schemeClr val="accent1"/>
+          </a:lnRef>
+          <a:fillRef idx="0">
+            <a:schemeClr val="accent1"/>
+          </a:fillRef>
+          <a:effectRef idx="0">
+            <a:schemeClr val="accent1"/>
+          </a:effectRef>
+          <a:fontRef idx="minor">
+            <a:schemeClr val="tx1"/>
+          </a:fontRef>
+        </p:style>
+      </p:cxnSp>
+      <p:cxnSp>
+        <p:nvCxnSpPr>
+          <p:cNvPr id="10" name="直接连接符 9"/>
+          <p:cNvCxnSpPr/>
+          <p:nvPr/>
+        </p:nvCxnSpPr>
+        <p:spPr>
+          <a:xfrm>
+            <a:off x="8143457" y="3907887"/>
+            <a:ext cx="900000" cy="0"/>
+          </a:xfrm>
+          <a:prstGeom prst="line">
+            <a:avLst/>
+          </a:prstGeom>
+          <a:ln>
+            <a:solidFill>
+              <a:schemeClr val="bg1"/>
+            </a:solidFill>
+          </a:ln>
+        </p:spPr>
+        <p:style>
+          <a:lnRef idx="1">
+            <a:schemeClr val="accent1"/>
+          </a:lnRef>
+          <a:fillRef idx="0">
+            <a:schemeClr val="accent1"/>
+          </a:fillRef>
+          <a:effectRef idx="0">
+            <a:schemeClr val="accent1"/>
+          </a:effectRef>
+          <a:fontRef idx="minor">
+            <a:schemeClr val="tx1"/>
+          </a:fontRef>
+        </p:style>
+      </p:cxnSp>
+      <p:sp>
+        <p:nvSpPr>
+          <p:cNvPr id="11" name="矩形 10"/>
+          <p:cNvSpPr/>
+          <p:nvPr/>
+        </p:nvSpPr>
+        <p:spPr>
+          <a:xfrm>
+            <a:off x="4004042" y="2545625"/>
+            <a:ext cx="497252" cy="769441"/>
+          </a:xfrm>
+          <a:prstGeom prst="rect">
+            <a:avLst/>
+          </a:prstGeom>
+        </p:spPr>
+        <p:txBody>
+          <a:bodyPr wrap="none">
+            <a:spAutoFit/>
+          </a:bodyPr>
+          <a:lstStyle/>
+          <a:p>
+            <a:r>
+              <a:rPr lang="en-US" altLang="zh-CN" sz="4400" dirty="0">
+                <a:solidFill>
+                  <a:schemeClr val="bg1"/>
+                </a:solidFill>
+                <a:effectLst>
+                  <a:outerShdw blurRad="60007" dist="310007" dir="7680000" sy="30000" kx="1300200" algn="ctr" rotWithShape="0">
+                    <a:prstClr val="black">
+                      <a:alpha val="32000"/>
+                    </a:prstClr>
+                  </a:outerShdw>
+                </a:effectLst>
+                <a:latin typeface="华文细黑" panose="02010600040101010101" pitchFamily="2" charset="-122"/>
+                <a:ea typeface="华文细黑" panose="02010600040101010101" pitchFamily="2" charset="-122"/>
+              </a:rPr>
+              <a:t>1</a:t>
+            </a:r>
+            <a:endParaRPr lang="zh-CN" altLang="en-US" sz="4400" dirty="0">
+              <a:solidFill>
+                <a:schemeClr val="bg1"/>
+              </a:solidFill>
+              <a:latin typeface="华文细黑" panose="02010600040101010101" pitchFamily="2" charset="-122"/>
+              <a:ea typeface="华文细黑" panose="02010600040101010101" pitchFamily="2" charset="-122"/>
+            </a:endParaRPr>
+          </a:p>
+        </p:txBody>
+      </p:sp>
+      <p:sp>
+        <p:nvSpPr>
+          <p:cNvPr id="12" name="矩形 11"/>
+          <p:cNvSpPr/>
+          <p:nvPr/>
+        </p:nvSpPr>
+        <p:spPr>
+          <a:xfrm>
+            <a:off x="4004042" y="3479179"/>
+            <a:ext cx="497252" cy="769441"/>
+          </a:xfrm>
+          <a:prstGeom prst="rect">
+            <a:avLst/>
+          </a:prstGeom>
+        </p:spPr>
+        <p:txBody>
+          <a:bodyPr wrap="none">
+            <a:spAutoFit/>
+          </a:bodyPr>
+          <a:lstStyle/>
+          <a:p>
+            <a:r>
+              <a:rPr lang="en-US" altLang="zh-CN" sz="4400" dirty="0">
+                <a:solidFill>
+                  <a:schemeClr val="bg1"/>
+                </a:solidFill>
+                <a:effectLst>
+                  <a:outerShdw blurRad="60007" dist="310007" dir="7680000" sy="30000" kx="1300200" algn="ctr" rotWithShape="0">
+                    <a:prstClr val="black">
+                      <a:alpha val="32000"/>
+                    </a:prstClr>
+                  </a:outerShdw>
+                </a:effectLst>
+                <a:latin typeface="华文细黑" panose="02010600040101010101" pitchFamily="2" charset="-122"/>
+                <a:ea typeface="华文细黑" panose="02010600040101010101" pitchFamily="2" charset="-122"/>
+              </a:rPr>
+              <a:t>2</a:t>
+            </a:r>
+            <a:endParaRPr lang="zh-CN" altLang="en-US" sz="4400" dirty="0">
+              <a:solidFill>
+                <a:schemeClr val="bg1"/>
+              </a:solidFill>
+              <a:latin typeface="华文细黑" panose="02010600040101010101" pitchFamily="2" charset="-122"/>
+              <a:ea typeface="华文细黑" panose="02010600040101010101" pitchFamily="2" charset="-122"/>
+            </a:endParaRPr>
+          </a:p>
+        </p:txBody>
+      </p:sp>
+      <p:sp>
+        <p:nvSpPr>
+          <p:cNvPr id="13" name="矩形 12"/>
+          <p:cNvSpPr/>
+          <p:nvPr/>
+        </p:nvSpPr>
+        <p:spPr>
+          <a:xfrm>
+            <a:off x="4019348" y="4501891"/>
+            <a:ext cx="497252" cy="769441"/>
+          </a:xfrm>
+          <a:prstGeom prst="rect">
+            <a:avLst/>
+          </a:prstGeom>
+        </p:spPr>
+        <p:txBody>
+          <a:bodyPr wrap="none">
+            <a:spAutoFit/>
+          </a:bodyPr>
+          <a:lstStyle/>
+          <a:p>
+            <a:r>
+              <a:rPr lang="en-US" altLang="zh-CN" sz="4400" dirty="0">
+                <a:solidFill>
+                  <a:schemeClr val="bg1"/>
+                </a:solidFill>
+                <a:effectLst>
+                  <a:outerShdw blurRad="60007" dist="310007" dir="7680000" sy="30000" kx="1300200" algn="ctr" rotWithShape="0">
+                    <a:prstClr val="black">
+                      <a:alpha val="32000"/>
+                    </a:prstClr>
+                  </a:outerShdw>
+                </a:effectLst>
+                <a:latin typeface="华文细黑" panose="02010600040101010101" pitchFamily="2" charset="-122"/>
+                <a:ea typeface="华文细黑" panose="02010600040101010101" pitchFamily="2" charset="-122"/>
+              </a:rPr>
+              <a:t>3</a:t>
+            </a:r>
+            <a:endParaRPr lang="zh-CN" altLang="en-US" sz="4400" dirty="0">
+              <a:solidFill>
+                <a:schemeClr val="bg1"/>
+              </a:solidFill>
+              <a:latin typeface="华文细黑" panose="02010600040101010101" pitchFamily="2" charset="-122"/>
+              <a:ea typeface="华文细黑" panose="02010600040101010101" pitchFamily="2" charset="-122"/>
+            </a:endParaRPr>
+          </a:p>
+        </p:txBody>
+      </p:sp>
+      <p:sp>
+        <p:nvSpPr>
+          <p:cNvPr id="14" name="矩形 13"/>
+          <p:cNvSpPr/>
+          <p:nvPr/>
+        </p:nvSpPr>
+        <p:spPr>
+          <a:xfrm>
+            <a:off x="7464196" y="3479179"/>
+            <a:ext cx="497252" cy="769441"/>
+          </a:xfrm>
+          <a:prstGeom prst="rect">
+            <a:avLst/>
+          </a:prstGeom>
+        </p:spPr>
+        <p:txBody>
+          <a:bodyPr wrap="none">
+            <a:spAutoFit/>
+          </a:bodyPr>
+          <a:lstStyle/>
+          <a:p>
+            <a:r>
+              <a:rPr lang="en-US" altLang="zh-CN" sz="4400" dirty="0">
+                <a:solidFill>
+                  <a:schemeClr val="bg1"/>
+                </a:solidFill>
+                <a:effectLst>
+                  <a:outerShdw blurRad="60007" dist="310007" dir="7680000" sy="30000" kx="1300200" algn="ctr" rotWithShape="0">
+                    <a:prstClr val="black">
+                      <a:alpha val="32000"/>
+                    </a:prstClr>
+                  </a:outerShdw>
+                </a:effectLst>
+                <a:latin typeface="华文细黑" panose="02010600040101010101" pitchFamily="2" charset="-122"/>
+                <a:ea typeface="华文细黑" panose="02010600040101010101" pitchFamily="2" charset="-122"/>
+              </a:rPr>
+              <a:t>4</a:t>
+            </a:r>
+            <a:endParaRPr lang="zh-CN" altLang="en-US" sz="4400" dirty="0">
+              <a:solidFill>
+                <a:schemeClr val="bg1"/>
+              </a:solidFill>
+              <a:latin typeface="华文细黑" panose="02010600040101010101" pitchFamily="2" charset="-122"/>
+              <a:ea typeface="华文细黑" panose="02010600040101010101" pitchFamily="2" charset="-122"/>
+            </a:endParaRPr>
+          </a:p>
+        </p:txBody>
+      </p:sp>
+      <p:cxnSp>
+        <p:nvCxnSpPr>
+          <p:cNvPr id="15" name="直接连接符 14"/>
+          <p:cNvCxnSpPr/>
+          <p:nvPr/>
+        </p:nvCxnSpPr>
+        <p:spPr>
+          <a:xfrm>
+            <a:off x="0" y="1831305"/>
+            <a:ext cx="11232107" cy="0"/>
+          </a:xfrm>
+          <a:prstGeom prst="line">
+            <a:avLst/>
+          </a:prstGeom>
+          <a:ln w="19050">
+            <a:solidFill>
+              <a:schemeClr val="bg1"/>
+            </a:solidFill>
+          </a:ln>
+        </p:spPr>
+        <p:style>
+          <a:lnRef idx="1">
+            <a:schemeClr val="accent1"/>
+          </a:lnRef>
+          <a:fillRef idx="0">
+            <a:schemeClr val="accent1"/>
+          </a:fillRef>
+          <a:effectRef idx="0">
+            <a:schemeClr val="accent1"/>
+          </a:effectRef>
+          <a:fontRef idx="minor">
+            <a:schemeClr val="tx1"/>
+          </a:fontRef>
+        </p:style>
+      </p:cxnSp>
+      <p:cxnSp>
+        <p:nvCxnSpPr>
+          <p:cNvPr id="16" name="直接连接符 15"/>
+          <p:cNvCxnSpPr/>
+          <p:nvPr/>
+        </p:nvCxnSpPr>
+        <p:spPr>
+          <a:xfrm>
+            <a:off x="3361900" y="0"/>
+            <a:ext cx="0" cy="764275"/>
+          </a:xfrm>
+          <a:prstGeom prst="line">
+            <a:avLst/>
+          </a:prstGeom>
+          <a:ln w="19050">
+            <a:solidFill>
+              <a:schemeClr val="bg1"/>
+            </a:solidFill>
+          </a:ln>
+        </p:spPr>
+        <p:style>
+          <a:lnRef idx="1">
+            <a:schemeClr val="accent1"/>
+          </a:lnRef>
+          <a:fillRef idx="0">
+            <a:schemeClr val="accent1"/>
+          </a:fillRef>
+          <a:effectRef idx="0">
+            <a:schemeClr val="accent1"/>
+          </a:effectRef>
+          <a:fontRef idx="minor">
+            <a:schemeClr val="tx1"/>
+          </a:fontRef>
+        </p:style>
+      </p:cxnSp>
+      <p:cxnSp>
+        <p:nvCxnSpPr>
+          <p:cNvPr id="17" name="直接连接符 16"/>
+          <p:cNvCxnSpPr/>
+          <p:nvPr/>
+        </p:nvCxnSpPr>
+        <p:spPr>
+          <a:xfrm>
+            <a:off x="3361900" y="2457003"/>
+            <a:ext cx="0" cy="4392000"/>
+          </a:xfrm>
+          <a:prstGeom prst="line">
+            <a:avLst/>
+          </a:prstGeom>
+          <a:ln w="19050">
+            <a:solidFill>
+              <a:schemeClr val="bg1"/>
+            </a:solidFill>
+          </a:ln>
+        </p:spPr>
+        <p:style>
+          <a:lnRef idx="1">
+            <a:schemeClr val="accent1"/>
+          </a:lnRef>
+          <a:fillRef idx="0">
+            <a:schemeClr val="accent1"/>
+          </a:fillRef>
+          <a:effectRef idx="0">
+            <a:schemeClr val="accent1"/>
+          </a:effectRef>
+          <a:fontRef idx="minor">
+            <a:schemeClr val="tx1"/>
+          </a:fontRef>
+        </p:style>
+      </p:cxnSp>
+      <p:sp>
+        <p:nvSpPr>
+          <p:cNvPr id="18" name="文本框 17"/>
+          <p:cNvSpPr txBox="1"/>
+          <p:nvPr/>
+        </p:nvSpPr>
+        <p:spPr>
+          <a:xfrm>
+            <a:off x="2259853" y="1913925"/>
+            <a:ext cx="2230264" cy="461665"/>
+          </a:xfrm>
+          <a:prstGeom prst="rect">
+            <a:avLst/>
+          </a:prstGeom>
+          <a:noFill/>
+        </p:spPr>
+        <p:txBody>
+          <a:bodyPr wrap="square" rtlCol="0">
+            <a:spAutoFit/>
+          </a:bodyPr>
+          <a:lstStyle/>
+          <a:p>
+            <a:pPr algn="dist"/>
+            <a:r>
+              <a:rPr lang="en-US" altLang="zh-CN" sz="2400" b="1" dirty="0">
+                <a:solidFill>
+                  <a:schemeClr val="bg1"/>
+                </a:solidFill>
+                <a:effectLst>
+                  <a:outerShdw blurRad="60007" dist="310007" dir="7680000" sy="30000" kx="1300200" algn="ctr" rotWithShape="0">
+                    <a:prstClr val="black">
+                      <a:alpha val="32000"/>
+                    </a:prstClr>
+                  </a:outerShdw>
+                </a:effectLst>
+                <a:latin typeface="微软雅黑" panose="020B0503020204020204" pitchFamily="34" charset="-122"/>
+                <a:ea typeface="微软雅黑" panose="020B0503020204020204" pitchFamily="34" charset="-122"/>
+              </a:rPr>
+              <a:t>CONTENTS </a:t>
+            </a:r>
+            <a:endParaRPr lang="zh-CN" altLang="en-US" sz="2400" b="1" dirty="0">
+              <a:solidFill>
+                <a:schemeClr val="bg1"/>
+              </a:solidFill>
+              <a:effectLst>
+                <a:outerShdw blurRad="60007" dist="310007" dir="7680000" sy="30000" kx="1300200" algn="ctr" rotWithShape="0">
+                  <a:prstClr val="black">
+                    <a:alpha val="32000"/>
+                  </a:prstClr>
+                </a:outerShdw>
+              </a:effectLst>
+              <a:latin typeface="微软雅黑" panose="020B0503020204020204" pitchFamily="34" charset="-122"/>
+              <a:ea typeface="微软雅黑" panose="020B0503020204020204" pitchFamily="34" charset="-122"/>
+            </a:endParaRPr>
+          </a:p>
+        </p:txBody>
+      </p:sp>
+      <p:sp>
+        <p:nvSpPr>
+          <p:cNvPr id="22" name="矩形 21">
+            <a:extLst>
+              <a:ext uri="{FF2B5EF4-FFF2-40B4-BE49-F238E27FC236}">
+                <a16:creationId xmlns:a16="http://schemas.microsoft.com/office/drawing/2014/main" id="{D4149969-45C3-4E71-AA17-FA71CB0AD6A6}"/>
+              </a:ext>
+            </a:extLst>
+          </p:cNvPr>
+          <p:cNvSpPr/>
+          <p:nvPr/>
+        </p:nvSpPr>
+        <p:spPr>
+          <a:xfrm>
+            <a:off x="9215818" y="4590073"/>
+            <a:ext cx="1826141" cy="584775"/>
+          </a:xfrm>
+          <a:prstGeom prst="rect">
+            <a:avLst/>
+          </a:prstGeom>
+        </p:spPr>
+        <p:txBody>
+          <a:bodyPr wrap="none">
+            <a:spAutoFit/>
+          </a:bodyPr>
+          <a:lstStyle/>
+          <a:p>
+            <a:r>
+              <a:rPr lang="zh-CN" altLang="en-US" sz="3200" dirty="0">
+                <a:solidFill>
+                  <a:schemeClr val="bg1"/>
+                </a:solidFill>
+                <a:ea typeface="方正兰亭粗黑简体" panose="02000000000000000000" pitchFamily="2" charset="-122"/>
+              </a:rPr>
+              <a:t>系统使用</a:t>
+            </a:r>
+          </a:p>
+        </p:txBody>
+      </p:sp>
+      <p:cxnSp>
+        <p:nvCxnSpPr>
+          <p:cNvPr id="23" name="直接连接符 22">
+            <a:extLst>
+              <a:ext uri="{FF2B5EF4-FFF2-40B4-BE49-F238E27FC236}">
+                <a16:creationId xmlns:a16="http://schemas.microsoft.com/office/drawing/2014/main" id="{736C826E-0E10-453D-A92F-51ED6C2A630B}"/>
+              </a:ext>
+            </a:extLst>
+          </p:cNvPr>
+          <p:cNvCxnSpPr/>
+          <p:nvPr/>
+        </p:nvCxnSpPr>
+        <p:spPr>
+          <a:xfrm>
+            <a:off x="8163479" y="4940095"/>
+            <a:ext cx="900000" cy="0"/>
+          </a:xfrm>
+          <a:prstGeom prst="line">
+            <a:avLst/>
+          </a:prstGeom>
+          <a:ln>
+            <a:solidFill>
+              <a:schemeClr val="bg1"/>
+            </a:solidFill>
+          </a:ln>
+        </p:spPr>
+        <p:style>
+          <a:lnRef idx="1">
+            <a:schemeClr val="accent1"/>
+          </a:lnRef>
+          <a:fillRef idx="0">
+            <a:schemeClr val="accent1"/>
+          </a:fillRef>
+          <a:effectRef idx="0">
+            <a:schemeClr val="accent1"/>
+          </a:effectRef>
+          <a:fontRef idx="minor">
+            <a:schemeClr val="tx1"/>
+          </a:fontRef>
+        </p:style>
+      </p:cxnSp>
+      <p:sp>
+        <p:nvSpPr>
+          <p:cNvPr id="24" name="矩形 23">
+            <a:extLst>
+              <a:ext uri="{FF2B5EF4-FFF2-40B4-BE49-F238E27FC236}">
+                <a16:creationId xmlns:a16="http://schemas.microsoft.com/office/drawing/2014/main" id="{9409DD73-05C0-4861-8E3F-CDA8C7220899}"/>
+              </a:ext>
+            </a:extLst>
+          </p:cNvPr>
+          <p:cNvSpPr/>
+          <p:nvPr/>
+        </p:nvSpPr>
+        <p:spPr>
+          <a:xfrm>
+            <a:off x="7484218" y="4511387"/>
+            <a:ext cx="497252" cy="769441"/>
+          </a:xfrm>
+          <a:prstGeom prst="rect">
+            <a:avLst/>
+          </a:prstGeom>
+        </p:spPr>
+        <p:txBody>
+          <a:bodyPr wrap="none">
+            <a:spAutoFit/>
+          </a:bodyPr>
+          <a:lstStyle/>
+          <a:p>
+            <a:r>
+              <a:rPr lang="en-US" altLang="zh-CN" sz="4400" dirty="0">
+                <a:solidFill>
+                  <a:schemeClr val="bg1"/>
+                </a:solidFill>
+                <a:effectLst>
+                  <a:outerShdw blurRad="60007" dist="310007" dir="7680000" sy="30000" kx="1300200" algn="ctr" rotWithShape="0">
+                    <a:prstClr val="black">
+                      <a:alpha val="32000"/>
+                    </a:prstClr>
+                  </a:outerShdw>
+                </a:effectLst>
+                <a:latin typeface="华文细黑" panose="02010600040101010101" pitchFamily="2" charset="-122"/>
+                <a:ea typeface="华文细黑" panose="02010600040101010101" pitchFamily="2" charset="-122"/>
+              </a:rPr>
+              <a:t>5</a:t>
+            </a:r>
+            <a:endParaRPr lang="zh-CN" altLang="en-US" sz="4400" dirty="0">
+              <a:solidFill>
+                <a:schemeClr val="bg1"/>
+              </a:solidFill>
+              <a:latin typeface="华文细黑" panose="02010600040101010101" pitchFamily="2" charset="-122"/>
+              <a:ea typeface="华文细黑" panose="02010600040101010101" pitchFamily="2" charset="-122"/>
+            </a:endParaRPr>
+          </a:p>
+        </p:txBody>
+      </p:sp>
+      <p:sp>
+        <p:nvSpPr>
+          <p:cNvPr id="25" name="矩形 24">
+            <a:extLst>
+              <a:ext uri="{FF2B5EF4-FFF2-40B4-BE49-F238E27FC236}">
+                <a16:creationId xmlns:a16="http://schemas.microsoft.com/office/drawing/2014/main" id="{50B9261F-8EDC-4204-9600-200D22FF98E8}"/>
+              </a:ext>
+            </a:extLst>
+          </p:cNvPr>
+          <p:cNvSpPr/>
+          <p:nvPr/>
+        </p:nvSpPr>
+        <p:spPr>
+          <a:xfrm>
+            <a:off x="9225950" y="5631577"/>
+            <a:ext cx="1826141" cy="584775"/>
+          </a:xfrm>
+          <a:prstGeom prst="rect">
+            <a:avLst/>
+          </a:prstGeom>
+        </p:spPr>
+        <p:txBody>
+          <a:bodyPr wrap="none">
+            <a:spAutoFit/>
+          </a:bodyPr>
+          <a:lstStyle/>
+          <a:p>
+            <a:r>
+              <a:rPr lang="zh-CN" altLang="en-US" sz="3200" dirty="0">
+                <a:solidFill>
+                  <a:schemeClr val="bg1"/>
+                </a:solidFill>
+                <a:ea typeface="方正兰亭粗黑简体" panose="02000000000000000000" pitchFamily="2" charset="-122"/>
+              </a:rPr>
+              <a:t>项目演示</a:t>
+            </a:r>
+          </a:p>
+        </p:txBody>
+      </p:sp>
+      <p:cxnSp>
+        <p:nvCxnSpPr>
+          <p:cNvPr id="26" name="直接连接符 25">
+            <a:extLst>
+              <a:ext uri="{FF2B5EF4-FFF2-40B4-BE49-F238E27FC236}">
+                <a16:creationId xmlns:a16="http://schemas.microsoft.com/office/drawing/2014/main" id="{B1B8380D-E534-4E46-A15A-14A3EB9E5EC4}"/>
+              </a:ext>
+            </a:extLst>
+          </p:cNvPr>
+          <p:cNvCxnSpPr/>
+          <p:nvPr/>
+        </p:nvCxnSpPr>
+        <p:spPr>
+          <a:xfrm>
+            <a:off x="8173611" y="5981599"/>
+            <a:ext cx="900000" cy="0"/>
+          </a:xfrm>
+          <a:prstGeom prst="line">
+            <a:avLst/>
+          </a:prstGeom>
+          <a:ln>
+            <a:solidFill>
+              <a:schemeClr val="bg1"/>
+            </a:solidFill>
+          </a:ln>
+        </p:spPr>
+        <p:style>
+          <a:lnRef idx="1">
+            <a:schemeClr val="accent1"/>
+          </a:lnRef>
+          <a:fillRef idx="0">
+            <a:schemeClr val="accent1"/>
+          </a:fillRef>
+          <a:effectRef idx="0">
+            <a:schemeClr val="accent1"/>
+          </a:effectRef>
+          <a:fontRef idx="minor">
+            <a:schemeClr val="tx1"/>
+          </a:fontRef>
+        </p:style>
+      </p:cxnSp>
+      <p:sp>
+        <p:nvSpPr>
+          <p:cNvPr id="27" name="矩形 26">
+            <a:extLst>
+              <a:ext uri="{FF2B5EF4-FFF2-40B4-BE49-F238E27FC236}">
+                <a16:creationId xmlns:a16="http://schemas.microsoft.com/office/drawing/2014/main" id="{56DA370F-69DD-4065-8B04-093FEC330BA9}"/>
+              </a:ext>
+            </a:extLst>
+          </p:cNvPr>
+          <p:cNvSpPr/>
+          <p:nvPr/>
+        </p:nvSpPr>
+        <p:spPr>
+          <a:xfrm>
+            <a:off x="7494350" y="5552891"/>
+            <a:ext cx="497252" cy="769441"/>
+          </a:xfrm>
+          <a:prstGeom prst="rect">
+            <a:avLst/>
+          </a:prstGeom>
+        </p:spPr>
+        <p:txBody>
+          <a:bodyPr wrap="none">
+            <a:spAutoFit/>
+          </a:bodyPr>
+          <a:lstStyle/>
+          <a:p>
+            <a:r>
+              <a:rPr lang="en-US" altLang="zh-CN" sz="4400" dirty="0">
+                <a:solidFill>
+                  <a:schemeClr val="bg1"/>
+                </a:solidFill>
+                <a:effectLst>
+                  <a:outerShdw blurRad="60007" dist="310007" dir="7680000" sy="30000" kx="1300200" algn="ctr" rotWithShape="0">
+                    <a:prstClr val="black">
+                      <a:alpha val="32000"/>
+                    </a:prstClr>
+                  </a:outerShdw>
+                </a:effectLst>
+                <a:latin typeface="华文细黑" panose="02010600040101010101" pitchFamily="2" charset="-122"/>
+                <a:ea typeface="华文细黑" panose="02010600040101010101" pitchFamily="2" charset="-122"/>
+              </a:rPr>
+              <a:t>6</a:t>
+            </a:r>
+            <a:endParaRPr lang="zh-CN" altLang="en-US" sz="4400" dirty="0">
+              <a:solidFill>
+                <a:schemeClr val="bg1"/>
+              </a:solidFill>
+              <a:latin typeface="华文细黑" panose="02010600040101010101" pitchFamily="2" charset="-122"/>
+              <a:ea typeface="华文细黑" panose="02010600040101010101" pitchFamily="2" charset="-122"/>
+            </a:endParaRPr>
+          </a:p>
+        </p:txBody>
+      </p:sp>
+    </p:spTree>
+  </p:cSld>
+  <p:clrMapOvr>
+    <a:masterClrMapping/>
+  </p:clrMapOvr>
+</p:sld>
+</file>
+
+<file path=ppt/slides/slide20.xml><?xml version="1.0" encoding="utf-8"?>
 <p:sld xmlns:a="http://schemas.openxmlformats.org/drawingml/2006/main" xmlns:r="http://schemas.openxmlformats.org/officeDocument/2006/relationships" xmlns:p="http://schemas.openxmlformats.org/presentationml/2006/main">
   <p:cSld>
     <p:spTree>
@@ -35000,1000 +36172,7 @@
 </p:sld>
 </file>
 
-<file path=ppt/slides/slide2.xml><?xml version="1.0" encoding="utf-8"?>
-<p:sld xmlns:a="http://schemas.openxmlformats.org/drawingml/2006/main" xmlns:r="http://schemas.openxmlformats.org/officeDocument/2006/relationships" xmlns:p="http://schemas.openxmlformats.org/presentationml/2006/main">
-  <p:cSld>
-    <p:bg>
-      <p:bgPr>
-        <a:blipFill dpi="0" rotWithShape="1">
-          <a:blip r:embed="rId2">
-            <a:lum/>
-          </a:blip>
-          <a:srcRect/>
-          <a:stretch>
-            <a:fillRect t="-4000" b="-4000"/>
-          </a:stretch>
-        </a:blipFill>
-        <a:effectLst/>
-      </p:bgPr>
-    </p:bg>
-    <p:spTree>
-      <p:nvGrpSpPr>
-        <p:cNvPr id="1" name=""/>
-        <p:cNvGrpSpPr/>
-        <p:nvPr/>
-      </p:nvGrpSpPr>
-      <p:grpSpPr>
-        <a:xfrm>
-          <a:off x="0" y="0"/>
-          <a:ext cx="0" cy="0"/>
-          <a:chOff x="0" y="0"/>
-          <a:chExt cx="0" cy="0"/>
-        </a:xfrm>
-      </p:grpSpPr>
-      <p:sp>
-        <p:nvSpPr>
-          <p:cNvPr id="2" name="文本框 1"/>
-          <p:cNvSpPr txBox="1"/>
-          <p:nvPr/>
-        </p:nvSpPr>
-        <p:spPr>
-          <a:xfrm>
-            <a:off x="1794698" y="720335"/>
-            <a:ext cx="3107107" cy="1200329"/>
-          </a:xfrm>
-          <a:prstGeom prst="rect">
-            <a:avLst/>
-          </a:prstGeom>
-          <a:noFill/>
-        </p:spPr>
-        <p:txBody>
-          <a:bodyPr wrap="square" rtlCol="0">
-            <a:spAutoFit/>
-          </a:bodyPr>
-          <a:lstStyle/>
-          <a:p>
-            <a:pPr algn="ctr"/>
-            <a:r>
-              <a:rPr lang="zh-CN" altLang="en-US" sz="7200" b="1" dirty="0">
-                <a:solidFill>
-                  <a:schemeClr val="bg1"/>
-                </a:solidFill>
-                <a:effectLst>
-                  <a:outerShdw blurRad="60007" dist="310007" dir="7680000" sy="30000" kx="1300200" algn="ctr" rotWithShape="0">
-                    <a:prstClr val="black">
-                      <a:alpha val="32000"/>
-                    </a:prstClr>
-                  </a:outerShdw>
-                </a:effectLst>
-                <a:latin typeface="方正兰亭粗黑简体" panose="02000000000000000000" pitchFamily="2" charset="-122"/>
-                <a:ea typeface="方正兰亭粗黑简体" panose="02000000000000000000" pitchFamily="2" charset="-122"/>
-              </a:rPr>
-              <a:t>目 录</a:t>
-            </a:r>
-          </a:p>
-        </p:txBody>
-      </p:sp>
-      <p:sp>
-        <p:nvSpPr>
-          <p:cNvPr id="3" name="矩形 2"/>
-          <p:cNvSpPr/>
-          <p:nvPr/>
-        </p:nvSpPr>
-        <p:spPr>
-          <a:xfrm>
-            <a:off x="5744129" y="2584380"/>
-            <a:ext cx="1826141" cy="584775"/>
-          </a:xfrm>
-          <a:prstGeom prst="rect">
-            <a:avLst/>
-          </a:prstGeom>
-        </p:spPr>
-        <p:txBody>
-          <a:bodyPr wrap="none">
-            <a:spAutoFit/>
-          </a:bodyPr>
-          <a:lstStyle/>
-          <a:p>
-            <a:r>
-              <a:rPr lang="zh-CN" altLang="en-US" sz="3200" dirty="0">
-                <a:solidFill>
-                  <a:schemeClr val="bg1"/>
-                </a:solidFill>
-                <a:latin typeface="方正兰亭超细黑简体" panose="02000000000000000000" pitchFamily="2" charset="-122"/>
-                <a:ea typeface="方正兰亭粗黑简体" panose="02000000000000000000" pitchFamily="2" charset="-122"/>
-              </a:rPr>
-              <a:t>项目概述</a:t>
-            </a:r>
-            <a:endParaRPr lang="zh-CN" altLang="en-US" sz="3200" dirty="0">
-              <a:solidFill>
-                <a:schemeClr val="bg1"/>
-              </a:solidFill>
-              <a:latin typeface="方正兰亭超细黑简体" panose="02000000000000000000" pitchFamily="2" charset="-122"/>
-              <a:ea typeface="方正兰亭超细黑简体" panose="02000000000000000000" pitchFamily="2" charset="-122"/>
-            </a:endParaRPr>
-          </a:p>
-        </p:txBody>
-      </p:sp>
-      <p:sp>
-        <p:nvSpPr>
-          <p:cNvPr id="4" name="矩形 3"/>
-          <p:cNvSpPr/>
-          <p:nvPr/>
-        </p:nvSpPr>
-        <p:spPr>
-          <a:xfrm>
-            <a:off x="5744130" y="3571513"/>
-            <a:ext cx="1826141" cy="584775"/>
-          </a:xfrm>
-          <a:prstGeom prst="rect">
-            <a:avLst/>
-          </a:prstGeom>
-        </p:spPr>
-        <p:txBody>
-          <a:bodyPr wrap="none">
-            <a:spAutoFit/>
-          </a:bodyPr>
-          <a:lstStyle/>
-          <a:p>
-            <a:r>
-              <a:rPr lang="zh-CN" altLang="en-US" sz="3200" dirty="0">
-                <a:solidFill>
-                  <a:schemeClr val="bg1"/>
-                </a:solidFill>
-                <a:latin typeface="方正兰亭超细黑简体" panose="02000000000000000000" pitchFamily="2" charset="-122"/>
-                <a:ea typeface="方正兰亭粗黑简体" panose="02000000000000000000" pitchFamily="2" charset="-122"/>
-              </a:rPr>
-              <a:t>成员分工</a:t>
-            </a:r>
-            <a:endParaRPr lang="zh-CN" altLang="en-US" sz="3200" dirty="0">
-              <a:solidFill>
-                <a:schemeClr val="bg1"/>
-              </a:solidFill>
-              <a:latin typeface="方正兰亭超细黑简体" panose="02000000000000000000" pitchFamily="2" charset="-122"/>
-              <a:ea typeface="方正兰亭超细黑简体" panose="02000000000000000000" pitchFamily="2" charset="-122"/>
-            </a:endParaRPr>
-          </a:p>
-        </p:txBody>
-      </p:sp>
-      <p:sp>
-        <p:nvSpPr>
-          <p:cNvPr id="5" name="矩形 4"/>
-          <p:cNvSpPr/>
-          <p:nvPr/>
-        </p:nvSpPr>
-        <p:spPr>
-          <a:xfrm>
-            <a:off x="5762044" y="4592857"/>
-            <a:ext cx="1989057" cy="584775"/>
-          </a:xfrm>
-          <a:prstGeom prst="rect">
-            <a:avLst/>
-          </a:prstGeom>
-        </p:spPr>
-        <p:txBody>
-          <a:bodyPr wrap="square">
-            <a:spAutoFit/>
-          </a:bodyPr>
-          <a:lstStyle/>
-          <a:p>
-            <a:r>
-              <a:rPr lang="zh-CN" altLang="en-US" sz="3200" dirty="0">
-                <a:solidFill>
-                  <a:schemeClr val="bg1"/>
-                </a:solidFill>
-                <a:latin typeface="方正兰亭超细黑简体" panose="02000000000000000000" pitchFamily="2" charset="-122"/>
-                <a:ea typeface="方正兰亭粗黑简体" panose="02000000000000000000" pitchFamily="2" charset="-122"/>
-              </a:rPr>
-              <a:t>项目设计</a:t>
-            </a:r>
-          </a:p>
-        </p:txBody>
-      </p:sp>
-      <p:sp>
-        <p:nvSpPr>
-          <p:cNvPr id="6" name="矩形 5"/>
-          <p:cNvSpPr/>
-          <p:nvPr/>
-        </p:nvSpPr>
-        <p:spPr>
-          <a:xfrm>
-            <a:off x="9195796" y="3557865"/>
-            <a:ext cx="1826141" cy="584775"/>
-          </a:xfrm>
-          <a:prstGeom prst="rect">
-            <a:avLst/>
-          </a:prstGeom>
-        </p:spPr>
-        <p:txBody>
-          <a:bodyPr wrap="none">
-            <a:spAutoFit/>
-          </a:bodyPr>
-          <a:lstStyle/>
-          <a:p>
-            <a:r>
-              <a:rPr lang="zh-CN" altLang="en-US" sz="3200" dirty="0">
-                <a:solidFill>
-                  <a:schemeClr val="bg1"/>
-                </a:solidFill>
-                <a:ea typeface="方正兰亭粗黑简体" panose="02000000000000000000" pitchFamily="2" charset="-122"/>
-              </a:rPr>
-              <a:t>项目进程</a:t>
-            </a:r>
-          </a:p>
-        </p:txBody>
-      </p:sp>
-      <p:cxnSp>
-        <p:nvCxnSpPr>
-          <p:cNvPr id="7" name="直接连接符 6"/>
-          <p:cNvCxnSpPr/>
-          <p:nvPr/>
-        </p:nvCxnSpPr>
-        <p:spPr>
-          <a:xfrm>
-            <a:off x="4657777" y="2889402"/>
-            <a:ext cx="900000" cy="0"/>
-          </a:xfrm>
-          <a:prstGeom prst="line">
-            <a:avLst/>
-          </a:prstGeom>
-          <a:ln>
-            <a:solidFill>
-              <a:schemeClr val="bg1"/>
-            </a:solidFill>
-          </a:ln>
-        </p:spPr>
-        <p:style>
-          <a:lnRef idx="1">
-            <a:schemeClr val="accent1"/>
-          </a:lnRef>
-          <a:fillRef idx="0">
-            <a:schemeClr val="accent1"/>
-          </a:fillRef>
-          <a:effectRef idx="0">
-            <a:schemeClr val="accent1"/>
-          </a:effectRef>
-          <a:fontRef idx="minor">
-            <a:schemeClr val="tx1"/>
-          </a:fontRef>
-        </p:style>
-      </p:cxnSp>
-      <p:cxnSp>
-        <p:nvCxnSpPr>
-          <p:cNvPr id="8" name="直接连接符 7"/>
-          <p:cNvCxnSpPr/>
-          <p:nvPr/>
-        </p:nvCxnSpPr>
-        <p:spPr>
-          <a:xfrm>
-            <a:off x="4671425" y="3915413"/>
-            <a:ext cx="900000" cy="0"/>
-          </a:xfrm>
-          <a:prstGeom prst="line">
-            <a:avLst/>
-          </a:prstGeom>
-          <a:ln>
-            <a:solidFill>
-              <a:schemeClr val="bg1"/>
-            </a:solidFill>
-          </a:ln>
-        </p:spPr>
-        <p:style>
-          <a:lnRef idx="1">
-            <a:schemeClr val="accent1"/>
-          </a:lnRef>
-          <a:fillRef idx="0">
-            <a:schemeClr val="accent1"/>
-          </a:fillRef>
-          <a:effectRef idx="0">
-            <a:schemeClr val="accent1"/>
-          </a:effectRef>
-          <a:fontRef idx="minor">
-            <a:schemeClr val="tx1"/>
-          </a:fontRef>
-        </p:style>
-      </p:cxnSp>
-      <p:cxnSp>
-        <p:nvCxnSpPr>
-          <p:cNvPr id="9" name="直接连接符 8"/>
-          <p:cNvCxnSpPr/>
-          <p:nvPr/>
-        </p:nvCxnSpPr>
-        <p:spPr>
-          <a:xfrm>
-            <a:off x="4678137" y="4926188"/>
-            <a:ext cx="900000" cy="0"/>
-          </a:xfrm>
-          <a:prstGeom prst="line">
-            <a:avLst/>
-          </a:prstGeom>
-          <a:ln>
-            <a:solidFill>
-              <a:schemeClr val="bg1"/>
-            </a:solidFill>
-          </a:ln>
-        </p:spPr>
-        <p:style>
-          <a:lnRef idx="1">
-            <a:schemeClr val="accent1"/>
-          </a:lnRef>
-          <a:fillRef idx="0">
-            <a:schemeClr val="accent1"/>
-          </a:fillRef>
-          <a:effectRef idx="0">
-            <a:schemeClr val="accent1"/>
-          </a:effectRef>
-          <a:fontRef idx="minor">
-            <a:schemeClr val="tx1"/>
-          </a:fontRef>
-        </p:style>
-      </p:cxnSp>
-      <p:cxnSp>
-        <p:nvCxnSpPr>
-          <p:cNvPr id="10" name="直接连接符 9"/>
-          <p:cNvCxnSpPr/>
-          <p:nvPr/>
-        </p:nvCxnSpPr>
-        <p:spPr>
-          <a:xfrm>
-            <a:off x="8143457" y="3907887"/>
-            <a:ext cx="900000" cy="0"/>
-          </a:xfrm>
-          <a:prstGeom prst="line">
-            <a:avLst/>
-          </a:prstGeom>
-          <a:ln>
-            <a:solidFill>
-              <a:schemeClr val="bg1"/>
-            </a:solidFill>
-          </a:ln>
-        </p:spPr>
-        <p:style>
-          <a:lnRef idx="1">
-            <a:schemeClr val="accent1"/>
-          </a:lnRef>
-          <a:fillRef idx="0">
-            <a:schemeClr val="accent1"/>
-          </a:fillRef>
-          <a:effectRef idx="0">
-            <a:schemeClr val="accent1"/>
-          </a:effectRef>
-          <a:fontRef idx="minor">
-            <a:schemeClr val="tx1"/>
-          </a:fontRef>
-        </p:style>
-      </p:cxnSp>
-      <p:sp>
-        <p:nvSpPr>
-          <p:cNvPr id="11" name="矩形 10"/>
-          <p:cNvSpPr/>
-          <p:nvPr/>
-        </p:nvSpPr>
-        <p:spPr>
-          <a:xfrm>
-            <a:off x="4004042" y="2545625"/>
-            <a:ext cx="497252" cy="769441"/>
-          </a:xfrm>
-          <a:prstGeom prst="rect">
-            <a:avLst/>
-          </a:prstGeom>
-        </p:spPr>
-        <p:txBody>
-          <a:bodyPr wrap="none">
-            <a:spAutoFit/>
-          </a:bodyPr>
-          <a:lstStyle/>
-          <a:p>
-            <a:r>
-              <a:rPr lang="en-US" altLang="zh-CN" sz="4400" dirty="0">
-                <a:solidFill>
-                  <a:schemeClr val="bg1"/>
-                </a:solidFill>
-                <a:effectLst>
-                  <a:outerShdw blurRad="60007" dist="310007" dir="7680000" sy="30000" kx="1300200" algn="ctr" rotWithShape="0">
-                    <a:prstClr val="black">
-                      <a:alpha val="32000"/>
-                    </a:prstClr>
-                  </a:outerShdw>
-                </a:effectLst>
-                <a:latin typeface="华文细黑" panose="02010600040101010101" pitchFamily="2" charset="-122"/>
-                <a:ea typeface="华文细黑" panose="02010600040101010101" pitchFamily="2" charset="-122"/>
-              </a:rPr>
-              <a:t>1</a:t>
-            </a:r>
-            <a:endParaRPr lang="zh-CN" altLang="en-US" sz="4400" dirty="0">
-              <a:solidFill>
-                <a:schemeClr val="bg1"/>
-              </a:solidFill>
-              <a:latin typeface="华文细黑" panose="02010600040101010101" pitchFamily="2" charset="-122"/>
-              <a:ea typeface="华文细黑" panose="02010600040101010101" pitchFamily="2" charset="-122"/>
-            </a:endParaRPr>
-          </a:p>
-        </p:txBody>
-      </p:sp>
-      <p:sp>
-        <p:nvSpPr>
-          <p:cNvPr id="12" name="矩形 11"/>
-          <p:cNvSpPr/>
-          <p:nvPr/>
-        </p:nvSpPr>
-        <p:spPr>
-          <a:xfrm>
-            <a:off x="4004042" y="3479179"/>
-            <a:ext cx="497252" cy="769441"/>
-          </a:xfrm>
-          <a:prstGeom prst="rect">
-            <a:avLst/>
-          </a:prstGeom>
-        </p:spPr>
-        <p:txBody>
-          <a:bodyPr wrap="none">
-            <a:spAutoFit/>
-          </a:bodyPr>
-          <a:lstStyle/>
-          <a:p>
-            <a:r>
-              <a:rPr lang="en-US" altLang="zh-CN" sz="4400" dirty="0">
-                <a:solidFill>
-                  <a:schemeClr val="bg1"/>
-                </a:solidFill>
-                <a:effectLst>
-                  <a:outerShdw blurRad="60007" dist="310007" dir="7680000" sy="30000" kx="1300200" algn="ctr" rotWithShape="0">
-                    <a:prstClr val="black">
-                      <a:alpha val="32000"/>
-                    </a:prstClr>
-                  </a:outerShdw>
-                </a:effectLst>
-                <a:latin typeface="华文细黑" panose="02010600040101010101" pitchFamily="2" charset="-122"/>
-                <a:ea typeface="华文细黑" panose="02010600040101010101" pitchFamily="2" charset="-122"/>
-              </a:rPr>
-              <a:t>2</a:t>
-            </a:r>
-            <a:endParaRPr lang="zh-CN" altLang="en-US" sz="4400" dirty="0">
-              <a:solidFill>
-                <a:schemeClr val="bg1"/>
-              </a:solidFill>
-              <a:latin typeface="华文细黑" panose="02010600040101010101" pitchFamily="2" charset="-122"/>
-              <a:ea typeface="华文细黑" panose="02010600040101010101" pitchFamily="2" charset="-122"/>
-            </a:endParaRPr>
-          </a:p>
-        </p:txBody>
-      </p:sp>
-      <p:sp>
-        <p:nvSpPr>
-          <p:cNvPr id="13" name="矩形 12"/>
-          <p:cNvSpPr/>
-          <p:nvPr/>
-        </p:nvSpPr>
-        <p:spPr>
-          <a:xfrm>
-            <a:off x="4019348" y="4501891"/>
-            <a:ext cx="497252" cy="769441"/>
-          </a:xfrm>
-          <a:prstGeom prst="rect">
-            <a:avLst/>
-          </a:prstGeom>
-        </p:spPr>
-        <p:txBody>
-          <a:bodyPr wrap="none">
-            <a:spAutoFit/>
-          </a:bodyPr>
-          <a:lstStyle/>
-          <a:p>
-            <a:r>
-              <a:rPr lang="en-US" altLang="zh-CN" sz="4400" dirty="0">
-                <a:solidFill>
-                  <a:schemeClr val="bg1"/>
-                </a:solidFill>
-                <a:effectLst>
-                  <a:outerShdw blurRad="60007" dist="310007" dir="7680000" sy="30000" kx="1300200" algn="ctr" rotWithShape="0">
-                    <a:prstClr val="black">
-                      <a:alpha val="32000"/>
-                    </a:prstClr>
-                  </a:outerShdw>
-                </a:effectLst>
-                <a:latin typeface="华文细黑" panose="02010600040101010101" pitchFamily="2" charset="-122"/>
-                <a:ea typeface="华文细黑" panose="02010600040101010101" pitchFamily="2" charset="-122"/>
-              </a:rPr>
-              <a:t>3</a:t>
-            </a:r>
-            <a:endParaRPr lang="zh-CN" altLang="en-US" sz="4400" dirty="0">
-              <a:solidFill>
-                <a:schemeClr val="bg1"/>
-              </a:solidFill>
-              <a:latin typeface="华文细黑" panose="02010600040101010101" pitchFamily="2" charset="-122"/>
-              <a:ea typeface="华文细黑" panose="02010600040101010101" pitchFamily="2" charset="-122"/>
-            </a:endParaRPr>
-          </a:p>
-        </p:txBody>
-      </p:sp>
-      <p:sp>
-        <p:nvSpPr>
-          <p:cNvPr id="14" name="矩形 13"/>
-          <p:cNvSpPr/>
-          <p:nvPr/>
-        </p:nvSpPr>
-        <p:spPr>
-          <a:xfrm>
-            <a:off x="7464196" y="3479179"/>
-            <a:ext cx="497252" cy="769441"/>
-          </a:xfrm>
-          <a:prstGeom prst="rect">
-            <a:avLst/>
-          </a:prstGeom>
-        </p:spPr>
-        <p:txBody>
-          <a:bodyPr wrap="none">
-            <a:spAutoFit/>
-          </a:bodyPr>
-          <a:lstStyle/>
-          <a:p>
-            <a:r>
-              <a:rPr lang="en-US" altLang="zh-CN" sz="4400" dirty="0">
-                <a:solidFill>
-                  <a:schemeClr val="bg1"/>
-                </a:solidFill>
-                <a:effectLst>
-                  <a:outerShdw blurRad="60007" dist="310007" dir="7680000" sy="30000" kx="1300200" algn="ctr" rotWithShape="0">
-                    <a:prstClr val="black">
-                      <a:alpha val="32000"/>
-                    </a:prstClr>
-                  </a:outerShdw>
-                </a:effectLst>
-                <a:latin typeface="华文细黑" panose="02010600040101010101" pitchFamily="2" charset="-122"/>
-                <a:ea typeface="华文细黑" panose="02010600040101010101" pitchFamily="2" charset="-122"/>
-              </a:rPr>
-              <a:t>4</a:t>
-            </a:r>
-            <a:endParaRPr lang="zh-CN" altLang="en-US" sz="4400" dirty="0">
-              <a:solidFill>
-                <a:schemeClr val="bg1"/>
-              </a:solidFill>
-              <a:latin typeface="华文细黑" panose="02010600040101010101" pitchFamily="2" charset="-122"/>
-              <a:ea typeface="华文细黑" panose="02010600040101010101" pitchFamily="2" charset="-122"/>
-            </a:endParaRPr>
-          </a:p>
-        </p:txBody>
-      </p:sp>
-      <p:cxnSp>
-        <p:nvCxnSpPr>
-          <p:cNvPr id="15" name="直接连接符 14"/>
-          <p:cNvCxnSpPr/>
-          <p:nvPr/>
-        </p:nvCxnSpPr>
-        <p:spPr>
-          <a:xfrm>
-            <a:off x="0" y="1831305"/>
-            <a:ext cx="11232107" cy="0"/>
-          </a:xfrm>
-          <a:prstGeom prst="line">
-            <a:avLst/>
-          </a:prstGeom>
-          <a:ln w="19050">
-            <a:solidFill>
-              <a:schemeClr val="bg1"/>
-            </a:solidFill>
-          </a:ln>
-        </p:spPr>
-        <p:style>
-          <a:lnRef idx="1">
-            <a:schemeClr val="accent1"/>
-          </a:lnRef>
-          <a:fillRef idx="0">
-            <a:schemeClr val="accent1"/>
-          </a:fillRef>
-          <a:effectRef idx="0">
-            <a:schemeClr val="accent1"/>
-          </a:effectRef>
-          <a:fontRef idx="minor">
-            <a:schemeClr val="tx1"/>
-          </a:fontRef>
-        </p:style>
-      </p:cxnSp>
-      <p:cxnSp>
-        <p:nvCxnSpPr>
-          <p:cNvPr id="16" name="直接连接符 15"/>
-          <p:cNvCxnSpPr/>
-          <p:nvPr/>
-        </p:nvCxnSpPr>
-        <p:spPr>
-          <a:xfrm>
-            <a:off x="3361900" y="0"/>
-            <a:ext cx="0" cy="764275"/>
-          </a:xfrm>
-          <a:prstGeom prst="line">
-            <a:avLst/>
-          </a:prstGeom>
-          <a:ln w="19050">
-            <a:solidFill>
-              <a:schemeClr val="bg1"/>
-            </a:solidFill>
-          </a:ln>
-        </p:spPr>
-        <p:style>
-          <a:lnRef idx="1">
-            <a:schemeClr val="accent1"/>
-          </a:lnRef>
-          <a:fillRef idx="0">
-            <a:schemeClr val="accent1"/>
-          </a:fillRef>
-          <a:effectRef idx="0">
-            <a:schemeClr val="accent1"/>
-          </a:effectRef>
-          <a:fontRef idx="minor">
-            <a:schemeClr val="tx1"/>
-          </a:fontRef>
-        </p:style>
-      </p:cxnSp>
-      <p:cxnSp>
-        <p:nvCxnSpPr>
-          <p:cNvPr id="17" name="直接连接符 16"/>
-          <p:cNvCxnSpPr/>
-          <p:nvPr/>
-        </p:nvCxnSpPr>
-        <p:spPr>
-          <a:xfrm>
-            <a:off x="3361900" y="2457003"/>
-            <a:ext cx="0" cy="4392000"/>
-          </a:xfrm>
-          <a:prstGeom prst="line">
-            <a:avLst/>
-          </a:prstGeom>
-          <a:ln w="19050">
-            <a:solidFill>
-              <a:schemeClr val="bg1"/>
-            </a:solidFill>
-          </a:ln>
-        </p:spPr>
-        <p:style>
-          <a:lnRef idx="1">
-            <a:schemeClr val="accent1"/>
-          </a:lnRef>
-          <a:fillRef idx="0">
-            <a:schemeClr val="accent1"/>
-          </a:fillRef>
-          <a:effectRef idx="0">
-            <a:schemeClr val="accent1"/>
-          </a:effectRef>
-          <a:fontRef idx="minor">
-            <a:schemeClr val="tx1"/>
-          </a:fontRef>
-        </p:style>
-      </p:cxnSp>
-      <p:sp>
-        <p:nvSpPr>
-          <p:cNvPr id="18" name="文本框 17"/>
-          <p:cNvSpPr txBox="1"/>
-          <p:nvPr/>
-        </p:nvSpPr>
-        <p:spPr>
-          <a:xfrm>
-            <a:off x="2259853" y="1913925"/>
-            <a:ext cx="2230264" cy="461665"/>
-          </a:xfrm>
-          <a:prstGeom prst="rect">
-            <a:avLst/>
-          </a:prstGeom>
-          <a:noFill/>
-        </p:spPr>
-        <p:txBody>
-          <a:bodyPr wrap="square" rtlCol="0">
-            <a:spAutoFit/>
-          </a:bodyPr>
-          <a:lstStyle/>
-          <a:p>
-            <a:pPr algn="dist"/>
-            <a:r>
-              <a:rPr lang="en-US" altLang="zh-CN" sz="2400" b="1" dirty="0">
-                <a:solidFill>
-                  <a:schemeClr val="bg1"/>
-                </a:solidFill>
-                <a:effectLst>
-                  <a:outerShdw blurRad="60007" dist="310007" dir="7680000" sy="30000" kx="1300200" algn="ctr" rotWithShape="0">
-                    <a:prstClr val="black">
-                      <a:alpha val="32000"/>
-                    </a:prstClr>
-                  </a:outerShdw>
-                </a:effectLst>
-                <a:latin typeface="微软雅黑" panose="020B0503020204020204" pitchFamily="34" charset="-122"/>
-                <a:ea typeface="微软雅黑" panose="020B0503020204020204" pitchFamily="34" charset="-122"/>
-              </a:rPr>
-              <a:t>CONTENTS </a:t>
-            </a:r>
-            <a:endParaRPr lang="zh-CN" altLang="en-US" sz="2400" b="1" dirty="0">
-              <a:solidFill>
-                <a:schemeClr val="bg1"/>
-              </a:solidFill>
-              <a:effectLst>
-                <a:outerShdw blurRad="60007" dist="310007" dir="7680000" sy="30000" kx="1300200" algn="ctr" rotWithShape="0">
-                  <a:prstClr val="black">
-                    <a:alpha val="32000"/>
-                  </a:prstClr>
-                </a:outerShdw>
-              </a:effectLst>
-              <a:latin typeface="微软雅黑" panose="020B0503020204020204" pitchFamily="34" charset="-122"/>
-              <a:ea typeface="微软雅黑" panose="020B0503020204020204" pitchFamily="34" charset="-122"/>
-            </a:endParaRPr>
-          </a:p>
-        </p:txBody>
-      </p:sp>
-      <p:sp>
-        <p:nvSpPr>
-          <p:cNvPr id="22" name="矩形 21">
-            <a:extLst>
-              <a:ext uri="{FF2B5EF4-FFF2-40B4-BE49-F238E27FC236}">
-                <a16:creationId xmlns:a16="http://schemas.microsoft.com/office/drawing/2014/main" id="{D4149969-45C3-4E71-AA17-FA71CB0AD6A6}"/>
-              </a:ext>
-            </a:extLst>
-          </p:cNvPr>
-          <p:cNvSpPr/>
-          <p:nvPr/>
-        </p:nvSpPr>
-        <p:spPr>
-          <a:xfrm>
-            <a:off x="9215818" y="4590073"/>
-            <a:ext cx="1826141" cy="584775"/>
-          </a:xfrm>
-          <a:prstGeom prst="rect">
-            <a:avLst/>
-          </a:prstGeom>
-        </p:spPr>
-        <p:txBody>
-          <a:bodyPr wrap="none">
-            <a:spAutoFit/>
-          </a:bodyPr>
-          <a:lstStyle/>
-          <a:p>
-            <a:r>
-              <a:rPr lang="zh-CN" altLang="en-US" sz="3200" dirty="0">
-                <a:solidFill>
-                  <a:schemeClr val="bg1"/>
-                </a:solidFill>
-                <a:ea typeface="方正兰亭粗黑简体" panose="02000000000000000000" pitchFamily="2" charset="-122"/>
-              </a:rPr>
-              <a:t>系统使用</a:t>
-            </a:r>
-          </a:p>
-        </p:txBody>
-      </p:sp>
-      <p:cxnSp>
-        <p:nvCxnSpPr>
-          <p:cNvPr id="23" name="直接连接符 22">
-            <a:extLst>
-              <a:ext uri="{FF2B5EF4-FFF2-40B4-BE49-F238E27FC236}">
-                <a16:creationId xmlns:a16="http://schemas.microsoft.com/office/drawing/2014/main" id="{736C826E-0E10-453D-A92F-51ED6C2A630B}"/>
-              </a:ext>
-            </a:extLst>
-          </p:cNvPr>
-          <p:cNvCxnSpPr/>
-          <p:nvPr/>
-        </p:nvCxnSpPr>
-        <p:spPr>
-          <a:xfrm>
-            <a:off x="8163479" y="4940095"/>
-            <a:ext cx="900000" cy="0"/>
-          </a:xfrm>
-          <a:prstGeom prst="line">
-            <a:avLst/>
-          </a:prstGeom>
-          <a:ln>
-            <a:solidFill>
-              <a:schemeClr val="bg1"/>
-            </a:solidFill>
-          </a:ln>
-        </p:spPr>
-        <p:style>
-          <a:lnRef idx="1">
-            <a:schemeClr val="accent1"/>
-          </a:lnRef>
-          <a:fillRef idx="0">
-            <a:schemeClr val="accent1"/>
-          </a:fillRef>
-          <a:effectRef idx="0">
-            <a:schemeClr val="accent1"/>
-          </a:effectRef>
-          <a:fontRef idx="minor">
-            <a:schemeClr val="tx1"/>
-          </a:fontRef>
-        </p:style>
-      </p:cxnSp>
-      <p:sp>
-        <p:nvSpPr>
-          <p:cNvPr id="24" name="矩形 23">
-            <a:extLst>
-              <a:ext uri="{FF2B5EF4-FFF2-40B4-BE49-F238E27FC236}">
-                <a16:creationId xmlns:a16="http://schemas.microsoft.com/office/drawing/2014/main" id="{9409DD73-05C0-4861-8E3F-CDA8C7220899}"/>
-              </a:ext>
-            </a:extLst>
-          </p:cNvPr>
-          <p:cNvSpPr/>
-          <p:nvPr/>
-        </p:nvSpPr>
-        <p:spPr>
-          <a:xfrm>
-            <a:off x="7484218" y="4511387"/>
-            <a:ext cx="497252" cy="769441"/>
-          </a:xfrm>
-          <a:prstGeom prst="rect">
-            <a:avLst/>
-          </a:prstGeom>
-        </p:spPr>
-        <p:txBody>
-          <a:bodyPr wrap="none">
-            <a:spAutoFit/>
-          </a:bodyPr>
-          <a:lstStyle/>
-          <a:p>
-            <a:r>
-              <a:rPr lang="en-US" altLang="zh-CN" sz="4400" dirty="0">
-                <a:solidFill>
-                  <a:schemeClr val="bg1"/>
-                </a:solidFill>
-                <a:effectLst>
-                  <a:outerShdw blurRad="60007" dist="310007" dir="7680000" sy="30000" kx="1300200" algn="ctr" rotWithShape="0">
-                    <a:prstClr val="black">
-                      <a:alpha val="32000"/>
-                    </a:prstClr>
-                  </a:outerShdw>
-                </a:effectLst>
-                <a:latin typeface="华文细黑" panose="02010600040101010101" pitchFamily="2" charset="-122"/>
-                <a:ea typeface="华文细黑" panose="02010600040101010101" pitchFamily="2" charset="-122"/>
-              </a:rPr>
-              <a:t>5</a:t>
-            </a:r>
-            <a:endParaRPr lang="zh-CN" altLang="en-US" sz="4400" dirty="0">
-              <a:solidFill>
-                <a:schemeClr val="bg1"/>
-              </a:solidFill>
-              <a:latin typeface="华文细黑" panose="02010600040101010101" pitchFamily="2" charset="-122"/>
-              <a:ea typeface="华文细黑" panose="02010600040101010101" pitchFamily="2" charset="-122"/>
-            </a:endParaRPr>
-          </a:p>
-        </p:txBody>
-      </p:sp>
-      <p:sp>
-        <p:nvSpPr>
-          <p:cNvPr id="25" name="矩形 24">
-            <a:extLst>
-              <a:ext uri="{FF2B5EF4-FFF2-40B4-BE49-F238E27FC236}">
-                <a16:creationId xmlns:a16="http://schemas.microsoft.com/office/drawing/2014/main" id="{50B9261F-8EDC-4204-9600-200D22FF98E8}"/>
-              </a:ext>
-            </a:extLst>
-          </p:cNvPr>
-          <p:cNvSpPr/>
-          <p:nvPr/>
-        </p:nvSpPr>
-        <p:spPr>
-          <a:xfrm>
-            <a:off x="9225950" y="5631577"/>
-            <a:ext cx="1826141" cy="584775"/>
-          </a:xfrm>
-          <a:prstGeom prst="rect">
-            <a:avLst/>
-          </a:prstGeom>
-        </p:spPr>
-        <p:txBody>
-          <a:bodyPr wrap="none">
-            <a:spAutoFit/>
-          </a:bodyPr>
-          <a:lstStyle/>
-          <a:p>
-            <a:r>
-              <a:rPr lang="zh-CN" altLang="en-US" sz="3200" dirty="0">
-                <a:solidFill>
-                  <a:schemeClr val="bg1"/>
-                </a:solidFill>
-                <a:ea typeface="方正兰亭粗黑简体" panose="02000000000000000000" pitchFamily="2" charset="-122"/>
-              </a:rPr>
-              <a:t>项目演示</a:t>
-            </a:r>
-          </a:p>
-        </p:txBody>
-      </p:sp>
-      <p:cxnSp>
-        <p:nvCxnSpPr>
-          <p:cNvPr id="26" name="直接连接符 25">
-            <a:extLst>
-              <a:ext uri="{FF2B5EF4-FFF2-40B4-BE49-F238E27FC236}">
-                <a16:creationId xmlns:a16="http://schemas.microsoft.com/office/drawing/2014/main" id="{B1B8380D-E534-4E46-A15A-14A3EB9E5EC4}"/>
-              </a:ext>
-            </a:extLst>
-          </p:cNvPr>
-          <p:cNvCxnSpPr/>
-          <p:nvPr/>
-        </p:nvCxnSpPr>
-        <p:spPr>
-          <a:xfrm>
-            <a:off x="8173611" y="5981599"/>
-            <a:ext cx="900000" cy="0"/>
-          </a:xfrm>
-          <a:prstGeom prst="line">
-            <a:avLst/>
-          </a:prstGeom>
-          <a:ln>
-            <a:solidFill>
-              <a:schemeClr val="bg1"/>
-            </a:solidFill>
-          </a:ln>
-        </p:spPr>
-        <p:style>
-          <a:lnRef idx="1">
-            <a:schemeClr val="accent1"/>
-          </a:lnRef>
-          <a:fillRef idx="0">
-            <a:schemeClr val="accent1"/>
-          </a:fillRef>
-          <a:effectRef idx="0">
-            <a:schemeClr val="accent1"/>
-          </a:effectRef>
-          <a:fontRef idx="minor">
-            <a:schemeClr val="tx1"/>
-          </a:fontRef>
-        </p:style>
-      </p:cxnSp>
-      <p:sp>
-        <p:nvSpPr>
-          <p:cNvPr id="27" name="矩形 26">
-            <a:extLst>
-              <a:ext uri="{FF2B5EF4-FFF2-40B4-BE49-F238E27FC236}">
-                <a16:creationId xmlns:a16="http://schemas.microsoft.com/office/drawing/2014/main" id="{56DA370F-69DD-4065-8B04-093FEC330BA9}"/>
-              </a:ext>
-            </a:extLst>
-          </p:cNvPr>
-          <p:cNvSpPr/>
-          <p:nvPr/>
-        </p:nvSpPr>
-        <p:spPr>
-          <a:xfrm>
-            <a:off x="7494350" y="5552891"/>
-            <a:ext cx="497252" cy="769441"/>
-          </a:xfrm>
-          <a:prstGeom prst="rect">
-            <a:avLst/>
-          </a:prstGeom>
-        </p:spPr>
-        <p:txBody>
-          <a:bodyPr wrap="none">
-            <a:spAutoFit/>
-          </a:bodyPr>
-          <a:lstStyle/>
-          <a:p>
-            <a:r>
-              <a:rPr lang="en-US" altLang="zh-CN" sz="4400" dirty="0">
-                <a:solidFill>
-                  <a:schemeClr val="bg1"/>
-                </a:solidFill>
-                <a:effectLst>
-                  <a:outerShdw blurRad="60007" dist="310007" dir="7680000" sy="30000" kx="1300200" algn="ctr" rotWithShape="0">
-                    <a:prstClr val="black">
-                      <a:alpha val="32000"/>
-                    </a:prstClr>
-                  </a:outerShdw>
-                </a:effectLst>
-                <a:latin typeface="华文细黑" panose="02010600040101010101" pitchFamily="2" charset="-122"/>
-                <a:ea typeface="华文细黑" panose="02010600040101010101" pitchFamily="2" charset="-122"/>
-              </a:rPr>
-              <a:t>6</a:t>
-            </a:r>
-            <a:endParaRPr lang="zh-CN" altLang="en-US" sz="4400" dirty="0">
-              <a:solidFill>
-                <a:schemeClr val="bg1"/>
-              </a:solidFill>
-              <a:latin typeface="华文细黑" panose="02010600040101010101" pitchFamily="2" charset="-122"/>
-              <a:ea typeface="华文细黑" panose="02010600040101010101" pitchFamily="2" charset="-122"/>
-            </a:endParaRPr>
-          </a:p>
-        </p:txBody>
-      </p:sp>
-    </p:spTree>
-  </p:cSld>
-  <p:clrMapOvr>
-    <a:masterClrMapping/>
-  </p:clrMapOvr>
-</p:sld>
-</file>
-
-<file path=ppt/slides/slide20.xml><?xml version="1.0" encoding="utf-8"?>
+<file path=ppt/slides/slide21.xml><?xml version="1.0" encoding="utf-8"?>
 <p:sld xmlns:a="http://schemas.openxmlformats.org/drawingml/2006/main" xmlns:r="http://schemas.openxmlformats.org/officeDocument/2006/relationships" xmlns:p="http://schemas.openxmlformats.org/presentationml/2006/main">
   <p:cSld>
     <p:spTree>
@@ -36963,7 +37142,7 @@
 </p:sld>
 </file>
 
-<file path=ppt/slides/slide21.xml><?xml version="1.0" encoding="utf-8"?>
+<file path=ppt/slides/slide22.xml><?xml version="1.0" encoding="utf-8"?>
 <p:sld xmlns:a="http://schemas.openxmlformats.org/drawingml/2006/main" xmlns:r="http://schemas.openxmlformats.org/officeDocument/2006/relationships" xmlns:p="http://schemas.openxmlformats.org/presentationml/2006/main">
   <p:cSld>
     <p:spTree>
@@ -37171,7 +37350,7 @@
 </p:sld>
 </file>
 
-<file path=ppt/slides/slide22.xml><?xml version="1.0" encoding="utf-8"?>
+<file path=ppt/slides/slide23.xml><?xml version="1.0" encoding="utf-8"?>
 <p:sld xmlns:a="http://schemas.openxmlformats.org/drawingml/2006/main" xmlns:r="http://schemas.openxmlformats.org/officeDocument/2006/relationships" xmlns:p="http://schemas.openxmlformats.org/presentationml/2006/main">
   <p:cSld>
     <p:spTree>
@@ -37430,293 +37609,6 @@
     <p:extLst>
       <p:ext uri="{BB962C8B-B14F-4D97-AF65-F5344CB8AC3E}">
         <p14:creationId xmlns:p14="http://schemas.microsoft.com/office/powerpoint/2010/main" val="2796784773"/>
-      </p:ext>
-    </p:extLst>
-  </p:cSld>
-  <p:clrMapOvr>
-    <a:masterClrMapping/>
-  </p:clrMapOvr>
-</p:sld>
-</file>
-
-<file path=ppt/slides/slide23.xml><?xml version="1.0" encoding="utf-8"?>
-<p:sld xmlns:a="http://schemas.openxmlformats.org/drawingml/2006/main" xmlns:r="http://schemas.openxmlformats.org/officeDocument/2006/relationships" xmlns:p="http://schemas.openxmlformats.org/presentationml/2006/main">
-  <p:cSld>
-    <p:spTree>
-      <p:nvGrpSpPr>
-        <p:cNvPr id="1" name=""/>
-        <p:cNvGrpSpPr/>
-        <p:nvPr/>
-      </p:nvGrpSpPr>
-      <p:grpSpPr>
-        <a:xfrm>
-          <a:off x="0" y="0"/>
-          <a:ext cx="0" cy="0"/>
-          <a:chOff x="0" y="0"/>
-          <a:chExt cx="0" cy="0"/>
-        </a:xfrm>
-      </p:grpSpPr>
-      <p:sp>
-        <p:nvSpPr>
-          <p:cNvPr id="3" name="矩形 2"/>
-          <p:cNvSpPr/>
-          <p:nvPr/>
-        </p:nvSpPr>
-        <p:spPr>
-          <a:xfrm>
-            <a:off x="0" y="2492187"/>
-            <a:ext cx="1452282" cy="1792942"/>
-          </a:xfrm>
-          <a:prstGeom prst="rect">
-            <a:avLst/>
-          </a:prstGeom>
-          <a:solidFill>
-            <a:schemeClr val="bg1"/>
-          </a:solidFill>
-          <a:ln>
-            <a:noFill/>
-          </a:ln>
-        </p:spPr>
-        <p:style>
-          <a:lnRef idx="2">
-            <a:schemeClr val="accent1">
-              <a:shade val="50000"/>
-            </a:schemeClr>
-          </a:lnRef>
-          <a:fillRef idx="1">
-            <a:schemeClr val="accent1"/>
-          </a:fillRef>
-          <a:effectRef idx="0">
-            <a:schemeClr val="accent1"/>
-          </a:effectRef>
-          <a:fontRef idx="minor">
-            <a:schemeClr val="lt1"/>
-          </a:fontRef>
-        </p:style>
-        <p:txBody>
-          <a:bodyPr rtlCol="0" anchor="ctr"/>
-          <a:lstStyle/>
-          <a:p>
-            <a:pPr algn="ctr"/>
-            <a:endParaRPr lang="zh-CN" altLang="en-US">
-              <a:solidFill>
-                <a:schemeClr val="bg1"/>
-              </a:solidFill>
-            </a:endParaRPr>
-          </a:p>
-        </p:txBody>
-      </p:sp>
-      <p:sp>
-        <p:nvSpPr>
-          <p:cNvPr id="4" name="文本框 3"/>
-          <p:cNvSpPr txBox="1"/>
-          <p:nvPr/>
-        </p:nvSpPr>
-        <p:spPr>
-          <a:xfrm>
-            <a:off x="1452282" y="2105561"/>
-            <a:ext cx="2464470" cy="2646878"/>
-          </a:xfrm>
-          <a:prstGeom prst="rect">
-            <a:avLst/>
-          </a:prstGeom>
-          <a:noFill/>
-        </p:spPr>
-        <p:txBody>
-          <a:bodyPr wrap="square" rtlCol="0">
-            <a:spAutoFit/>
-          </a:bodyPr>
-          <a:lstStyle/>
-          <a:p>
-            <a:pPr algn="dist"/>
-            <a:r>
-              <a:rPr lang="en-US" altLang="zh-CN" sz="16600" dirty="0">
-                <a:solidFill>
-                  <a:schemeClr val="bg1"/>
-                </a:solidFill>
-                <a:latin typeface="Impact" panose="020B0806030902050204" pitchFamily="34" charset="0"/>
-                <a:ea typeface="方正兰亭粗黑简体" panose="02000000000000000000" pitchFamily="2" charset="-122"/>
-              </a:rPr>
-              <a:t>06</a:t>
-            </a:r>
-            <a:endParaRPr lang="zh-CN" altLang="en-US" sz="16600" dirty="0">
-              <a:solidFill>
-                <a:schemeClr val="bg1"/>
-              </a:solidFill>
-              <a:latin typeface="Impact" panose="020B0806030902050204" pitchFamily="34" charset="0"/>
-              <a:ea typeface="方正兰亭粗黑简体" panose="02000000000000000000" pitchFamily="2" charset="-122"/>
-            </a:endParaRPr>
-          </a:p>
-        </p:txBody>
-      </p:sp>
-      <p:sp>
-        <p:nvSpPr>
-          <p:cNvPr id="5" name="文本框 4"/>
-          <p:cNvSpPr txBox="1"/>
-          <p:nvPr/>
-        </p:nvSpPr>
-        <p:spPr>
-          <a:xfrm>
-            <a:off x="3621795" y="3496236"/>
-            <a:ext cx="4060689" cy="923330"/>
-          </a:xfrm>
-          <a:prstGeom prst="rect">
-            <a:avLst/>
-          </a:prstGeom>
-          <a:noFill/>
-        </p:spPr>
-        <p:txBody>
-          <a:bodyPr wrap="square" rtlCol="0">
-            <a:spAutoFit/>
-          </a:bodyPr>
-          <a:lstStyle/>
-          <a:p>
-            <a:pPr algn="dist"/>
-            <a:r>
-              <a:rPr lang="zh-CN" altLang="en-US" sz="5400" dirty="0">
-                <a:solidFill>
-                  <a:schemeClr val="bg1"/>
-                </a:solidFill>
-                <a:latin typeface="方正兰亭粗黑简体" panose="02000000000000000000" pitchFamily="2" charset="-122"/>
-                <a:ea typeface="方正兰亭粗黑简体" panose="02000000000000000000" pitchFamily="2" charset="-122"/>
-              </a:rPr>
-              <a:t>项目演示</a:t>
-            </a:r>
-          </a:p>
-        </p:txBody>
-      </p:sp>
-      <p:sp>
-        <p:nvSpPr>
-          <p:cNvPr id="6" name="矩形 5"/>
-          <p:cNvSpPr/>
-          <p:nvPr/>
-        </p:nvSpPr>
-        <p:spPr>
-          <a:xfrm>
-            <a:off x="8659962" y="4473354"/>
-            <a:ext cx="3532038" cy="332873"/>
-          </a:xfrm>
-          <a:prstGeom prst="rect">
-            <a:avLst/>
-          </a:prstGeom>
-          <a:solidFill>
-            <a:schemeClr val="bg1"/>
-          </a:solidFill>
-          <a:ln>
-            <a:noFill/>
-          </a:ln>
-        </p:spPr>
-        <p:style>
-          <a:lnRef idx="2">
-            <a:schemeClr val="accent1">
-              <a:shade val="50000"/>
-            </a:schemeClr>
-          </a:lnRef>
-          <a:fillRef idx="1">
-            <a:schemeClr val="accent1"/>
-          </a:fillRef>
-          <a:effectRef idx="0">
-            <a:schemeClr val="accent1"/>
-          </a:effectRef>
-          <a:fontRef idx="minor">
-            <a:schemeClr val="lt1"/>
-          </a:fontRef>
-        </p:style>
-        <p:txBody>
-          <a:bodyPr rtlCol="0" anchor="ctr"/>
-          <a:lstStyle/>
-          <a:p>
-            <a:pPr algn="ctr"/>
-            <a:endParaRPr lang="zh-CN" altLang="en-US">
-              <a:solidFill>
-                <a:schemeClr val="bg1"/>
-              </a:solidFill>
-            </a:endParaRPr>
-          </a:p>
-        </p:txBody>
-      </p:sp>
-      <p:cxnSp>
-        <p:nvCxnSpPr>
-          <p:cNvPr id="7" name="直接连接符 6"/>
-          <p:cNvCxnSpPr/>
-          <p:nvPr/>
-        </p:nvCxnSpPr>
-        <p:spPr>
-          <a:xfrm>
-            <a:off x="8868590" y="0"/>
-            <a:ext cx="17929" cy="5611906"/>
-          </a:xfrm>
-          <a:prstGeom prst="line">
-            <a:avLst/>
-          </a:prstGeom>
-          <a:ln w="19050">
-            <a:solidFill>
-              <a:schemeClr val="bg1"/>
-            </a:solidFill>
-          </a:ln>
-        </p:spPr>
-        <p:style>
-          <a:lnRef idx="1">
-            <a:schemeClr val="accent1"/>
-          </a:lnRef>
-          <a:fillRef idx="0">
-            <a:schemeClr val="accent1"/>
-          </a:fillRef>
-          <a:effectRef idx="0">
-            <a:schemeClr val="accent1"/>
-          </a:effectRef>
-          <a:fontRef idx="minor">
-            <a:schemeClr val="tx1"/>
-          </a:fontRef>
-        </p:style>
-      </p:cxnSp>
-      <p:sp>
-        <p:nvSpPr>
-          <p:cNvPr id="8" name="文本框 7"/>
-          <p:cNvSpPr txBox="1"/>
-          <p:nvPr/>
-        </p:nvSpPr>
-        <p:spPr>
-          <a:xfrm>
-            <a:off x="1545265" y="4417798"/>
-            <a:ext cx="4532806" cy="400110"/>
-          </a:xfrm>
-          <a:prstGeom prst="rect">
-            <a:avLst/>
-          </a:prstGeom>
-          <a:noFill/>
-        </p:spPr>
-        <p:txBody>
-          <a:bodyPr wrap="square" rtlCol="0">
-            <a:spAutoFit/>
-          </a:bodyPr>
-          <a:lstStyle/>
-          <a:p>
-            <a:pPr algn="dist"/>
-            <a:r>
-              <a:rPr lang="en-US" altLang="zh-CN" sz="2000" b="1" dirty="0">
-                <a:solidFill>
-                  <a:schemeClr val="bg1"/>
-                </a:solidFill>
-                <a:latin typeface="造字工房悦黑演示版常规体" pitchFamily="50" charset="-122"/>
-                <a:ea typeface="造字工房悦黑演示版常规体" pitchFamily="50" charset="-122"/>
-              </a:rPr>
-              <a:t>Project presentation</a:t>
-            </a:r>
-            <a:endParaRPr lang="zh-CN" altLang="en-US" sz="2000" b="1" dirty="0">
-              <a:solidFill>
-                <a:schemeClr val="bg1"/>
-              </a:solidFill>
-              <a:latin typeface="造字工房悦黑演示版常规体" pitchFamily="50" charset="-122"/>
-              <a:ea typeface="造字工房悦黑演示版常规体" pitchFamily="50" charset="-122"/>
-            </a:endParaRPr>
-          </a:p>
-        </p:txBody>
-      </p:sp>
-    </p:spTree>
-    <p:extLst>
-      <p:ext uri="{BB962C8B-B14F-4D97-AF65-F5344CB8AC3E}">
-        <p14:creationId xmlns:p14="http://schemas.microsoft.com/office/powerpoint/2010/main" val="2058438998"/>
       </p:ext>
     </p:extLst>
   </p:cSld>
@@ -37824,7 +37716,7 @@
                 <a:latin typeface="Impact" panose="020B0806030902050204" pitchFamily="34" charset="0"/>
                 <a:ea typeface="方正兰亭粗黑简体" panose="02000000000000000000" pitchFamily="2" charset="-122"/>
               </a:rPr>
-              <a:t>07</a:t>
+              <a:t>06</a:t>
             </a:r>
             <a:endParaRPr lang="zh-CN" altLang="en-US" sz="16600" dirty="0">
               <a:solidFill>
@@ -37867,7 +37759,7 @@
                 <a:latin typeface="方正兰亭粗黑简体" panose="02000000000000000000" pitchFamily="2" charset="-122"/>
                 <a:ea typeface="方正兰亭粗黑简体" panose="02000000000000000000" pitchFamily="2" charset="-122"/>
               </a:rPr>
-              <a:t>项目总结</a:t>
+              <a:t>项目演示</a:t>
             </a:r>
           </a:p>
         </p:txBody>
@@ -37988,7 +37880,7 @@
                 <a:latin typeface="造字工房悦黑演示版常规体" pitchFamily="50" charset="-122"/>
                 <a:ea typeface="造字工房悦黑演示版常规体" pitchFamily="50" charset="-122"/>
               </a:rPr>
-              <a:t>Project summary</a:t>
+              <a:t>Project presentation</a:t>
             </a:r>
             <a:endParaRPr lang="zh-CN" altLang="en-US" sz="2000" b="1" dirty="0">
               <a:solidFill>
@@ -38003,7 +37895,7 @@
     </p:spTree>
     <p:extLst>
       <p:ext uri="{BB962C8B-B14F-4D97-AF65-F5344CB8AC3E}">
-        <p14:creationId xmlns:p14="http://schemas.microsoft.com/office/powerpoint/2010/main" val="4247789345"/>
+        <p14:creationId xmlns:p14="http://schemas.microsoft.com/office/powerpoint/2010/main" val="2058438998"/>
       </p:ext>
     </p:extLst>
   </p:cSld>
@@ -38032,13 +37924,300 @@
       </p:grpSpPr>
       <p:sp>
         <p:nvSpPr>
+          <p:cNvPr id="3" name="矩形 2"/>
+          <p:cNvSpPr/>
+          <p:nvPr/>
+        </p:nvSpPr>
+        <p:spPr>
+          <a:xfrm>
+            <a:off x="0" y="2492187"/>
+            <a:ext cx="1452282" cy="1792942"/>
+          </a:xfrm>
+          <a:prstGeom prst="rect">
+            <a:avLst/>
+          </a:prstGeom>
+          <a:solidFill>
+            <a:schemeClr val="bg1"/>
+          </a:solidFill>
+          <a:ln>
+            <a:noFill/>
+          </a:ln>
+        </p:spPr>
+        <p:style>
+          <a:lnRef idx="2">
+            <a:schemeClr val="accent1">
+              <a:shade val="50000"/>
+            </a:schemeClr>
+          </a:lnRef>
+          <a:fillRef idx="1">
+            <a:schemeClr val="accent1"/>
+          </a:fillRef>
+          <a:effectRef idx="0">
+            <a:schemeClr val="accent1"/>
+          </a:effectRef>
+          <a:fontRef idx="minor">
+            <a:schemeClr val="lt1"/>
+          </a:fontRef>
+        </p:style>
+        <p:txBody>
+          <a:bodyPr rtlCol="0" anchor="ctr"/>
+          <a:lstStyle/>
+          <a:p>
+            <a:pPr algn="ctr"/>
+            <a:endParaRPr lang="zh-CN" altLang="en-US">
+              <a:solidFill>
+                <a:schemeClr val="bg1"/>
+              </a:solidFill>
+            </a:endParaRPr>
+          </a:p>
+        </p:txBody>
+      </p:sp>
+      <p:sp>
+        <p:nvSpPr>
+          <p:cNvPr id="4" name="文本框 3"/>
+          <p:cNvSpPr txBox="1"/>
+          <p:nvPr/>
+        </p:nvSpPr>
+        <p:spPr>
+          <a:xfrm>
+            <a:off x="1452282" y="2105561"/>
+            <a:ext cx="2464470" cy="2646878"/>
+          </a:xfrm>
+          <a:prstGeom prst="rect">
+            <a:avLst/>
+          </a:prstGeom>
+          <a:noFill/>
+        </p:spPr>
+        <p:txBody>
+          <a:bodyPr wrap="square" rtlCol="0">
+            <a:spAutoFit/>
+          </a:bodyPr>
+          <a:lstStyle/>
+          <a:p>
+            <a:pPr algn="dist"/>
+            <a:r>
+              <a:rPr lang="en-US" altLang="zh-CN" sz="16600" dirty="0">
+                <a:solidFill>
+                  <a:schemeClr val="bg1"/>
+                </a:solidFill>
+                <a:latin typeface="Impact" panose="020B0806030902050204" pitchFamily="34" charset="0"/>
+                <a:ea typeface="方正兰亭粗黑简体" panose="02000000000000000000" pitchFamily="2" charset="-122"/>
+              </a:rPr>
+              <a:t>07</a:t>
+            </a:r>
+            <a:endParaRPr lang="zh-CN" altLang="en-US" sz="16600" dirty="0">
+              <a:solidFill>
+                <a:schemeClr val="bg1"/>
+              </a:solidFill>
+              <a:latin typeface="Impact" panose="020B0806030902050204" pitchFamily="34" charset="0"/>
+              <a:ea typeface="方正兰亭粗黑简体" panose="02000000000000000000" pitchFamily="2" charset="-122"/>
+            </a:endParaRPr>
+          </a:p>
+        </p:txBody>
+      </p:sp>
+      <p:sp>
+        <p:nvSpPr>
+          <p:cNvPr id="5" name="文本框 4"/>
+          <p:cNvSpPr txBox="1"/>
+          <p:nvPr/>
+        </p:nvSpPr>
+        <p:spPr>
+          <a:xfrm>
+            <a:off x="3621795" y="3496236"/>
+            <a:ext cx="4060689" cy="923330"/>
+          </a:xfrm>
+          <a:prstGeom prst="rect">
+            <a:avLst/>
+          </a:prstGeom>
+          <a:noFill/>
+        </p:spPr>
+        <p:txBody>
+          <a:bodyPr wrap="square" rtlCol="0">
+            <a:spAutoFit/>
+          </a:bodyPr>
+          <a:lstStyle/>
+          <a:p>
+            <a:pPr algn="dist"/>
+            <a:r>
+              <a:rPr lang="zh-CN" altLang="en-US" sz="5400" dirty="0">
+                <a:solidFill>
+                  <a:schemeClr val="bg1"/>
+                </a:solidFill>
+                <a:latin typeface="方正兰亭粗黑简体" panose="02000000000000000000" pitchFamily="2" charset="-122"/>
+                <a:ea typeface="方正兰亭粗黑简体" panose="02000000000000000000" pitchFamily="2" charset="-122"/>
+              </a:rPr>
+              <a:t>项目总结</a:t>
+            </a:r>
+          </a:p>
+        </p:txBody>
+      </p:sp>
+      <p:sp>
+        <p:nvSpPr>
+          <p:cNvPr id="6" name="矩形 5"/>
+          <p:cNvSpPr/>
+          <p:nvPr/>
+        </p:nvSpPr>
+        <p:spPr>
+          <a:xfrm>
+            <a:off x="8659962" y="4473354"/>
+            <a:ext cx="3532038" cy="332873"/>
+          </a:xfrm>
+          <a:prstGeom prst="rect">
+            <a:avLst/>
+          </a:prstGeom>
+          <a:solidFill>
+            <a:schemeClr val="bg1"/>
+          </a:solidFill>
+          <a:ln>
+            <a:noFill/>
+          </a:ln>
+        </p:spPr>
+        <p:style>
+          <a:lnRef idx="2">
+            <a:schemeClr val="accent1">
+              <a:shade val="50000"/>
+            </a:schemeClr>
+          </a:lnRef>
+          <a:fillRef idx="1">
+            <a:schemeClr val="accent1"/>
+          </a:fillRef>
+          <a:effectRef idx="0">
+            <a:schemeClr val="accent1"/>
+          </a:effectRef>
+          <a:fontRef idx="minor">
+            <a:schemeClr val="lt1"/>
+          </a:fontRef>
+        </p:style>
+        <p:txBody>
+          <a:bodyPr rtlCol="0" anchor="ctr"/>
+          <a:lstStyle/>
+          <a:p>
+            <a:pPr algn="ctr"/>
+            <a:endParaRPr lang="zh-CN" altLang="en-US">
+              <a:solidFill>
+                <a:schemeClr val="bg1"/>
+              </a:solidFill>
+            </a:endParaRPr>
+          </a:p>
+        </p:txBody>
+      </p:sp>
+      <p:cxnSp>
+        <p:nvCxnSpPr>
+          <p:cNvPr id="7" name="直接连接符 6"/>
+          <p:cNvCxnSpPr/>
+          <p:nvPr/>
+        </p:nvCxnSpPr>
+        <p:spPr>
+          <a:xfrm>
+            <a:off x="8868590" y="0"/>
+            <a:ext cx="17929" cy="5611906"/>
+          </a:xfrm>
+          <a:prstGeom prst="line">
+            <a:avLst/>
+          </a:prstGeom>
+          <a:ln w="19050">
+            <a:solidFill>
+              <a:schemeClr val="bg1"/>
+            </a:solidFill>
+          </a:ln>
+        </p:spPr>
+        <p:style>
+          <a:lnRef idx="1">
+            <a:schemeClr val="accent1"/>
+          </a:lnRef>
+          <a:fillRef idx="0">
+            <a:schemeClr val="accent1"/>
+          </a:fillRef>
+          <a:effectRef idx="0">
+            <a:schemeClr val="accent1"/>
+          </a:effectRef>
+          <a:fontRef idx="minor">
+            <a:schemeClr val="tx1"/>
+          </a:fontRef>
+        </p:style>
+      </p:cxnSp>
+      <p:sp>
+        <p:nvSpPr>
+          <p:cNvPr id="8" name="文本框 7"/>
+          <p:cNvSpPr txBox="1"/>
+          <p:nvPr/>
+        </p:nvSpPr>
+        <p:spPr>
+          <a:xfrm>
+            <a:off x="1545265" y="4417798"/>
+            <a:ext cx="4532806" cy="400110"/>
+          </a:xfrm>
+          <a:prstGeom prst="rect">
+            <a:avLst/>
+          </a:prstGeom>
+          <a:noFill/>
+        </p:spPr>
+        <p:txBody>
+          <a:bodyPr wrap="square" rtlCol="0">
+            <a:spAutoFit/>
+          </a:bodyPr>
+          <a:lstStyle/>
+          <a:p>
+            <a:pPr algn="dist"/>
+            <a:r>
+              <a:rPr lang="en-US" altLang="zh-CN" sz="2000" b="1" dirty="0">
+                <a:solidFill>
+                  <a:schemeClr val="bg1"/>
+                </a:solidFill>
+                <a:latin typeface="造字工房悦黑演示版常规体" pitchFamily="50" charset="-122"/>
+                <a:ea typeface="造字工房悦黑演示版常规体" pitchFamily="50" charset="-122"/>
+              </a:rPr>
+              <a:t>Project summary</a:t>
+            </a:r>
+            <a:endParaRPr lang="zh-CN" altLang="en-US" sz="2000" b="1" dirty="0">
+              <a:solidFill>
+                <a:schemeClr val="bg1"/>
+              </a:solidFill>
+              <a:latin typeface="造字工房悦黑演示版常规体" pitchFamily="50" charset="-122"/>
+              <a:ea typeface="造字工房悦黑演示版常规体" pitchFamily="50" charset="-122"/>
+            </a:endParaRPr>
+          </a:p>
+        </p:txBody>
+      </p:sp>
+    </p:spTree>
+    <p:extLst>
+      <p:ext uri="{BB962C8B-B14F-4D97-AF65-F5344CB8AC3E}">
+        <p14:creationId xmlns:p14="http://schemas.microsoft.com/office/powerpoint/2010/main" val="4247789345"/>
+      </p:ext>
+    </p:extLst>
+  </p:cSld>
+  <p:clrMapOvr>
+    <a:masterClrMapping/>
+  </p:clrMapOvr>
+</p:sld>
+</file>
+
+<file path=ppt/slides/slide26.xml><?xml version="1.0" encoding="utf-8"?>
+<p:sld xmlns:a="http://schemas.openxmlformats.org/drawingml/2006/main" xmlns:r="http://schemas.openxmlformats.org/officeDocument/2006/relationships" xmlns:p="http://schemas.openxmlformats.org/presentationml/2006/main">
+  <p:cSld>
+    <p:spTree>
+      <p:nvGrpSpPr>
+        <p:cNvPr id="1" name=""/>
+        <p:cNvGrpSpPr/>
+        <p:nvPr/>
+      </p:nvGrpSpPr>
+      <p:grpSpPr>
+        <a:xfrm>
+          <a:off x="0" y="0"/>
+          <a:ext cx="0" cy="0"/>
+          <a:chOff x="0" y="0"/>
+          <a:chExt cx="0" cy="0"/>
+        </a:xfrm>
+      </p:grpSpPr>
+      <p:sp>
+        <p:nvSpPr>
           <p:cNvPr id="12" name="Oval 13"/>
           <p:cNvSpPr/>
           <p:nvPr/>
         </p:nvSpPr>
         <p:spPr>
           <a:xfrm>
-            <a:off x="1652764" y="4007383"/>
+            <a:off x="1539642" y="3196678"/>
             <a:ext cx="827577" cy="827577"/>
           </a:xfrm>
           <a:prstGeom prst="ellipse">
@@ -38099,7 +38278,7 @@
         </p:nvGrpSpPr>
         <p:grpSpPr>
           <a:xfrm>
-            <a:off x="1904664" y="4232076"/>
+            <a:off x="1791542" y="3421371"/>
             <a:ext cx="354280" cy="378189"/>
             <a:chOff x="8342313" y="10972800"/>
             <a:chExt cx="1293813" cy="1381125"/>
@@ -38857,7 +39036,7 @@
         </p:nvSpPr>
         <p:spPr>
           <a:xfrm>
-            <a:off x="1749280" y="2352164"/>
+            <a:off x="1636158" y="1541459"/>
             <a:ext cx="827577" cy="827577"/>
           </a:xfrm>
           <a:prstGeom prst="ellipse">
@@ -38918,7 +39097,7 @@
         </p:nvGrpSpPr>
         <p:grpSpPr>
           <a:xfrm>
-            <a:off x="1988575" y="2585245"/>
+            <a:off x="1875453" y="1774540"/>
             <a:ext cx="379493" cy="331676"/>
             <a:chOff x="8296275" y="8293096"/>
             <a:chExt cx="1385888" cy="1211261"/>
@@ -39589,7 +39768,7 @@
         </p:nvSpPr>
         <p:spPr>
           <a:xfrm>
-            <a:off x="6452451" y="2341904"/>
+            <a:off x="6339329" y="1531199"/>
             <a:ext cx="827577" cy="827577"/>
           </a:xfrm>
           <a:prstGeom prst="ellipse">
@@ -39650,7 +39829,7 @@
         </p:nvGrpSpPr>
         <p:grpSpPr>
           <a:xfrm>
-            <a:off x="6696669" y="2581070"/>
+            <a:off x="6583547" y="1770365"/>
             <a:ext cx="378189" cy="319504"/>
             <a:chOff x="13828713" y="2805113"/>
             <a:chExt cx="1381125" cy="1166812"/>
@@ -40285,7 +40464,7 @@
         </p:nvSpPr>
         <p:spPr>
           <a:xfrm>
-            <a:off x="6496423" y="4007383"/>
+            <a:off x="6383301" y="3196678"/>
             <a:ext cx="827577" cy="827577"/>
           </a:xfrm>
           <a:prstGeom prst="ellipse">
@@ -40346,7 +40525,7 @@
         </p:nvGrpSpPr>
         <p:grpSpPr>
           <a:xfrm>
-            <a:off x="6722302" y="4248595"/>
+            <a:off x="6609180" y="3437890"/>
             <a:ext cx="400795" cy="345151"/>
             <a:chOff x="2727325" y="-39687"/>
             <a:chExt cx="1463675" cy="1260475"/>
@@ -40740,7 +40919,7 @@
         </p:nvSpPr>
         <p:spPr>
           <a:xfrm>
-            <a:off x="2911643" y="2771913"/>
+            <a:off x="2798521" y="1961208"/>
             <a:ext cx="2879413" cy="950197"/>
           </a:xfrm>
           <a:prstGeom prst="rect">
@@ -40903,7 +41082,7 @@
         </p:nvSpPr>
         <p:spPr>
           <a:xfrm>
-            <a:off x="2911642" y="2396762"/>
+            <a:off x="2798520" y="1586057"/>
             <a:ext cx="2879411" cy="369332"/>
           </a:xfrm>
           <a:prstGeom prst="rect">
@@ -40937,7 +41116,7 @@
         </p:nvSpPr>
         <p:spPr>
           <a:xfrm>
-            <a:off x="2783566" y="4342519"/>
+            <a:off x="2670444" y="3531814"/>
             <a:ext cx="2879413" cy="510076"/>
           </a:xfrm>
           <a:prstGeom prst="rect">
@@ -40976,7 +41155,7 @@
         </p:nvSpPr>
         <p:spPr>
           <a:xfrm>
-            <a:off x="2783565" y="3967369"/>
+            <a:off x="2670443" y="3156664"/>
             <a:ext cx="2879411" cy="369332"/>
           </a:xfrm>
           <a:prstGeom prst="rect">
@@ -41010,7 +41189,7 @@
         </p:nvSpPr>
         <p:spPr>
           <a:xfrm>
-            <a:off x="7550920" y="2677039"/>
+            <a:off x="7437798" y="1866334"/>
             <a:ext cx="2879413" cy="730136"/>
           </a:xfrm>
           <a:prstGeom prst="rect">
@@ -41049,7 +41228,7 @@
         </p:nvSpPr>
         <p:spPr>
           <a:xfrm>
-            <a:off x="7550919" y="2301888"/>
+            <a:off x="7437797" y="1491183"/>
             <a:ext cx="2879411" cy="369332"/>
           </a:xfrm>
           <a:prstGeom prst="rect">
@@ -41083,7 +41262,7 @@
         </p:nvSpPr>
         <p:spPr>
           <a:xfrm>
-            <a:off x="7575367" y="4342519"/>
+            <a:off x="7462245" y="3531814"/>
             <a:ext cx="2879413" cy="730136"/>
           </a:xfrm>
           <a:prstGeom prst="rect">
@@ -41142,7 +41321,7 @@
         </p:nvSpPr>
         <p:spPr>
           <a:xfrm>
-            <a:off x="7575366" y="3967369"/>
+            <a:off x="7462244" y="3156664"/>
             <a:ext cx="2879411" cy="369332"/>
           </a:xfrm>
           <a:prstGeom prst="rect">
@@ -41318,6 +41497,1751 @@
           </p:txBody>
         </p:sp>
       </p:grpSp>
+      <p:sp>
+        <p:nvSpPr>
+          <p:cNvPr id="60" name="Oval 13">
+            <a:extLst>
+              <a:ext uri="{FF2B5EF4-FFF2-40B4-BE49-F238E27FC236}">
+                <a16:creationId xmlns:a16="http://schemas.microsoft.com/office/drawing/2014/main" id="{357838D4-9A08-42F4-B5E7-A429DFDD0B2C}"/>
+              </a:ext>
+            </a:extLst>
+          </p:cNvPr>
+          <p:cNvSpPr/>
+          <p:nvPr/>
+        </p:nvSpPr>
+        <p:spPr>
+          <a:xfrm>
+            <a:off x="1436553" y="4820222"/>
+            <a:ext cx="827577" cy="827577"/>
+          </a:xfrm>
+          <a:prstGeom prst="ellipse">
+            <a:avLst/>
+          </a:prstGeom>
+          <a:solidFill>
+            <a:schemeClr val="bg1"/>
+          </a:solidFill>
+          <a:ln w="28575" cap="flat">
+            <a:noFill/>
+            <a:miter lim="800000"/>
+          </a:ln>
+          <a:effectLst/>
+        </p:spPr>
+        <p:style>
+          <a:lnRef idx="2">
+            <a:schemeClr val="accent1">
+              <a:shade val="50000"/>
+            </a:schemeClr>
+          </a:lnRef>
+          <a:fillRef idx="1">
+            <a:schemeClr val="accent1"/>
+          </a:fillRef>
+          <a:effectRef idx="0">
+            <a:schemeClr val="accent1"/>
+          </a:effectRef>
+          <a:fontRef idx="minor">
+            <a:schemeClr val="lt1"/>
+          </a:fontRef>
+        </p:style>
+        <p:txBody>
+          <a:bodyPr rtlCol="0" anchor="ctr"/>
+          <a:lstStyle/>
+          <a:p>
+            <a:pPr algn="ctr"/>
+            <a:endParaRPr lang="id-ID" sz="3600">
+              <a:solidFill>
+                <a:schemeClr val="bg1"/>
+              </a:solidFill>
+              <a:effectLst>
+                <a:outerShdw blurRad="38100" dist="38100" dir="2700000" algn="tl">
+                  <a:srgbClr val="000000">
+                    <a:alpha val="43137"/>
+                  </a:srgbClr>
+                </a:outerShdw>
+              </a:effectLst>
+              <a:latin typeface="华文细黑" panose="02010600040101010101" pitchFamily="2" charset="-122"/>
+              <a:ea typeface="华文细黑" panose="02010600040101010101" pitchFamily="2" charset="-122"/>
+            </a:endParaRPr>
+          </a:p>
+        </p:txBody>
+      </p:sp>
+      <p:grpSp>
+        <p:nvGrpSpPr>
+          <p:cNvPr id="61" name="Group 33">
+            <a:extLst>
+              <a:ext uri="{FF2B5EF4-FFF2-40B4-BE49-F238E27FC236}">
+                <a16:creationId xmlns:a16="http://schemas.microsoft.com/office/drawing/2014/main" id="{780044CC-BA69-48A0-8832-594D4B077C37}"/>
+              </a:ext>
+            </a:extLst>
+          </p:cNvPr>
+          <p:cNvGrpSpPr/>
+          <p:nvPr/>
+        </p:nvGrpSpPr>
+        <p:grpSpPr>
+          <a:xfrm>
+            <a:off x="1688453" y="5044915"/>
+            <a:ext cx="354280" cy="378189"/>
+            <a:chOff x="8342313" y="10972800"/>
+            <a:chExt cx="1293813" cy="1381125"/>
+          </a:xfrm>
+          <a:solidFill>
+            <a:srgbClr val="12192D"/>
+          </a:solidFill>
+          <a:effectLst/>
+        </p:grpSpPr>
+        <p:sp>
+          <p:nvSpPr>
+            <p:cNvPr id="62" name="Freeform 5">
+              <a:extLst>
+                <a:ext uri="{FF2B5EF4-FFF2-40B4-BE49-F238E27FC236}">
+                  <a16:creationId xmlns:a16="http://schemas.microsoft.com/office/drawing/2014/main" id="{92CD7CF0-490A-4D66-8D9C-07DBE6812454}"/>
+                </a:ext>
+              </a:extLst>
+            </p:cNvPr>
+            <p:cNvSpPr>
+              <a:spLocks noEditPoints="1"/>
+            </p:cNvSpPr>
+            <p:nvPr/>
+          </p:nvSpPr>
+          <p:spPr bwMode="auto">
+            <a:xfrm>
+              <a:off x="8342313" y="10972800"/>
+              <a:ext cx="1293813" cy="1381125"/>
+            </a:xfrm>
+            <a:custGeom>
+              <a:avLst/>
+              <a:gdLst>
+                <a:gd name="T0" fmla="*/ 299 w 345"/>
+                <a:gd name="T1" fmla="*/ 0 h 368"/>
+                <a:gd name="T2" fmla="*/ 46 w 345"/>
+                <a:gd name="T3" fmla="*/ 0 h 368"/>
+                <a:gd name="T4" fmla="*/ 0 w 345"/>
+                <a:gd name="T5" fmla="*/ 46 h 368"/>
+                <a:gd name="T6" fmla="*/ 0 w 345"/>
+                <a:gd name="T7" fmla="*/ 322 h 368"/>
+                <a:gd name="T8" fmla="*/ 46 w 345"/>
+                <a:gd name="T9" fmla="*/ 368 h 368"/>
+                <a:gd name="T10" fmla="*/ 299 w 345"/>
+                <a:gd name="T11" fmla="*/ 368 h 368"/>
+                <a:gd name="T12" fmla="*/ 345 w 345"/>
+                <a:gd name="T13" fmla="*/ 322 h 368"/>
+                <a:gd name="T14" fmla="*/ 345 w 345"/>
+                <a:gd name="T15" fmla="*/ 46 h 368"/>
+                <a:gd name="T16" fmla="*/ 299 w 345"/>
+                <a:gd name="T17" fmla="*/ 0 h 368"/>
+                <a:gd name="T18" fmla="*/ 322 w 345"/>
+                <a:gd name="T19" fmla="*/ 322 h 368"/>
+                <a:gd name="T20" fmla="*/ 299 w 345"/>
+                <a:gd name="T21" fmla="*/ 345 h 368"/>
+                <a:gd name="T22" fmla="*/ 46 w 345"/>
+                <a:gd name="T23" fmla="*/ 345 h 368"/>
+                <a:gd name="T24" fmla="*/ 23 w 345"/>
+                <a:gd name="T25" fmla="*/ 322 h 368"/>
+                <a:gd name="T26" fmla="*/ 23 w 345"/>
+                <a:gd name="T27" fmla="*/ 46 h 368"/>
+                <a:gd name="T28" fmla="*/ 46 w 345"/>
+                <a:gd name="T29" fmla="*/ 23 h 368"/>
+                <a:gd name="T30" fmla="*/ 299 w 345"/>
+                <a:gd name="T31" fmla="*/ 23 h 368"/>
+                <a:gd name="T32" fmla="*/ 322 w 345"/>
+                <a:gd name="T33" fmla="*/ 46 h 368"/>
+                <a:gd name="T34" fmla="*/ 322 w 345"/>
+                <a:gd name="T35" fmla="*/ 322 h 368"/>
+              </a:gdLst>
+              <a:ahLst/>
+              <a:cxnLst>
+                <a:cxn ang="0">
+                  <a:pos x="T0" y="T1"/>
+                </a:cxn>
+                <a:cxn ang="0">
+                  <a:pos x="T2" y="T3"/>
+                </a:cxn>
+                <a:cxn ang="0">
+                  <a:pos x="T4" y="T5"/>
+                </a:cxn>
+                <a:cxn ang="0">
+                  <a:pos x="T6" y="T7"/>
+                </a:cxn>
+                <a:cxn ang="0">
+                  <a:pos x="T8" y="T9"/>
+                </a:cxn>
+                <a:cxn ang="0">
+                  <a:pos x="T10" y="T11"/>
+                </a:cxn>
+                <a:cxn ang="0">
+                  <a:pos x="T12" y="T13"/>
+                </a:cxn>
+                <a:cxn ang="0">
+                  <a:pos x="T14" y="T15"/>
+                </a:cxn>
+                <a:cxn ang="0">
+                  <a:pos x="T16" y="T17"/>
+                </a:cxn>
+                <a:cxn ang="0">
+                  <a:pos x="T18" y="T19"/>
+                </a:cxn>
+                <a:cxn ang="0">
+                  <a:pos x="T20" y="T21"/>
+                </a:cxn>
+                <a:cxn ang="0">
+                  <a:pos x="T22" y="T23"/>
+                </a:cxn>
+                <a:cxn ang="0">
+                  <a:pos x="T24" y="T25"/>
+                </a:cxn>
+                <a:cxn ang="0">
+                  <a:pos x="T26" y="T27"/>
+                </a:cxn>
+                <a:cxn ang="0">
+                  <a:pos x="T28" y="T29"/>
+                </a:cxn>
+                <a:cxn ang="0">
+                  <a:pos x="T30" y="T31"/>
+                </a:cxn>
+                <a:cxn ang="0">
+                  <a:pos x="T32" y="T33"/>
+                </a:cxn>
+                <a:cxn ang="0">
+                  <a:pos x="T34" y="T35"/>
+                </a:cxn>
+              </a:cxnLst>
+              <a:rect l="0" t="0" r="r" b="b"/>
+              <a:pathLst>
+                <a:path w="345" h="368">
+                  <a:moveTo>
+                    <a:pt x="299" y="0"/>
+                  </a:moveTo>
+                  <a:cubicBezTo>
+                    <a:pt x="46" y="0"/>
+                    <a:pt x="46" y="0"/>
+                    <a:pt x="46" y="0"/>
+                  </a:cubicBezTo>
+                  <a:cubicBezTo>
+                    <a:pt x="20" y="0"/>
+                    <a:pt x="0" y="21"/>
+                    <a:pt x="0" y="46"/>
+                  </a:cubicBezTo>
+                  <a:cubicBezTo>
+                    <a:pt x="0" y="322"/>
+                    <a:pt x="0" y="322"/>
+                    <a:pt x="0" y="322"/>
+                  </a:cubicBezTo>
+                  <a:cubicBezTo>
+                    <a:pt x="0" y="348"/>
+                    <a:pt x="20" y="368"/>
+                    <a:pt x="46" y="368"/>
+                  </a:cubicBezTo>
+                  <a:cubicBezTo>
+                    <a:pt x="299" y="368"/>
+                    <a:pt x="299" y="368"/>
+                    <a:pt x="299" y="368"/>
+                  </a:cubicBezTo>
+                  <a:cubicBezTo>
+                    <a:pt x="324" y="368"/>
+                    <a:pt x="345" y="348"/>
+                    <a:pt x="345" y="322"/>
+                  </a:cubicBezTo>
+                  <a:cubicBezTo>
+                    <a:pt x="345" y="46"/>
+                    <a:pt x="345" y="46"/>
+                    <a:pt x="345" y="46"/>
+                  </a:cubicBezTo>
+                  <a:cubicBezTo>
+                    <a:pt x="345" y="21"/>
+                    <a:pt x="324" y="0"/>
+                    <a:pt x="299" y="0"/>
+                  </a:cubicBezTo>
+                  <a:close/>
+                  <a:moveTo>
+                    <a:pt x="322" y="322"/>
+                  </a:moveTo>
+                  <a:cubicBezTo>
+                    <a:pt x="322" y="335"/>
+                    <a:pt x="312" y="345"/>
+                    <a:pt x="299" y="345"/>
+                  </a:cubicBezTo>
+                  <a:cubicBezTo>
+                    <a:pt x="46" y="345"/>
+                    <a:pt x="46" y="345"/>
+                    <a:pt x="46" y="345"/>
+                  </a:cubicBezTo>
+                  <a:cubicBezTo>
+                    <a:pt x="33" y="345"/>
+                    <a:pt x="23" y="335"/>
+                    <a:pt x="23" y="322"/>
+                  </a:cubicBezTo>
+                  <a:cubicBezTo>
+                    <a:pt x="23" y="46"/>
+                    <a:pt x="23" y="46"/>
+                    <a:pt x="23" y="46"/>
+                  </a:cubicBezTo>
+                  <a:cubicBezTo>
+                    <a:pt x="23" y="33"/>
+                    <a:pt x="33" y="23"/>
+                    <a:pt x="46" y="23"/>
+                  </a:cubicBezTo>
+                  <a:cubicBezTo>
+                    <a:pt x="299" y="23"/>
+                    <a:pt x="299" y="23"/>
+                    <a:pt x="299" y="23"/>
+                  </a:cubicBezTo>
+                  <a:cubicBezTo>
+                    <a:pt x="312" y="23"/>
+                    <a:pt x="322" y="33"/>
+                    <a:pt x="322" y="46"/>
+                  </a:cubicBezTo>
+                  <a:lnTo>
+                    <a:pt x="322" y="322"/>
+                  </a:lnTo>
+                  <a:close/>
+                </a:path>
+              </a:pathLst>
+            </a:custGeom>
+            <a:grpFill/>
+            <a:ln>
+              <a:noFill/>
+            </a:ln>
+          </p:spPr>
+          <p:txBody>
+            <a:bodyPr vert="horz" wrap="square" lIns="91440" tIns="45720" rIns="91440" bIns="45720" numCol="1" anchor="t" anchorCtr="0" compatLnSpc="1"/>
+            <a:lstStyle/>
+            <a:p>
+              <a:endParaRPr lang="id-ID">
+                <a:solidFill>
+                  <a:schemeClr val="bg1"/>
+                </a:solidFill>
+                <a:latin typeface="华文细黑" panose="02010600040101010101" pitchFamily="2" charset="-122"/>
+                <a:ea typeface="华文细黑" panose="02010600040101010101" pitchFamily="2" charset="-122"/>
+              </a:endParaRPr>
+            </a:p>
+          </p:txBody>
+        </p:sp>
+        <p:sp>
+          <p:nvSpPr>
+            <p:cNvPr id="63" name="Freeform 6">
+              <a:extLst>
+                <a:ext uri="{FF2B5EF4-FFF2-40B4-BE49-F238E27FC236}">
+                  <a16:creationId xmlns:a16="http://schemas.microsoft.com/office/drawing/2014/main" id="{D701F2AD-2EC6-450F-96FF-278A08D5CEB7}"/>
+                </a:ext>
+              </a:extLst>
+            </p:cNvPr>
+            <p:cNvSpPr>
+              <a:spLocks noEditPoints="1"/>
+            </p:cNvSpPr>
+            <p:nvPr/>
+          </p:nvSpPr>
+          <p:spPr bwMode="auto">
+            <a:xfrm>
+              <a:off x="8513763" y="11145838"/>
+              <a:ext cx="949325" cy="863600"/>
+            </a:xfrm>
+            <a:custGeom>
+              <a:avLst/>
+              <a:gdLst>
+                <a:gd name="T0" fmla="*/ 241 w 253"/>
+                <a:gd name="T1" fmla="*/ 0 h 230"/>
+                <a:gd name="T2" fmla="*/ 11 w 253"/>
+                <a:gd name="T3" fmla="*/ 0 h 230"/>
+                <a:gd name="T4" fmla="*/ 0 w 253"/>
+                <a:gd name="T5" fmla="*/ 11 h 230"/>
+                <a:gd name="T6" fmla="*/ 0 w 253"/>
+                <a:gd name="T7" fmla="*/ 219 h 230"/>
+                <a:gd name="T8" fmla="*/ 11 w 253"/>
+                <a:gd name="T9" fmla="*/ 230 h 230"/>
+                <a:gd name="T10" fmla="*/ 241 w 253"/>
+                <a:gd name="T11" fmla="*/ 230 h 230"/>
+                <a:gd name="T12" fmla="*/ 253 w 253"/>
+                <a:gd name="T13" fmla="*/ 219 h 230"/>
+                <a:gd name="T14" fmla="*/ 253 w 253"/>
+                <a:gd name="T15" fmla="*/ 11 h 230"/>
+                <a:gd name="T16" fmla="*/ 241 w 253"/>
+                <a:gd name="T17" fmla="*/ 0 h 230"/>
+                <a:gd name="T18" fmla="*/ 241 w 253"/>
+                <a:gd name="T19" fmla="*/ 11 h 230"/>
+                <a:gd name="T20" fmla="*/ 241 w 253"/>
+                <a:gd name="T21" fmla="*/ 171 h 230"/>
+                <a:gd name="T22" fmla="*/ 204 w 253"/>
+                <a:gd name="T23" fmla="*/ 130 h 230"/>
+                <a:gd name="T24" fmla="*/ 195 w 253"/>
+                <a:gd name="T25" fmla="*/ 127 h 230"/>
+                <a:gd name="T26" fmla="*/ 187 w 253"/>
+                <a:gd name="T27" fmla="*/ 130 h 230"/>
+                <a:gd name="T28" fmla="*/ 157 w 253"/>
+                <a:gd name="T29" fmla="*/ 164 h 230"/>
+                <a:gd name="T30" fmla="*/ 66 w 253"/>
+                <a:gd name="T31" fmla="*/ 61 h 230"/>
+                <a:gd name="T32" fmla="*/ 57 w 253"/>
+                <a:gd name="T33" fmla="*/ 57 h 230"/>
+                <a:gd name="T34" fmla="*/ 49 w 253"/>
+                <a:gd name="T35" fmla="*/ 61 h 230"/>
+                <a:gd name="T36" fmla="*/ 11 w 253"/>
+                <a:gd name="T37" fmla="*/ 105 h 230"/>
+                <a:gd name="T38" fmla="*/ 11 w 253"/>
+                <a:gd name="T39" fmla="*/ 11 h 230"/>
+                <a:gd name="T40" fmla="*/ 241 w 253"/>
+                <a:gd name="T41" fmla="*/ 11 h 230"/>
+                <a:gd name="T42" fmla="*/ 11 w 253"/>
+                <a:gd name="T43" fmla="*/ 122 h 230"/>
+                <a:gd name="T44" fmla="*/ 57 w 253"/>
+                <a:gd name="T45" fmla="*/ 69 h 230"/>
+                <a:gd name="T46" fmla="*/ 150 w 253"/>
+                <a:gd name="T47" fmla="*/ 174 h 230"/>
+                <a:gd name="T48" fmla="*/ 157 w 253"/>
+                <a:gd name="T49" fmla="*/ 182 h 230"/>
+                <a:gd name="T50" fmla="*/ 189 w 253"/>
+                <a:gd name="T51" fmla="*/ 219 h 230"/>
+                <a:gd name="T52" fmla="*/ 11 w 253"/>
+                <a:gd name="T53" fmla="*/ 219 h 230"/>
+                <a:gd name="T54" fmla="*/ 11 w 253"/>
+                <a:gd name="T55" fmla="*/ 122 h 230"/>
+                <a:gd name="T56" fmla="*/ 204 w 253"/>
+                <a:gd name="T57" fmla="*/ 219 h 230"/>
+                <a:gd name="T58" fmla="*/ 165 w 253"/>
+                <a:gd name="T59" fmla="*/ 173 h 230"/>
+                <a:gd name="T60" fmla="*/ 195 w 253"/>
+                <a:gd name="T61" fmla="*/ 138 h 230"/>
+                <a:gd name="T62" fmla="*/ 241 w 253"/>
+                <a:gd name="T63" fmla="*/ 188 h 230"/>
+                <a:gd name="T64" fmla="*/ 241 w 253"/>
+                <a:gd name="T65" fmla="*/ 219 h 230"/>
+                <a:gd name="T66" fmla="*/ 204 w 253"/>
+                <a:gd name="T67" fmla="*/ 219 h 230"/>
+              </a:gdLst>
+              <a:ahLst/>
+              <a:cxnLst>
+                <a:cxn ang="0">
+                  <a:pos x="T0" y="T1"/>
+                </a:cxn>
+                <a:cxn ang="0">
+                  <a:pos x="T2" y="T3"/>
+                </a:cxn>
+                <a:cxn ang="0">
+                  <a:pos x="T4" y="T5"/>
+                </a:cxn>
+                <a:cxn ang="0">
+                  <a:pos x="T6" y="T7"/>
+                </a:cxn>
+                <a:cxn ang="0">
+                  <a:pos x="T8" y="T9"/>
+                </a:cxn>
+                <a:cxn ang="0">
+                  <a:pos x="T10" y="T11"/>
+                </a:cxn>
+                <a:cxn ang="0">
+                  <a:pos x="T12" y="T13"/>
+                </a:cxn>
+                <a:cxn ang="0">
+                  <a:pos x="T14" y="T15"/>
+                </a:cxn>
+                <a:cxn ang="0">
+                  <a:pos x="T16" y="T17"/>
+                </a:cxn>
+                <a:cxn ang="0">
+                  <a:pos x="T18" y="T19"/>
+                </a:cxn>
+                <a:cxn ang="0">
+                  <a:pos x="T20" y="T21"/>
+                </a:cxn>
+                <a:cxn ang="0">
+                  <a:pos x="T22" y="T23"/>
+                </a:cxn>
+                <a:cxn ang="0">
+                  <a:pos x="T24" y="T25"/>
+                </a:cxn>
+                <a:cxn ang="0">
+                  <a:pos x="T26" y="T27"/>
+                </a:cxn>
+                <a:cxn ang="0">
+                  <a:pos x="T28" y="T29"/>
+                </a:cxn>
+                <a:cxn ang="0">
+                  <a:pos x="T30" y="T31"/>
+                </a:cxn>
+                <a:cxn ang="0">
+                  <a:pos x="T32" y="T33"/>
+                </a:cxn>
+                <a:cxn ang="0">
+                  <a:pos x="T34" y="T35"/>
+                </a:cxn>
+                <a:cxn ang="0">
+                  <a:pos x="T36" y="T37"/>
+                </a:cxn>
+                <a:cxn ang="0">
+                  <a:pos x="T38" y="T39"/>
+                </a:cxn>
+                <a:cxn ang="0">
+                  <a:pos x="T40" y="T41"/>
+                </a:cxn>
+                <a:cxn ang="0">
+                  <a:pos x="T42" y="T43"/>
+                </a:cxn>
+                <a:cxn ang="0">
+                  <a:pos x="T44" y="T45"/>
+                </a:cxn>
+                <a:cxn ang="0">
+                  <a:pos x="T46" y="T47"/>
+                </a:cxn>
+                <a:cxn ang="0">
+                  <a:pos x="T48" y="T49"/>
+                </a:cxn>
+                <a:cxn ang="0">
+                  <a:pos x="T50" y="T51"/>
+                </a:cxn>
+                <a:cxn ang="0">
+                  <a:pos x="T52" y="T53"/>
+                </a:cxn>
+                <a:cxn ang="0">
+                  <a:pos x="T54" y="T55"/>
+                </a:cxn>
+                <a:cxn ang="0">
+                  <a:pos x="T56" y="T57"/>
+                </a:cxn>
+                <a:cxn ang="0">
+                  <a:pos x="T58" y="T59"/>
+                </a:cxn>
+                <a:cxn ang="0">
+                  <a:pos x="T60" y="T61"/>
+                </a:cxn>
+                <a:cxn ang="0">
+                  <a:pos x="T62" y="T63"/>
+                </a:cxn>
+                <a:cxn ang="0">
+                  <a:pos x="T64" y="T65"/>
+                </a:cxn>
+                <a:cxn ang="0">
+                  <a:pos x="T66" y="T67"/>
+                </a:cxn>
+              </a:cxnLst>
+              <a:rect l="0" t="0" r="r" b="b"/>
+              <a:pathLst>
+                <a:path w="253" h="230">
+                  <a:moveTo>
+                    <a:pt x="241" y="0"/>
+                  </a:moveTo>
+                  <a:cubicBezTo>
+                    <a:pt x="11" y="0"/>
+                    <a:pt x="11" y="0"/>
+                    <a:pt x="11" y="0"/>
+                  </a:cubicBezTo>
+                  <a:cubicBezTo>
+                    <a:pt x="5" y="0"/>
+                    <a:pt x="0" y="5"/>
+                    <a:pt x="0" y="11"/>
+                  </a:cubicBezTo>
+                  <a:cubicBezTo>
+                    <a:pt x="0" y="219"/>
+                    <a:pt x="0" y="219"/>
+                    <a:pt x="0" y="219"/>
+                  </a:cubicBezTo>
+                  <a:cubicBezTo>
+                    <a:pt x="0" y="225"/>
+                    <a:pt x="5" y="230"/>
+                    <a:pt x="11" y="230"/>
+                  </a:cubicBezTo>
+                  <a:cubicBezTo>
+                    <a:pt x="241" y="230"/>
+                    <a:pt x="241" y="230"/>
+                    <a:pt x="241" y="230"/>
+                  </a:cubicBezTo>
+                  <a:cubicBezTo>
+                    <a:pt x="248" y="230"/>
+                    <a:pt x="253" y="225"/>
+                    <a:pt x="253" y="219"/>
+                  </a:cubicBezTo>
+                  <a:cubicBezTo>
+                    <a:pt x="253" y="11"/>
+                    <a:pt x="253" y="11"/>
+                    <a:pt x="253" y="11"/>
+                  </a:cubicBezTo>
+                  <a:cubicBezTo>
+                    <a:pt x="253" y="5"/>
+                    <a:pt x="248" y="0"/>
+                    <a:pt x="241" y="0"/>
+                  </a:cubicBezTo>
+                  <a:close/>
+                  <a:moveTo>
+                    <a:pt x="241" y="11"/>
+                  </a:moveTo>
+                  <a:cubicBezTo>
+                    <a:pt x="241" y="171"/>
+                    <a:pt x="241" y="171"/>
+                    <a:pt x="241" y="171"/>
+                  </a:cubicBezTo>
+                  <a:cubicBezTo>
+                    <a:pt x="204" y="130"/>
+                    <a:pt x="204" y="130"/>
+                    <a:pt x="204" y="130"/>
+                  </a:cubicBezTo>
+                  <a:cubicBezTo>
+                    <a:pt x="202" y="128"/>
+                    <a:pt x="199" y="127"/>
+                    <a:pt x="195" y="127"/>
+                  </a:cubicBezTo>
+                  <a:cubicBezTo>
+                    <a:pt x="192" y="127"/>
+                    <a:pt x="189" y="128"/>
+                    <a:pt x="187" y="130"/>
+                  </a:cubicBezTo>
+                  <a:cubicBezTo>
+                    <a:pt x="157" y="164"/>
+                    <a:pt x="157" y="164"/>
+                    <a:pt x="157" y="164"/>
+                  </a:cubicBezTo>
+                  <a:cubicBezTo>
+                    <a:pt x="66" y="61"/>
+                    <a:pt x="66" y="61"/>
+                    <a:pt x="66" y="61"/>
+                  </a:cubicBezTo>
+                  <a:cubicBezTo>
+                    <a:pt x="64" y="59"/>
+                    <a:pt x="61" y="57"/>
+                    <a:pt x="57" y="57"/>
+                  </a:cubicBezTo>
+                  <a:cubicBezTo>
+                    <a:pt x="54" y="57"/>
+                    <a:pt x="51" y="59"/>
+                    <a:pt x="49" y="61"/>
+                  </a:cubicBezTo>
+                  <a:cubicBezTo>
+                    <a:pt x="11" y="105"/>
+                    <a:pt x="11" y="105"/>
+                    <a:pt x="11" y="105"/>
+                  </a:cubicBezTo>
+                  <a:cubicBezTo>
+                    <a:pt x="11" y="11"/>
+                    <a:pt x="11" y="11"/>
+                    <a:pt x="11" y="11"/>
+                  </a:cubicBezTo>
+                  <a:lnTo>
+                    <a:pt x="241" y="11"/>
+                  </a:lnTo>
+                  <a:close/>
+                  <a:moveTo>
+                    <a:pt x="11" y="122"/>
+                  </a:moveTo>
+                  <a:cubicBezTo>
+                    <a:pt x="57" y="69"/>
+                    <a:pt x="57" y="69"/>
+                    <a:pt x="57" y="69"/>
+                  </a:cubicBezTo>
+                  <a:cubicBezTo>
+                    <a:pt x="150" y="174"/>
+                    <a:pt x="150" y="174"/>
+                    <a:pt x="150" y="174"/>
+                  </a:cubicBezTo>
+                  <a:cubicBezTo>
+                    <a:pt x="157" y="182"/>
+                    <a:pt x="157" y="182"/>
+                    <a:pt x="157" y="182"/>
+                  </a:cubicBezTo>
+                  <a:cubicBezTo>
+                    <a:pt x="189" y="219"/>
+                    <a:pt x="189" y="219"/>
+                    <a:pt x="189" y="219"/>
+                  </a:cubicBezTo>
+                  <a:cubicBezTo>
+                    <a:pt x="11" y="219"/>
+                    <a:pt x="11" y="219"/>
+                    <a:pt x="11" y="219"/>
+                  </a:cubicBezTo>
+                  <a:lnTo>
+                    <a:pt x="11" y="122"/>
+                  </a:lnTo>
+                  <a:close/>
+                  <a:moveTo>
+                    <a:pt x="204" y="219"/>
+                  </a:moveTo>
+                  <a:cubicBezTo>
+                    <a:pt x="165" y="173"/>
+                    <a:pt x="165" y="173"/>
+                    <a:pt x="165" y="173"/>
+                  </a:cubicBezTo>
+                  <a:cubicBezTo>
+                    <a:pt x="195" y="138"/>
+                    <a:pt x="195" y="138"/>
+                    <a:pt x="195" y="138"/>
+                  </a:cubicBezTo>
+                  <a:cubicBezTo>
+                    <a:pt x="241" y="188"/>
+                    <a:pt x="241" y="188"/>
+                    <a:pt x="241" y="188"/>
+                  </a:cubicBezTo>
+                  <a:cubicBezTo>
+                    <a:pt x="241" y="219"/>
+                    <a:pt x="241" y="219"/>
+                    <a:pt x="241" y="219"/>
+                  </a:cubicBezTo>
+                  <a:lnTo>
+                    <a:pt x="204" y="219"/>
+                  </a:lnTo>
+                  <a:close/>
+                </a:path>
+              </a:pathLst>
+            </a:custGeom>
+            <a:grpFill/>
+            <a:ln>
+              <a:noFill/>
+            </a:ln>
+          </p:spPr>
+          <p:txBody>
+            <a:bodyPr vert="horz" wrap="square" lIns="91440" tIns="45720" rIns="91440" bIns="45720" numCol="1" anchor="t" anchorCtr="0" compatLnSpc="1"/>
+            <a:lstStyle/>
+            <a:p>
+              <a:endParaRPr lang="id-ID">
+                <a:solidFill>
+                  <a:schemeClr val="bg1"/>
+                </a:solidFill>
+                <a:latin typeface="华文细黑" panose="02010600040101010101" pitchFamily="2" charset="-122"/>
+                <a:ea typeface="华文细黑" panose="02010600040101010101" pitchFamily="2" charset="-122"/>
+              </a:endParaRPr>
+            </a:p>
+          </p:txBody>
+        </p:sp>
+        <p:sp>
+          <p:nvSpPr>
+            <p:cNvPr id="66" name="Freeform 7">
+              <a:extLst>
+                <a:ext uri="{FF2B5EF4-FFF2-40B4-BE49-F238E27FC236}">
+                  <a16:creationId xmlns:a16="http://schemas.microsoft.com/office/drawing/2014/main" id="{C9353E83-5CED-405C-82A2-B9E2D81651C6}"/>
+                </a:ext>
+              </a:extLst>
+            </p:cNvPr>
+            <p:cNvSpPr>
+              <a:spLocks noEditPoints="1"/>
+            </p:cNvSpPr>
+            <p:nvPr/>
+          </p:nvSpPr>
+          <p:spPr bwMode="auto">
+            <a:xfrm>
+              <a:off x="9032875" y="11272838"/>
+              <a:ext cx="258763" cy="263525"/>
+            </a:xfrm>
+            <a:custGeom>
+              <a:avLst/>
+              <a:gdLst>
+                <a:gd name="T0" fmla="*/ 34 w 69"/>
+                <a:gd name="T1" fmla="*/ 70 h 70"/>
+                <a:gd name="T2" fmla="*/ 69 w 69"/>
+                <a:gd name="T3" fmla="*/ 35 h 70"/>
+                <a:gd name="T4" fmla="*/ 34 w 69"/>
+                <a:gd name="T5" fmla="*/ 0 h 70"/>
+                <a:gd name="T6" fmla="*/ 0 w 69"/>
+                <a:gd name="T7" fmla="*/ 35 h 70"/>
+                <a:gd name="T8" fmla="*/ 34 w 69"/>
+                <a:gd name="T9" fmla="*/ 70 h 70"/>
+                <a:gd name="T10" fmla="*/ 34 w 69"/>
+                <a:gd name="T11" fmla="*/ 12 h 70"/>
+                <a:gd name="T12" fmla="*/ 57 w 69"/>
+                <a:gd name="T13" fmla="*/ 35 h 70"/>
+                <a:gd name="T14" fmla="*/ 34 w 69"/>
+                <a:gd name="T15" fmla="*/ 58 h 70"/>
+                <a:gd name="T16" fmla="*/ 11 w 69"/>
+                <a:gd name="T17" fmla="*/ 35 h 70"/>
+                <a:gd name="T18" fmla="*/ 34 w 69"/>
+                <a:gd name="T19" fmla="*/ 12 h 70"/>
+              </a:gdLst>
+              <a:ahLst/>
+              <a:cxnLst>
+                <a:cxn ang="0">
+                  <a:pos x="T0" y="T1"/>
+                </a:cxn>
+                <a:cxn ang="0">
+                  <a:pos x="T2" y="T3"/>
+                </a:cxn>
+                <a:cxn ang="0">
+                  <a:pos x="T4" y="T5"/>
+                </a:cxn>
+                <a:cxn ang="0">
+                  <a:pos x="T6" y="T7"/>
+                </a:cxn>
+                <a:cxn ang="0">
+                  <a:pos x="T8" y="T9"/>
+                </a:cxn>
+                <a:cxn ang="0">
+                  <a:pos x="T10" y="T11"/>
+                </a:cxn>
+                <a:cxn ang="0">
+                  <a:pos x="T12" y="T13"/>
+                </a:cxn>
+                <a:cxn ang="0">
+                  <a:pos x="T14" y="T15"/>
+                </a:cxn>
+                <a:cxn ang="0">
+                  <a:pos x="T16" y="T17"/>
+                </a:cxn>
+                <a:cxn ang="0">
+                  <a:pos x="T18" y="T19"/>
+                </a:cxn>
+              </a:cxnLst>
+              <a:rect l="0" t="0" r="r" b="b"/>
+              <a:pathLst>
+                <a:path w="69" h="70">
+                  <a:moveTo>
+                    <a:pt x="34" y="70"/>
+                  </a:moveTo>
+                  <a:cubicBezTo>
+                    <a:pt x="53" y="70"/>
+                    <a:pt x="69" y="54"/>
+                    <a:pt x="69" y="35"/>
+                  </a:cubicBezTo>
+                  <a:cubicBezTo>
+                    <a:pt x="69" y="16"/>
+                    <a:pt x="53" y="0"/>
+                    <a:pt x="34" y="0"/>
+                  </a:cubicBezTo>
+                  <a:cubicBezTo>
+                    <a:pt x="15" y="0"/>
+                    <a:pt x="0" y="16"/>
+                    <a:pt x="0" y="35"/>
+                  </a:cubicBezTo>
+                  <a:cubicBezTo>
+                    <a:pt x="0" y="54"/>
+                    <a:pt x="15" y="70"/>
+                    <a:pt x="34" y="70"/>
+                  </a:cubicBezTo>
+                  <a:close/>
+                  <a:moveTo>
+                    <a:pt x="34" y="12"/>
+                  </a:moveTo>
+                  <a:cubicBezTo>
+                    <a:pt x="47" y="12"/>
+                    <a:pt x="57" y="22"/>
+                    <a:pt x="57" y="35"/>
+                  </a:cubicBezTo>
+                  <a:cubicBezTo>
+                    <a:pt x="57" y="48"/>
+                    <a:pt x="47" y="58"/>
+                    <a:pt x="34" y="58"/>
+                  </a:cubicBezTo>
+                  <a:cubicBezTo>
+                    <a:pt x="22" y="58"/>
+                    <a:pt x="11" y="48"/>
+                    <a:pt x="11" y="35"/>
+                  </a:cubicBezTo>
+                  <a:cubicBezTo>
+                    <a:pt x="11" y="22"/>
+                    <a:pt x="22" y="12"/>
+                    <a:pt x="34" y="12"/>
+                  </a:cubicBezTo>
+                  <a:close/>
+                </a:path>
+              </a:pathLst>
+            </a:custGeom>
+            <a:grpFill/>
+            <a:ln>
+              <a:noFill/>
+            </a:ln>
+          </p:spPr>
+          <p:txBody>
+            <a:bodyPr vert="horz" wrap="square" lIns="91440" tIns="45720" rIns="91440" bIns="45720" numCol="1" anchor="t" anchorCtr="0" compatLnSpc="1"/>
+            <a:lstStyle/>
+            <a:p>
+              <a:endParaRPr lang="id-ID">
+                <a:solidFill>
+                  <a:schemeClr val="bg1"/>
+                </a:solidFill>
+                <a:latin typeface="华文细黑" panose="02010600040101010101" pitchFamily="2" charset="-122"/>
+                <a:ea typeface="华文细黑" panose="02010600040101010101" pitchFamily="2" charset="-122"/>
+              </a:endParaRPr>
+            </a:p>
+          </p:txBody>
+        </p:sp>
+      </p:grpSp>
+      <p:sp>
+        <p:nvSpPr>
+          <p:cNvPr id="67" name="Oval 22">
+            <a:extLst>
+              <a:ext uri="{FF2B5EF4-FFF2-40B4-BE49-F238E27FC236}">
+                <a16:creationId xmlns:a16="http://schemas.microsoft.com/office/drawing/2014/main" id="{82F8A7B4-E3DB-4F80-8A66-7D3C3E799196}"/>
+              </a:ext>
+            </a:extLst>
+          </p:cNvPr>
+          <p:cNvSpPr/>
+          <p:nvPr/>
+        </p:nvSpPr>
+        <p:spPr>
+          <a:xfrm>
+            <a:off x="6280212" y="4820222"/>
+            <a:ext cx="827577" cy="827577"/>
+          </a:xfrm>
+          <a:prstGeom prst="ellipse">
+            <a:avLst/>
+          </a:prstGeom>
+          <a:solidFill>
+            <a:schemeClr val="bg1"/>
+          </a:solidFill>
+          <a:ln w="28575" cap="flat">
+            <a:noFill/>
+            <a:miter lim="800000"/>
+          </a:ln>
+          <a:effectLst/>
+        </p:spPr>
+        <p:style>
+          <a:lnRef idx="2">
+            <a:schemeClr val="accent1">
+              <a:shade val="50000"/>
+            </a:schemeClr>
+          </a:lnRef>
+          <a:fillRef idx="1">
+            <a:schemeClr val="accent1"/>
+          </a:fillRef>
+          <a:effectRef idx="0">
+            <a:schemeClr val="accent1"/>
+          </a:effectRef>
+          <a:fontRef idx="minor">
+            <a:schemeClr val="lt1"/>
+          </a:fontRef>
+        </p:style>
+        <p:txBody>
+          <a:bodyPr rtlCol="0" anchor="ctr"/>
+          <a:lstStyle/>
+          <a:p>
+            <a:pPr algn="ctr"/>
+            <a:endParaRPr lang="id-ID" sz="3600">
+              <a:solidFill>
+                <a:schemeClr val="bg1"/>
+              </a:solidFill>
+              <a:effectLst>
+                <a:outerShdw blurRad="38100" dist="38100" dir="2700000" algn="tl">
+                  <a:srgbClr val="000000">
+                    <a:alpha val="43137"/>
+                  </a:srgbClr>
+                </a:outerShdw>
+              </a:effectLst>
+              <a:latin typeface="华文细黑" panose="02010600040101010101" pitchFamily="2" charset="-122"/>
+              <a:ea typeface="华文细黑" panose="02010600040101010101" pitchFamily="2" charset="-122"/>
+            </a:endParaRPr>
+          </a:p>
+        </p:txBody>
+      </p:sp>
+      <p:grpSp>
+        <p:nvGrpSpPr>
+          <p:cNvPr id="68" name="Group 44">
+            <a:extLst>
+              <a:ext uri="{FF2B5EF4-FFF2-40B4-BE49-F238E27FC236}">
+                <a16:creationId xmlns:a16="http://schemas.microsoft.com/office/drawing/2014/main" id="{178A459D-D125-4ADE-A85D-33A677146529}"/>
+              </a:ext>
+            </a:extLst>
+          </p:cNvPr>
+          <p:cNvGrpSpPr/>
+          <p:nvPr/>
+        </p:nvGrpSpPr>
+        <p:grpSpPr>
+          <a:xfrm>
+            <a:off x="6506091" y="5061434"/>
+            <a:ext cx="400795" cy="345151"/>
+            <a:chOff x="2727325" y="-39687"/>
+            <a:chExt cx="1463675" cy="1260475"/>
+          </a:xfrm>
+          <a:solidFill>
+            <a:srgbClr val="12192D"/>
+          </a:solidFill>
+          <a:effectLst/>
+        </p:grpSpPr>
+        <p:sp>
+          <p:nvSpPr>
+            <p:cNvPr id="69" name="Freeform 20">
+              <a:extLst>
+                <a:ext uri="{FF2B5EF4-FFF2-40B4-BE49-F238E27FC236}">
+                  <a16:creationId xmlns:a16="http://schemas.microsoft.com/office/drawing/2014/main" id="{6C8568F0-9BB4-4B48-B0FC-F27A30AB0076}"/>
+                </a:ext>
+              </a:extLst>
+            </p:cNvPr>
+            <p:cNvSpPr>
+              <a:spLocks noEditPoints="1"/>
+            </p:cNvSpPr>
+            <p:nvPr/>
+          </p:nvSpPr>
+          <p:spPr bwMode="auto">
+            <a:xfrm>
+              <a:off x="2727325" y="-39687"/>
+              <a:ext cx="1463675" cy="1260475"/>
+            </a:xfrm>
+            <a:custGeom>
+              <a:avLst/>
+              <a:gdLst>
+                <a:gd name="T0" fmla="*/ 347 w 390"/>
+                <a:gd name="T1" fmla="*/ 42 h 336"/>
+                <a:gd name="T2" fmla="*/ 195 w 390"/>
+                <a:gd name="T3" fmla="*/ 38 h 336"/>
+                <a:gd name="T4" fmla="*/ 43 w 390"/>
+                <a:gd name="T5" fmla="*/ 42 h 336"/>
+                <a:gd name="T6" fmla="*/ 43 w 390"/>
+                <a:gd name="T7" fmla="*/ 196 h 336"/>
+                <a:gd name="T8" fmla="*/ 170 w 390"/>
+                <a:gd name="T9" fmla="*/ 322 h 336"/>
+                <a:gd name="T10" fmla="*/ 220 w 390"/>
+                <a:gd name="T11" fmla="*/ 322 h 336"/>
+                <a:gd name="T12" fmla="*/ 347 w 390"/>
+                <a:gd name="T13" fmla="*/ 196 h 336"/>
+                <a:gd name="T14" fmla="*/ 347 w 390"/>
+                <a:gd name="T15" fmla="*/ 42 h 336"/>
+                <a:gd name="T16" fmla="*/ 330 w 390"/>
+                <a:gd name="T17" fmla="*/ 180 h 336"/>
+                <a:gd name="T18" fmla="*/ 203 w 390"/>
+                <a:gd name="T19" fmla="*/ 306 h 336"/>
+                <a:gd name="T20" fmla="*/ 187 w 390"/>
+                <a:gd name="T21" fmla="*/ 306 h 336"/>
+                <a:gd name="T22" fmla="*/ 59 w 390"/>
+                <a:gd name="T23" fmla="*/ 180 h 336"/>
+                <a:gd name="T24" fmla="*/ 59 w 390"/>
+                <a:gd name="T25" fmla="*/ 58 h 336"/>
+                <a:gd name="T26" fmla="*/ 179 w 390"/>
+                <a:gd name="T27" fmla="*/ 55 h 336"/>
+                <a:gd name="T28" fmla="*/ 195 w 390"/>
+                <a:gd name="T29" fmla="*/ 70 h 336"/>
+                <a:gd name="T30" fmla="*/ 210 w 390"/>
+                <a:gd name="T31" fmla="*/ 55 h 336"/>
+                <a:gd name="T32" fmla="*/ 330 w 390"/>
+                <a:gd name="T33" fmla="*/ 58 h 336"/>
+                <a:gd name="T34" fmla="*/ 330 w 390"/>
+                <a:gd name="T35" fmla="*/ 180 h 336"/>
+              </a:gdLst>
+              <a:ahLst/>
+              <a:cxnLst>
+                <a:cxn ang="0">
+                  <a:pos x="T0" y="T1"/>
+                </a:cxn>
+                <a:cxn ang="0">
+                  <a:pos x="T2" y="T3"/>
+                </a:cxn>
+                <a:cxn ang="0">
+                  <a:pos x="T4" y="T5"/>
+                </a:cxn>
+                <a:cxn ang="0">
+                  <a:pos x="T6" y="T7"/>
+                </a:cxn>
+                <a:cxn ang="0">
+                  <a:pos x="T8" y="T9"/>
+                </a:cxn>
+                <a:cxn ang="0">
+                  <a:pos x="T10" y="T11"/>
+                </a:cxn>
+                <a:cxn ang="0">
+                  <a:pos x="T12" y="T13"/>
+                </a:cxn>
+                <a:cxn ang="0">
+                  <a:pos x="T14" y="T15"/>
+                </a:cxn>
+                <a:cxn ang="0">
+                  <a:pos x="T16" y="T17"/>
+                </a:cxn>
+                <a:cxn ang="0">
+                  <a:pos x="T18" y="T19"/>
+                </a:cxn>
+                <a:cxn ang="0">
+                  <a:pos x="T20" y="T21"/>
+                </a:cxn>
+                <a:cxn ang="0">
+                  <a:pos x="T22" y="T23"/>
+                </a:cxn>
+                <a:cxn ang="0">
+                  <a:pos x="T24" y="T25"/>
+                </a:cxn>
+                <a:cxn ang="0">
+                  <a:pos x="T26" y="T27"/>
+                </a:cxn>
+                <a:cxn ang="0">
+                  <a:pos x="T28" y="T29"/>
+                </a:cxn>
+                <a:cxn ang="0">
+                  <a:pos x="T30" y="T31"/>
+                </a:cxn>
+                <a:cxn ang="0">
+                  <a:pos x="T32" y="T33"/>
+                </a:cxn>
+                <a:cxn ang="0">
+                  <a:pos x="T34" y="T35"/>
+                </a:cxn>
+              </a:cxnLst>
+              <a:rect l="0" t="0" r="r" b="b"/>
+              <a:pathLst>
+                <a:path w="390" h="336">
+                  <a:moveTo>
+                    <a:pt x="347" y="42"/>
+                  </a:moveTo>
+                  <a:cubicBezTo>
+                    <a:pt x="305" y="0"/>
+                    <a:pt x="238" y="0"/>
+                    <a:pt x="195" y="38"/>
+                  </a:cubicBezTo>
+                  <a:cubicBezTo>
+                    <a:pt x="152" y="0"/>
+                    <a:pt x="85" y="0"/>
+                    <a:pt x="43" y="42"/>
+                  </a:cubicBezTo>
+                  <a:cubicBezTo>
+                    <a:pt x="0" y="84"/>
+                    <a:pt x="0" y="154"/>
+                    <a:pt x="43" y="196"/>
+                  </a:cubicBezTo>
+                  <a:cubicBezTo>
+                    <a:pt x="55" y="208"/>
+                    <a:pt x="170" y="322"/>
+                    <a:pt x="170" y="322"/>
+                  </a:cubicBezTo>
+                  <a:cubicBezTo>
+                    <a:pt x="184" y="336"/>
+                    <a:pt x="206" y="336"/>
+                    <a:pt x="220" y="322"/>
+                  </a:cubicBezTo>
+                  <a:cubicBezTo>
+                    <a:pt x="220" y="322"/>
+                    <a:pt x="345" y="198"/>
+                    <a:pt x="347" y="196"/>
+                  </a:cubicBezTo>
+                  <a:cubicBezTo>
+                    <a:pt x="390" y="154"/>
+                    <a:pt x="390" y="84"/>
+                    <a:pt x="347" y="42"/>
+                  </a:cubicBezTo>
+                  <a:close/>
+                  <a:moveTo>
+                    <a:pt x="330" y="180"/>
+                  </a:moveTo>
+                  <a:cubicBezTo>
+                    <a:pt x="203" y="306"/>
+                    <a:pt x="203" y="306"/>
+                    <a:pt x="203" y="306"/>
+                  </a:cubicBezTo>
+                  <a:cubicBezTo>
+                    <a:pt x="199" y="310"/>
+                    <a:pt x="191" y="310"/>
+                    <a:pt x="187" y="306"/>
+                  </a:cubicBezTo>
+                  <a:cubicBezTo>
+                    <a:pt x="59" y="180"/>
+                    <a:pt x="59" y="180"/>
+                    <a:pt x="59" y="180"/>
+                  </a:cubicBezTo>
+                  <a:cubicBezTo>
+                    <a:pt x="25" y="146"/>
+                    <a:pt x="25" y="92"/>
+                    <a:pt x="59" y="58"/>
+                  </a:cubicBezTo>
+                  <a:cubicBezTo>
+                    <a:pt x="92" y="26"/>
+                    <a:pt x="145" y="25"/>
+                    <a:pt x="179" y="55"/>
+                  </a:cubicBezTo>
+                  <a:cubicBezTo>
+                    <a:pt x="195" y="70"/>
+                    <a:pt x="195" y="70"/>
+                    <a:pt x="195" y="70"/>
+                  </a:cubicBezTo>
+                  <a:cubicBezTo>
+                    <a:pt x="210" y="55"/>
+                    <a:pt x="210" y="55"/>
+                    <a:pt x="210" y="55"/>
+                  </a:cubicBezTo>
+                  <a:cubicBezTo>
+                    <a:pt x="245" y="25"/>
+                    <a:pt x="298" y="26"/>
+                    <a:pt x="330" y="58"/>
+                  </a:cubicBezTo>
+                  <a:cubicBezTo>
+                    <a:pt x="364" y="92"/>
+                    <a:pt x="364" y="146"/>
+                    <a:pt x="330" y="180"/>
+                  </a:cubicBezTo>
+                  <a:close/>
+                </a:path>
+              </a:pathLst>
+            </a:custGeom>
+            <a:grpFill/>
+            <a:ln>
+              <a:noFill/>
+            </a:ln>
+          </p:spPr>
+          <p:txBody>
+            <a:bodyPr vert="horz" wrap="square" lIns="91440" tIns="45720" rIns="91440" bIns="45720" numCol="1" anchor="t" anchorCtr="0" compatLnSpc="1"/>
+            <a:lstStyle/>
+            <a:p>
+              <a:endParaRPr lang="id-ID">
+                <a:solidFill>
+                  <a:schemeClr val="bg1"/>
+                </a:solidFill>
+                <a:latin typeface="华文细黑" panose="02010600040101010101" pitchFamily="2" charset="-122"/>
+                <a:ea typeface="华文细黑" panose="02010600040101010101" pitchFamily="2" charset="-122"/>
+              </a:endParaRPr>
+            </a:p>
+          </p:txBody>
+        </p:sp>
+        <p:sp>
+          <p:nvSpPr>
+            <p:cNvPr id="72" name="Freeform 21">
+              <a:extLst>
+                <a:ext uri="{FF2B5EF4-FFF2-40B4-BE49-F238E27FC236}">
+                  <a16:creationId xmlns:a16="http://schemas.microsoft.com/office/drawing/2014/main" id="{AB59171A-0E80-4C9F-81CF-088FC62D70DA}"/>
+                </a:ext>
+              </a:extLst>
+            </p:cNvPr>
+            <p:cNvSpPr/>
+            <p:nvPr/>
+          </p:nvSpPr>
+          <p:spPr bwMode="auto">
+            <a:xfrm>
+              <a:off x="2982913" y="215900"/>
+              <a:ext cx="206375" cy="201612"/>
+            </a:xfrm>
+            <a:custGeom>
+              <a:avLst/>
+              <a:gdLst>
+                <a:gd name="T0" fmla="*/ 49 w 55"/>
+                <a:gd name="T1" fmla="*/ 0 h 54"/>
+                <a:gd name="T2" fmla="*/ 49 w 55"/>
+                <a:gd name="T3" fmla="*/ 0 h 54"/>
+                <a:gd name="T4" fmla="*/ 0 w 55"/>
+                <a:gd name="T5" fmla="*/ 48 h 54"/>
+                <a:gd name="T6" fmla="*/ 0 w 55"/>
+                <a:gd name="T7" fmla="*/ 48 h 54"/>
+                <a:gd name="T8" fmla="*/ 6 w 55"/>
+                <a:gd name="T9" fmla="*/ 54 h 54"/>
+                <a:gd name="T10" fmla="*/ 12 w 55"/>
+                <a:gd name="T11" fmla="*/ 48 h 54"/>
+                <a:gd name="T12" fmla="*/ 12 w 55"/>
+                <a:gd name="T13" fmla="*/ 48 h 54"/>
+                <a:gd name="T14" fmla="*/ 49 w 55"/>
+                <a:gd name="T15" fmla="*/ 11 h 54"/>
+                <a:gd name="T16" fmla="*/ 49 w 55"/>
+                <a:gd name="T17" fmla="*/ 11 h 54"/>
+                <a:gd name="T18" fmla="*/ 55 w 55"/>
+                <a:gd name="T19" fmla="*/ 5 h 54"/>
+                <a:gd name="T20" fmla="*/ 49 w 55"/>
+                <a:gd name="T21" fmla="*/ 0 h 54"/>
+              </a:gdLst>
+              <a:ahLst/>
+              <a:cxnLst>
+                <a:cxn ang="0">
+                  <a:pos x="T0" y="T1"/>
+                </a:cxn>
+                <a:cxn ang="0">
+                  <a:pos x="T2" y="T3"/>
+                </a:cxn>
+                <a:cxn ang="0">
+                  <a:pos x="T4" y="T5"/>
+                </a:cxn>
+                <a:cxn ang="0">
+                  <a:pos x="T6" y="T7"/>
+                </a:cxn>
+                <a:cxn ang="0">
+                  <a:pos x="T8" y="T9"/>
+                </a:cxn>
+                <a:cxn ang="0">
+                  <a:pos x="T10" y="T11"/>
+                </a:cxn>
+                <a:cxn ang="0">
+                  <a:pos x="T12" y="T13"/>
+                </a:cxn>
+                <a:cxn ang="0">
+                  <a:pos x="T14" y="T15"/>
+                </a:cxn>
+                <a:cxn ang="0">
+                  <a:pos x="T16" y="T17"/>
+                </a:cxn>
+                <a:cxn ang="0">
+                  <a:pos x="T18" y="T19"/>
+                </a:cxn>
+                <a:cxn ang="0">
+                  <a:pos x="T20" y="T21"/>
+                </a:cxn>
+              </a:cxnLst>
+              <a:rect l="0" t="0" r="r" b="b"/>
+              <a:pathLst>
+                <a:path w="55" h="54">
+                  <a:moveTo>
+                    <a:pt x="49" y="0"/>
+                  </a:moveTo>
+                  <a:cubicBezTo>
+                    <a:pt x="49" y="0"/>
+                    <a:pt x="49" y="0"/>
+                    <a:pt x="49" y="0"/>
+                  </a:cubicBezTo>
+                  <a:cubicBezTo>
+                    <a:pt x="22" y="0"/>
+                    <a:pt x="0" y="21"/>
+                    <a:pt x="0" y="48"/>
+                  </a:cubicBezTo>
+                  <a:cubicBezTo>
+                    <a:pt x="0" y="48"/>
+                    <a:pt x="0" y="48"/>
+                    <a:pt x="0" y="48"/>
+                  </a:cubicBezTo>
+                  <a:cubicBezTo>
+                    <a:pt x="0" y="52"/>
+                    <a:pt x="3" y="54"/>
+                    <a:pt x="6" y="54"/>
+                  </a:cubicBezTo>
+                  <a:cubicBezTo>
+                    <a:pt x="9" y="54"/>
+                    <a:pt x="12" y="52"/>
+                    <a:pt x="12" y="48"/>
+                  </a:cubicBezTo>
+                  <a:cubicBezTo>
+                    <a:pt x="12" y="48"/>
+                    <a:pt x="12" y="48"/>
+                    <a:pt x="12" y="48"/>
+                  </a:cubicBezTo>
+                  <a:cubicBezTo>
+                    <a:pt x="12" y="28"/>
+                    <a:pt x="29" y="11"/>
+                    <a:pt x="49" y="11"/>
+                  </a:cubicBezTo>
+                  <a:cubicBezTo>
+                    <a:pt x="49" y="11"/>
+                    <a:pt x="49" y="11"/>
+                    <a:pt x="49" y="11"/>
+                  </a:cubicBezTo>
+                  <a:cubicBezTo>
+                    <a:pt x="52" y="11"/>
+                    <a:pt x="55" y="8"/>
+                    <a:pt x="55" y="5"/>
+                  </a:cubicBezTo>
+                  <a:cubicBezTo>
+                    <a:pt x="55" y="2"/>
+                    <a:pt x="52" y="0"/>
+                    <a:pt x="49" y="0"/>
+                  </a:cubicBezTo>
+                  <a:close/>
+                </a:path>
+              </a:pathLst>
+            </a:custGeom>
+            <a:grpFill/>
+            <a:ln>
+              <a:noFill/>
+            </a:ln>
+          </p:spPr>
+          <p:txBody>
+            <a:bodyPr vert="horz" wrap="square" lIns="91440" tIns="45720" rIns="91440" bIns="45720" numCol="1" anchor="t" anchorCtr="0" compatLnSpc="1"/>
+            <a:lstStyle/>
+            <a:p>
+              <a:endParaRPr lang="id-ID">
+                <a:solidFill>
+                  <a:schemeClr val="bg1"/>
+                </a:solidFill>
+                <a:latin typeface="华文细黑" panose="02010600040101010101" pitchFamily="2" charset="-122"/>
+                <a:ea typeface="华文细黑" panose="02010600040101010101" pitchFamily="2" charset="-122"/>
+              </a:endParaRPr>
+            </a:p>
+          </p:txBody>
+        </p:sp>
+      </p:grpSp>
+      <p:sp>
+        <p:nvSpPr>
+          <p:cNvPr id="73" name="矩形 72">
+            <a:extLst>
+              <a:ext uri="{FF2B5EF4-FFF2-40B4-BE49-F238E27FC236}">
+                <a16:creationId xmlns:a16="http://schemas.microsoft.com/office/drawing/2014/main" id="{39293F3F-9DDB-42A3-841E-3AA14E394257}"/>
+              </a:ext>
+            </a:extLst>
+          </p:cNvPr>
+          <p:cNvSpPr/>
+          <p:nvPr/>
+        </p:nvSpPr>
+        <p:spPr>
+          <a:xfrm>
+            <a:off x="2567355" y="5155358"/>
+            <a:ext cx="2879413" cy="1170129"/>
+          </a:xfrm>
+          <a:prstGeom prst="rect">
+            <a:avLst/>
+          </a:prstGeom>
+        </p:spPr>
+        <p:txBody>
+          <a:bodyPr wrap="square">
+            <a:spAutoFit/>
+          </a:bodyPr>
+          <a:lstStyle/>
+          <a:p>
+            <a:pPr>
+              <a:lnSpc>
+                <a:spcPct val="130000"/>
+              </a:lnSpc>
+            </a:pPr>
+            <a:r>
+              <a:rPr lang="zh-CN" altLang="en-US" sz="1100" dirty="0">
+                <a:solidFill>
+                  <a:schemeClr val="bg1"/>
+                </a:solidFill>
+                <a:latin typeface="华文细黑" panose="02010600040101010101" pitchFamily="2" charset="-122"/>
+                <a:ea typeface="华文细黑" panose="02010600040101010101" pitchFamily="2" charset="-122"/>
+              </a:rPr>
+              <a:t>模型开发：</a:t>
+            </a:r>
+            <a:endParaRPr lang="en-US" altLang="zh-CN" sz="1100" dirty="0">
+              <a:solidFill>
+                <a:schemeClr val="bg1"/>
+              </a:solidFill>
+              <a:latin typeface="华文细黑" panose="02010600040101010101" pitchFamily="2" charset="-122"/>
+              <a:ea typeface="华文细黑" panose="02010600040101010101" pitchFamily="2" charset="-122"/>
+            </a:endParaRPr>
+          </a:p>
+          <a:p>
+            <a:pPr>
+              <a:lnSpc>
+                <a:spcPct val="130000"/>
+              </a:lnSpc>
+            </a:pPr>
+            <a:r>
+              <a:rPr lang="zh-CN" altLang="en-US" sz="1100" dirty="0">
+                <a:solidFill>
+                  <a:schemeClr val="bg1"/>
+                </a:solidFill>
+                <a:latin typeface="华文细黑" panose="02010600040101010101" pitchFamily="2" charset="-122"/>
+                <a:ea typeface="华文细黑" panose="02010600040101010101" pitchFamily="2" charset="-122"/>
+              </a:rPr>
+              <a:t>在</a:t>
+            </a:r>
+            <a:r>
+              <a:rPr lang="en-US" altLang="zh-CN" sz="1100" dirty="0">
+                <a:solidFill>
+                  <a:schemeClr val="bg1"/>
+                </a:solidFill>
+                <a:latin typeface="华文细黑" panose="02010600040101010101" pitchFamily="2" charset="-122"/>
+                <a:ea typeface="华文细黑" panose="02010600040101010101" pitchFamily="2" charset="-122"/>
+              </a:rPr>
+              <a:t>ARIMA</a:t>
+            </a:r>
+            <a:r>
+              <a:rPr lang="zh-CN" altLang="en-US" sz="1100" dirty="0">
+                <a:solidFill>
+                  <a:schemeClr val="bg1"/>
+                </a:solidFill>
+                <a:latin typeface="华文细黑" panose="02010600040101010101" pitchFamily="2" charset="-122"/>
+                <a:ea typeface="华文细黑" panose="02010600040101010101" pitchFamily="2" charset="-122"/>
+              </a:rPr>
+              <a:t>模型的基础上，继续开发</a:t>
+            </a:r>
+            <a:r>
+              <a:rPr lang="en-US" altLang="zh-CN" sz="1100" dirty="0" err="1">
+                <a:solidFill>
+                  <a:schemeClr val="bg1"/>
+                </a:solidFill>
+                <a:latin typeface="Segoe UI Light" panose="020B0502040204020203" pitchFamily="34" charset="0"/>
+              </a:rPr>
+              <a:t>Fbprophet</a:t>
+            </a:r>
+            <a:r>
+              <a:rPr lang="zh-CN" altLang="en-US" sz="1100" dirty="0">
+                <a:solidFill>
+                  <a:schemeClr val="bg1"/>
+                </a:solidFill>
+                <a:latin typeface="Segoe UI Light" panose="020B0502040204020203" pitchFamily="34" charset="0"/>
+              </a:rPr>
+              <a:t>和</a:t>
+            </a:r>
+            <a:r>
+              <a:rPr lang="en-US" altLang="zh-CN" sz="1100" dirty="0" err="1">
+                <a:solidFill>
+                  <a:schemeClr val="bg1"/>
+                </a:solidFill>
+                <a:latin typeface="Segoe UI Light" panose="020B0502040204020203" pitchFamily="34" charset="0"/>
+              </a:rPr>
+              <a:t>Xgboost</a:t>
+            </a:r>
+            <a:r>
+              <a:rPr lang="zh-CN" altLang="en-US" sz="1100" dirty="0">
+                <a:solidFill>
+                  <a:schemeClr val="bg1"/>
+                </a:solidFill>
+                <a:latin typeface="Segoe UI Light" panose="020B0502040204020203" pitchFamily="34" charset="0"/>
+              </a:rPr>
+              <a:t>模型</a:t>
+            </a:r>
+            <a:endParaRPr lang="en-US" altLang="zh-CN" sz="1100" dirty="0">
+              <a:solidFill>
+                <a:schemeClr val="bg1"/>
+              </a:solidFill>
+              <a:latin typeface="Segoe UI Light" panose="020B0502040204020203" pitchFamily="34" charset="0"/>
+            </a:endParaRPr>
+          </a:p>
+          <a:p>
+            <a:pPr>
+              <a:lnSpc>
+                <a:spcPct val="130000"/>
+              </a:lnSpc>
+            </a:pPr>
+            <a:r>
+              <a:rPr lang="zh-CN" altLang="en-US" sz="1100" dirty="0">
+                <a:solidFill>
+                  <a:schemeClr val="bg1"/>
+                </a:solidFill>
+                <a:latin typeface="Segoe UI Light" panose="020B0502040204020203" pitchFamily="34" charset="0"/>
+                <a:ea typeface="华文细黑" panose="02010600040101010101" pitchFamily="2" charset="-122"/>
+              </a:rPr>
+              <a:t>支线任务：权限管理，部门管理，角色管理</a:t>
+            </a:r>
+            <a:endParaRPr lang="en-US" altLang="zh-CN" sz="1100" dirty="0">
+              <a:solidFill>
+                <a:schemeClr val="bg1"/>
+              </a:solidFill>
+              <a:latin typeface="Segoe UI Light" panose="020B0502040204020203" pitchFamily="34" charset="0"/>
+              <a:ea typeface="华文细黑" panose="02010600040101010101" pitchFamily="2" charset="-122"/>
+            </a:endParaRPr>
+          </a:p>
+          <a:p>
+            <a:pPr>
+              <a:lnSpc>
+                <a:spcPct val="130000"/>
+              </a:lnSpc>
+            </a:pPr>
+            <a:r>
+              <a:rPr lang="en-US" altLang="zh-CN" sz="1100" dirty="0">
+                <a:solidFill>
+                  <a:schemeClr val="bg1"/>
+                </a:solidFill>
+                <a:latin typeface="Segoe UI Light" panose="020B0502040204020203" pitchFamily="34" charset="0"/>
+                <a:ea typeface="华文细黑" panose="02010600040101010101" pitchFamily="2" charset="-122"/>
+              </a:rPr>
+              <a:t>NAT</a:t>
+            </a:r>
+            <a:r>
+              <a:rPr lang="zh-CN" altLang="en-US" sz="1100" dirty="0">
+                <a:solidFill>
+                  <a:schemeClr val="bg1"/>
+                </a:solidFill>
+                <a:latin typeface="Segoe UI Light" panose="020B0502040204020203" pitchFamily="34" charset="0"/>
+                <a:ea typeface="华文细黑" panose="02010600040101010101" pitchFamily="2" charset="-122"/>
+              </a:rPr>
+              <a:t>公网投放</a:t>
+            </a:r>
+            <a:endParaRPr lang="en-US" altLang="zh-CN" sz="1100" dirty="0">
+              <a:solidFill>
+                <a:schemeClr val="bg1"/>
+              </a:solidFill>
+              <a:latin typeface="Segoe UI Light" panose="020B0502040204020203" pitchFamily="34" charset="0"/>
+              <a:ea typeface="华文细黑" panose="02010600040101010101" pitchFamily="2" charset="-122"/>
+            </a:endParaRPr>
+          </a:p>
+        </p:txBody>
+      </p:sp>
+      <p:sp>
+        <p:nvSpPr>
+          <p:cNvPr id="74" name="矩形 73">
+            <a:extLst>
+              <a:ext uri="{FF2B5EF4-FFF2-40B4-BE49-F238E27FC236}">
+                <a16:creationId xmlns:a16="http://schemas.microsoft.com/office/drawing/2014/main" id="{51EE5D75-C966-4128-AAEA-D39B93FB0C98}"/>
+              </a:ext>
+            </a:extLst>
+          </p:cNvPr>
+          <p:cNvSpPr/>
+          <p:nvPr/>
+        </p:nvSpPr>
+        <p:spPr>
+          <a:xfrm>
+            <a:off x="2567354" y="4780208"/>
+            <a:ext cx="2879411" cy="369332"/>
+          </a:xfrm>
+          <a:prstGeom prst="rect">
+            <a:avLst/>
+          </a:prstGeom>
+        </p:spPr>
+        <p:txBody>
+          <a:bodyPr wrap="square">
+            <a:spAutoFit/>
+          </a:bodyPr>
+          <a:lstStyle/>
+          <a:p>
+            <a:r>
+              <a:rPr lang="zh-CN" altLang="en-US" b="1" dirty="0">
+                <a:solidFill>
+                  <a:schemeClr val="bg1"/>
+                </a:solidFill>
+                <a:latin typeface="华文细黑" panose="02010600040101010101" pitchFamily="2" charset="-122"/>
+                <a:ea typeface="华文细黑" panose="02010600040101010101" pitchFamily="2" charset="-122"/>
+              </a:rPr>
+              <a:t>拓展点</a:t>
+            </a:r>
+          </a:p>
+        </p:txBody>
+      </p:sp>
+      <p:sp>
+        <p:nvSpPr>
+          <p:cNvPr id="75" name="矩形 74">
+            <a:extLst>
+              <a:ext uri="{FF2B5EF4-FFF2-40B4-BE49-F238E27FC236}">
+                <a16:creationId xmlns:a16="http://schemas.microsoft.com/office/drawing/2014/main" id="{46D05671-DDA0-4AEE-B6F4-72601768ADFF}"/>
+              </a:ext>
+            </a:extLst>
+          </p:cNvPr>
+          <p:cNvSpPr/>
+          <p:nvPr/>
+        </p:nvSpPr>
+        <p:spPr>
+          <a:xfrm>
+            <a:off x="7359156" y="5155358"/>
+            <a:ext cx="2879413" cy="1170257"/>
+          </a:xfrm>
+          <a:prstGeom prst="rect">
+            <a:avLst/>
+          </a:prstGeom>
+        </p:spPr>
+        <p:txBody>
+          <a:bodyPr wrap="square">
+            <a:spAutoFit/>
+          </a:bodyPr>
+          <a:lstStyle/>
+          <a:p>
+            <a:pPr>
+              <a:lnSpc>
+                <a:spcPct val="130000"/>
+              </a:lnSpc>
+            </a:pPr>
+            <a:r>
+              <a:rPr lang="zh-CN" altLang="en-US" sz="1100" dirty="0">
+                <a:solidFill>
+                  <a:schemeClr val="bg1"/>
+                </a:solidFill>
+                <a:latin typeface="华文细黑" panose="02010600040101010101" pitchFamily="2" charset="-122"/>
+                <a:ea typeface="华文细黑" panose="02010600040101010101" pitchFamily="2" charset="-122"/>
+              </a:rPr>
+              <a:t>大型数据支撑：</a:t>
+            </a:r>
+            <a:endParaRPr lang="en-US" altLang="zh-CN" sz="1100" dirty="0">
+              <a:solidFill>
+                <a:schemeClr val="bg1"/>
+              </a:solidFill>
+              <a:latin typeface="华文细黑" panose="02010600040101010101" pitchFamily="2" charset="-122"/>
+              <a:ea typeface="华文细黑" panose="02010600040101010101" pitchFamily="2" charset="-122"/>
+            </a:endParaRPr>
+          </a:p>
+          <a:p>
+            <a:pPr>
+              <a:lnSpc>
+                <a:spcPct val="130000"/>
+              </a:lnSpc>
+            </a:pPr>
+            <a:r>
+              <a:rPr lang="zh-CN" altLang="en-US" sz="1100" dirty="0">
+                <a:solidFill>
+                  <a:schemeClr val="bg1"/>
+                </a:solidFill>
+                <a:latin typeface="华文细黑" panose="02010600040101010101" pitchFamily="2" charset="-122"/>
+                <a:ea typeface="华文细黑" panose="02010600040101010101" pitchFamily="2" charset="-122"/>
+              </a:rPr>
+              <a:t>把北京预测的任务推广到全国主要城市</a:t>
+            </a:r>
+            <a:endParaRPr lang="en-US" altLang="zh-CN" sz="1100" dirty="0">
+              <a:solidFill>
+                <a:schemeClr val="bg1"/>
+              </a:solidFill>
+              <a:latin typeface="华文细黑" panose="02010600040101010101" pitchFamily="2" charset="-122"/>
+              <a:ea typeface="华文细黑" panose="02010600040101010101" pitchFamily="2" charset="-122"/>
+            </a:endParaRPr>
+          </a:p>
+          <a:p>
+            <a:pPr>
+              <a:lnSpc>
+                <a:spcPct val="130000"/>
+              </a:lnSpc>
+            </a:pPr>
+            <a:endParaRPr lang="en-US" altLang="zh-CN" sz="1100" dirty="0">
+              <a:solidFill>
+                <a:schemeClr val="bg1"/>
+              </a:solidFill>
+              <a:latin typeface="华文细黑" panose="02010600040101010101" pitchFamily="2" charset="-122"/>
+              <a:ea typeface="华文细黑" panose="02010600040101010101" pitchFamily="2" charset="-122"/>
+            </a:endParaRPr>
+          </a:p>
+          <a:p>
+            <a:pPr>
+              <a:lnSpc>
+                <a:spcPct val="130000"/>
+              </a:lnSpc>
+            </a:pPr>
+            <a:r>
+              <a:rPr lang="zh-CN" altLang="en-US" sz="1100" dirty="0">
+                <a:solidFill>
+                  <a:schemeClr val="bg1"/>
+                </a:solidFill>
+                <a:latin typeface="华文细黑" panose="02010600040101010101" pitchFamily="2" charset="-122"/>
+                <a:ea typeface="华文细黑" panose="02010600040101010101" pitchFamily="2" charset="-122"/>
+              </a:rPr>
+              <a:t>数据库支撑：</a:t>
+            </a:r>
+            <a:endParaRPr lang="en-US" altLang="zh-CN" sz="1100" dirty="0">
+              <a:solidFill>
+                <a:schemeClr val="bg1"/>
+              </a:solidFill>
+              <a:latin typeface="华文细黑" panose="02010600040101010101" pitchFamily="2" charset="-122"/>
+              <a:ea typeface="华文细黑" panose="02010600040101010101" pitchFamily="2" charset="-122"/>
+            </a:endParaRPr>
+          </a:p>
+          <a:p>
+            <a:pPr>
+              <a:lnSpc>
+                <a:spcPct val="130000"/>
+              </a:lnSpc>
+            </a:pPr>
+            <a:r>
+              <a:rPr lang="en-US" altLang="zh-CN" sz="1100" dirty="0">
+                <a:solidFill>
+                  <a:schemeClr val="bg1"/>
+                </a:solidFill>
+                <a:latin typeface="华文细黑" panose="02010600040101010101" pitchFamily="2" charset="-122"/>
+                <a:ea typeface="华文细黑" panose="02010600040101010101" pitchFamily="2" charset="-122"/>
+              </a:rPr>
+              <a:t>MySQL</a:t>
+            </a:r>
+            <a:r>
+              <a:rPr lang="zh-CN" altLang="en-US" sz="1100" dirty="0">
+                <a:solidFill>
+                  <a:schemeClr val="bg1"/>
+                </a:solidFill>
+                <a:latin typeface="华文细黑" panose="02010600040101010101" pitchFamily="2" charset="-122"/>
+                <a:ea typeface="华文细黑" panose="02010600040101010101" pitchFamily="2" charset="-122"/>
+              </a:rPr>
+              <a:t>对于数据的存储</a:t>
+            </a:r>
+            <a:endParaRPr lang="en-US" altLang="zh-CN" sz="1100" dirty="0">
+              <a:solidFill>
+                <a:schemeClr val="bg1"/>
+              </a:solidFill>
+              <a:latin typeface="华文细黑" panose="02010600040101010101" pitchFamily="2" charset="-122"/>
+              <a:ea typeface="华文细黑" panose="02010600040101010101" pitchFamily="2" charset="-122"/>
+            </a:endParaRPr>
+          </a:p>
+        </p:txBody>
+      </p:sp>
+      <p:sp>
+        <p:nvSpPr>
+          <p:cNvPr id="76" name="矩形 75">
+            <a:extLst>
+              <a:ext uri="{FF2B5EF4-FFF2-40B4-BE49-F238E27FC236}">
+                <a16:creationId xmlns:a16="http://schemas.microsoft.com/office/drawing/2014/main" id="{1B80F4B9-FDDE-40B9-B9D1-98BF5486507E}"/>
+              </a:ext>
+            </a:extLst>
+          </p:cNvPr>
+          <p:cNvSpPr/>
+          <p:nvPr/>
+        </p:nvSpPr>
+        <p:spPr>
+          <a:xfrm>
+            <a:off x="7359155" y="4780208"/>
+            <a:ext cx="2879411" cy="369332"/>
+          </a:xfrm>
+          <a:prstGeom prst="rect">
+            <a:avLst/>
+          </a:prstGeom>
+        </p:spPr>
+        <p:txBody>
+          <a:bodyPr wrap="square">
+            <a:spAutoFit/>
+          </a:bodyPr>
+          <a:lstStyle/>
+          <a:p>
+            <a:r>
+              <a:rPr lang="zh-CN" altLang="en-US" b="1" dirty="0">
+                <a:solidFill>
+                  <a:schemeClr val="bg1"/>
+                </a:solidFill>
+                <a:latin typeface="华文细黑" panose="02010600040101010101" pitchFamily="2" charset="-122"/>
+                <a:ea typeface="华文细黑" panose="02010600040101010101" pitchFamily="2" charset="-122"/>
+              </a:rPr>
+              <a:t>拓展部分</a:t>
+            </a:r>
+          </a:p>
+        </p:txBody>
+      </p:sp>
     </p:spTree>
   </p:cSld>
   <p:clrMapOvr>
@@ -41326,7 +43250,7 @@
 </p:sld>
 </file>
 
-<file path=ppt/slides/slide26.xml><?xml version="1.0" encoding="utf-8"?>
+<file path=ppt/slides/slide27.xml><?xml version="1.0" encoding="utf-8"?>
 <p:sld xmlns:a="http://schemas.openxmlformats.org/drawingml/2006/main" xmlns:r="http://schemas.openxmlformats.org/officeDocument/2006/relationships" xmlns:p="http://schemas.openxmlformats.org/presentationml/2006/main">
   <p:cSld>
     <p:spTree>
@@ -42214,15 +44138,7 @@
           <a:p>
             <a:r>
               <a:rPr lang="zh-CN" altLang="zh-CN" dirty="0"/>
-              <a:t>该项目通过对</a:t>
-            </a:r>
-            <a:r>
-              <a:rPr lang="en-US" altLang="zh-CN" dirty="0"/>
-              <a:t>NCDC </a:t>
-            </a:r>
-            <a:r>
-              <a:rPr lang="zh-CN" altLang="zh-CN" dirty="0"/>
-              <a:t>气象网站进行数据采集，对数据进行清洗后，</a:t>
+              <a:t>该项目通过气象网站进行数据采集，对数据进行清洗后，</a:t>
             </a:r>
             <a:r>
               <a:rPr lang="zh-CN" altLang="en-US" dirty="0"/>
